--- a/workshop1/Kafka - 101.pptx
+++ b/workshop1/Kafka - 101.pptx
@@ -1913,7 +1913,7 @@
           </a:ln>
           <a:extLst>
             <a:ext uri="{C572A759-6A51-4108-AA02-DFA0A04FC94B}">
-              <ma14:wrappingTextBoxFlag xmlns="" xmlns:ma14="http://schemas.microsoft.com/office/mac/drawingml/2011/main" xmlns:a14="http://schemas.microsoft.com/office/drawing/2010/main" xmlns:m="http://schemas.openxmlformats.org/officeDocument/2006/math" val="1"/>
+              <ma14:wrappingTextBoxFlag xmlns:m="http://schemas.openxmlformats.org/officeDocument/2006/math" xmlns:a14="http://schemas.microsoft.com/office/drawing/2010/main" xmlns:ma14="http://schemas.microsoft.com/office/mac/drawingml/2011/main" xmlns="" val="1"/>
             </a:ext>
           </a:extLst>
         </p:spPr>
@@ -10606,7 +10606,7 @@
           </a:ln>
           <a:extLst>
             <a:ext uri="{C572A759-6A51-4108-AA02-DFA0A04FC94B}">
-              <ma14:wrappingTextBoxFlag xmlns="" xmlns:m="http://schemas.openxmlformats.org/officeDocument/2006/math" xmlns:a14="http://schemas.microsoft.com/office/drawing/2010/main" xmlns:ma14="http://schemas.microsoft.com/office/mac/drawingml/2011/main" val="1"/>
+              <ma14:wrappingTextBoxFlag xmlns:ma14="http://schemas.microsoft.com/office/mac/drawingml/2011/main" xmlns:a14="http://schemas.microsoft.com/office/drawing/2010/main" xmlns:m="http://schemas.openxmlformats.org/officeDocument/2006/math" xmlns="" val="1"/>
             </a:ext>
           </a:extLst>
         </p:spPr>
@@ -10890,7 +10890,7 @@
           </a:ln>
           <a:extLst>
             <a:ext uri="{C572A759-6A51-4108-AA02-DFA0A04FC94B}">
-              <ma14:wrappingTextBoxFlag xmlns="" xmlns:m="http://schemas.openxmlformats.org/officeDocument/2006/math" xmlns:a14="http://schemas.microsoft.com/office/drawing/2010/main" xmlns:ma14="http://schemas.microsoft.com/office/mac/drawingml/2011/main" val="1"/>
+              <ma14:wrappingTextBoxFlag xmlns:ma14="http://schemas.microsoft.com/office/mac/drawingml/2011/main" xmlns:a14="http://schemas.microsoft.com/office/drawing/2010/main" xmlns:m="http://schemas.openxmlformats.org/officeDocument/2006/math" xmlns="" val="1"/>
             </a:ext>
           </a:extLst>
         </p:spPr>
@@ -11174,7 +11174,7 @@
           </a:ln>
           <a:extLst>
             <a:ext uri="{C572A759-6A51-4108-AA02-DFA0A04FC94B}">
-              <ma14:wrappingTextBoxFlag xmlns="" xmlns:m="http://schemas.openxmlformats.org/officeDocument/2006/math" xmlns:a14="http://schemas.microsoft.com/office/drawing/2010/main" xmlns:ma14="http://schemas.microsoft.com/office/mac/drawingml/2011/main" val="1"/>
+              <ma14:wrappingTextBoxFlag xmlns:ma14="http://schemas.microsoft.com/office/mac/drawingml/2011/main" xmlns:a14="http://schemas.microsoft.com/office/drawing/2010/main" xmlns:m="http://schemas.openxmlformats.org/officeDocument/2006/math" xmlns="" val="1"/>
             </a:ext>
           </a:extLst>
         </p:spPr>
@@ -11558,7 +11558,7 @@
           </a:ln>
           <a:extLst>
             <a:ext uri="{C572A759-6A51-4108-AA02-DFA0A04FC94B}">
-              <ma14:wrappingTextBoxFlag xmlns="" xmlns:ma14="http://schemas.microsoft.com/office/mac/drawingml/2011/main" xmlns:a14="http://schemas.microsoft.com/office/drawing/2010/main" xmlns:m="http://schemas.openxmlformats.org/officeDocument/2006/math" val="1"/>
+              <ma14:wrappingTextBoxFlag xmlns:m="http://schemas.openxmlformats.org/officeDocument/2006/math" xmlns:a14="http://schemas.microsoft.com/office/drawing/2010/main" xmlns:ma14="http://schemas.microsoft.com/office/mac/drawingml/2011/main" xmlns="" val="1"/>
             </a:ext>
           </a:extLst>
         </p:spPr>
@@ -13945,7 +13945,7 @@
           </a:ln>
           <a:extLst>
             <a:ext uri="{C572A759-6A51-4108-AA02-DFA0A04FC94B}">
-              <ma14:wrappingTextBoxFlag xmlns="" xmlns:m="http://schemas.openxmlformats.org/officeDocument/2006/math" xmlns:a14="http://schemas.microsoft.com/office/drawing/2010/main" xmlns:ma14="http://schemas.microsoft.com/office/mac/drawingml/2011/main" val="1"/>
+              <ma14:wrappingTextBoxFlag xmlns:ma14="http://schemas.microsoft.com/office/mac/drawingml/2011/main" xmlns:a14="http://schemas.microsoft.com/office/drawing/2010/main" xmlns:m="http://schemas.openxmlformats.org/officeDocument/2006/math" xmlns="" val="1"/>
             </a:ext>
           </a:extLst>
         </p:spPr>
@@ -21889,6 +21889,13 @@
               <a:rPr lang="en-NO" dirty="0"/>
               <a:t>SQL like querying of Kafka topics</a:t>
             </a:r>
+          </a:p>
+          <a:p>
+            <a:r>
+              <a:rPr lang="en-NO"/>
+              <a:t>Kafka Schema Registry</a:t>
+            </a:r>
+            <a:endParaRPr lang="en-NO" dirty="0"/>
           </a:p>
         </p:txBody>
       </p:sp>

--- a/workshop1/Kafka - 101.pptx
+++ b/workshop1/Kafka - 101.pptx
@@ -6,12 +6,12 @@
     <p:sldMasterId id="2147483674" r:id="rId2"/>
   </p:sldMasterIdLst>
   <p:notesMasterIdLst>
-    <p:notesMasterId r:id="rId56"/>
+    <p:notesMasterId r:id="rId57"/>
   </p:notesMasterIdLst>
   <p:sldIdLst>
     <p:sldId id="256" r:id="rId3"/>
-    <p:sldId id="300" r:id="rId4"/>
-    <p:sldId id="266" r:id="rId5"/>
+    <p:sldId id="266" r:id="rId4"/>
+    <p:sldId id="300" r:id="rId5"/>
     <p:sldId id="301" r:id="rId6"/>
     <p:sldId id="302" r:id="rId7"/>
     <p:sldId id="303" r:id="rId8"/>
@@ -62,6 +62,7 @@
     <p:sldId id="299" r:id="rId53"/>
     <p:sldId id="297" r:id="rId54"/>
     <p:sldId id="298" r:id="rId55"/>
+    <p:sldId id="310" r:id="rId56"/>
   </p:sldIdLst>
   <p:sldSz cx="12192000" cy="6858000"/>
   <p:notesSz cx="6858000" cy="9144000"/>
@@ -166,14 +167,6 @@
     </p:ext>
   </p:extLst>
 </p:presentation>
-</file>
-
-<file path=ppt/revisionInfo.xml><?xml version="1.0" encoding="utf-8"?>
-<p1510:revInfo xmlns:a="http://schemas.openxmlformats.org/drawingml/2006/main" xmlns:r="http://schemas.openxmlformats.org/officeDocument/2006/relationships" xmlns:p1510="http://schemas.microsoft.com/office/powerpoint/2015/10/main">
-  <p1510:revLst>
-    <p1510:client id="{E471A102-F92A-D84C-8888-0F66404ACBBC}" v="44" dt="2024-01-29T08:42:58.245"/>
-  </p1510:revLst>
-</p1510:revInfo>
 </file>
 
 <file path=ppt/notesMasters/notesMaster1.xml><?xml version="1.0" encoding="utf-8"?>
@@ -1913,7 +1906,7 @@
           </a:ln>
           <a:extLst>
             <a:ext uri="{C572A759-6A51-4108-AA02-DFA0A04FC94B}">
-              <ma14:wrappingTextBoxFlag xmlns:m="http://schemas.openxmlformats.org/officeDocument/2006/math" xmlns:a14="http://schemas.microsoft.com/office/drawing/2010/main" xmlns:ma14="http://schemas.microsoft.com/office/mac/drawingml/2011/main" xmlns="" val="1"/>
+              <ma14:wrappingTextBoxFlag xmlns="" xmlns:ma14="http://schemas.microsoft.com/office/mac/drawingml/2011/main" xmlns:a14="http://schemas.microsoft.com/office/drawing/2010/main" xmlns:m="http://schemas.openxmlformats.org/officeDocument/2006/math" val="1"/>
             </a:ext>
           </a:extLst>
         </p:spPr>
@@ -10606,7 +10599,7 @@
           </a:ln>
           <a:extLst>
             <a:ext uri="{C572A759-6A51-4108-AA02-DFA0A04FC94B}">
-              <ma14:wrappingTextBoxFlag xmlns:ma14="http://schemas.microsoft.com/office/mac/drawingml/2011/main" xmlns:a14="http://schemas.microsoft.com/office/drawing/2010/main" xmlns:m="http://schemas.openxmlformats.org/officeDocument/2006/math" xmlns="" val="1"/>
+              <ma14:wrappingTextBoxFlag xmlns="" xmlns:m="http://schemas.openxmlformats.org/officeDocument/2006/math" xmlns:a14="http://schemas.microsoft.com/office/drawing/2010/main" xmlns:ma14="http://schemas.microsoft.com/office/mac/drawingml/2011/main" val="1"/>
             </a:ext>
           </a:extLst>
         </p:spPr>
@@ -10890,7 +10883,7 @@
           </a:ln>
           <a:extLst>
             <a:ext uri="{C572A759-6A51-4108-AA02-DFA0A04FC94B}">
-              <ma14:wrappingTextBoxFlag xmlns:ma14="http://schemas.microsoft.com/office/mac/drawingml/2011/main" xmlns:a14="http://schemas.microsoft.com/office/drawing/2010/main" xmlns:m="http://schemas.openxmlformats.org/officeDocument/2006/math" xmlns="" val="1"/>
+              <ma14:wrappingTextBoxFlag xmlns="" xmlns:m="http://schemas.openxmlformats.org/officeDocument/2006/math" xmlns:a14="http://schemas.microsoft.com/office/drawing/2010/main" xmlns:ma14="http://schemas.microsoft.com/office/mac/drawingml/2011/main" val="1"/>
             </a:ext>
           </a:extLst>
         </p:spPr>
@@ -11174,7 +11167,7 @@
           </a:ln>
           <a:extLst>
             <a:ext uri="{C572A759-6A51-4108-AA02-DFA0A04FC94B}">
-              <ma14:wrappingTextBoxFlag xmlns:ma14="http://schemas.microsoft.com/office/mac/drawingml/2011/main" xmlns:a14="http://schemas.microsoft.com/office/drawing/2010/main" xmlns:m="http://schemas.openxmlformats.org/officeDocument/2006/math" xmlns="" val="1"/>
+              <ma14:wrappingTextBoxFlag xmlns="" xmlns:m="http://schemas.openxmlformats.org/officeDocument/2006/math" xmlns:a14="http://schemas.microsoft.com/office/drawing/2010/main" xmlns:ma14="http://schemas.microsoft.com/office/mac/drawingml/2011/main" val="1"/>
             </a:ext>
           </a:extLst>
         </p:spPr>
@@ -11558,7 +11551,7 @@
           </a:ln>
           <a:extLst>
             <a:ext uri="{C572A759-6A51-4108-AA02-DFA0A04FC94B}">
-              <ma14:wrappingTextBoxFlag xmlns:m="http://schemas.openxmlformats.org/officeDocument/2006/math" xmlns:a14="http://schemas.microsoft.com/office/drawing/2010/main" xmlns:ma14="http://schemas.microsoft.com/office/mac/drawingml/2011/main" xmlns="" val="1"/>
+              <ma14:wrappingTextBoxFlag xmlns="" xmlns:ma14="http://schemas.microsoft.com/office/mac/drawingml/2011/main" xmlns:a14="http://schemas.microsoft.com/office/drawing/2010/main" xmlns:m="http://schemas.openxmlformats.org/officeDocument/2006/math" val="1"/>
             </a:ext>
           </a:extLst>
         </p:spPr>
@@ -13945,7 +13938,7 @@
           </a:ln>
           <a:extLst>
             <a:ext uri="{C572A759-6A51-4108-AA02-DFA0A04FC94B}">
-              <ma14:wrappingTextBoxFlag xmlns:ma14="http://schemas.microsoft.com/office/mac/drawingml/2011/main" xmlns:a14="http://schemas.microsoft.com/office/drawing/2010/main" xmlns:m="http://schemas.openxmlformats.org/officeDocument/2006/math" xmlns="" val="1"/>
+              <ma14:wrappingTextBoxFlag xmlns="" xmlns:m="http://schemas.openxmlformats.org/officeDocument/2006/math" xmlns:a14="http://schemas.microsoft.com/office/drawing/2010/main" xmlns:ma14="http://schemas.microsoft.com/office/mac/drawingml/2011/main" val="1"/>
             </a:ext>
           </a:extLst>
         </p:spPr>
@@ -16018,12 +16011,18 @@
       </p:grpSpPr>
       <p:sp>
         <p:nvSpPr>
-          <p:cNvPr id="2" name="Title 1"/>
-          <p:cNvSpPr>
-            <a:spLocks noGrp="1"/>
-          </p:cNvSpPr>
-          <p:nvPr>
-            <p:ph type="ctrTitle"/>
+          <p:cNvPr id="2" name="Title 1">
+            <a:extLst>
+              <a:ext uri="{FF2B5EF4-FFF2-40B4-BE49-F238E27FC236}">
+                <a16:creationId xmlns:a16="http://schemas.microsoft.com/office/drawing/2014/main" id="{1FCD41AA-B67F-3205-3293-35B1290A1670}"/>
+              </a:ext>
+            </a:extLst>
+          </p:cNvPr>
+          <p:cNvSpPr>
+            <a:spLocks noGrp="1"/>
+          </p:cNvSpPr>
+          <p:nvPr>
+            <p:ph type="title"/>
           </p:nvPr>
         </p:nvSpPr>
         <p:spPr/>
@@ -16032,47 +16031,125 @@
           <a:lstStyle/>
           <a:p>
             <a:r>
-              <a:rPr lang="en-US" dirty="0">
-                <a:cs typeface="Calibri Light"/>
-              </a:rPr>
-              <a:t>Docker</a:t>
-            </a:r>
-            <a:endParaRPr lang="en-US" dirty="0"/>
-          </a:p>
-        </p:txBody>
-      </p:sp>
-      <p:sp>
-        <p:nvSpPr>
-          <p:cNvPr id="3" name="Subtitle 2"/>
-          <p:cNvSpPr>
-            <a:spLocks noGrp="1"/>
-          </p:cNvSpPr>
-          <p:nvPr>
-            <p:ph type="subTitle" idx="1"/>
+              <a:rPr lang="en-NO" dirty="0"/>
+              <a:t>Agenda for this course</a:t>
+            </a:r>
+          </a:p>
+        </p:txBody>
+      </p:sp>
+      <p:sp>
+        <p:nvSpPr>
+          <p:cNvPr id="3" name="Content Placeholder 2">
+            <a:extLst>
+              <a:ext uri="{FF2B5EF4-FFF2-40B4-BE49-F238E27FC236}">
+                <a16:creationId xmlns:a16="http://schemas.microsoft.com/office/drawing/2014/main" id="{4E453954-0E41-5BF7-C161-5816E51AED30}"/>
+              </a:ext>
+            </a:extLst>
+          </p:cNvPr>
+          <p:cNvSpPr>
+            <a:spLocks noGrp="1"/>
+          </p:cNvSpPr>
+          <p:nvPr>
+            <p:ph idx="1"/>
           </p:nvPr>
         </p:nvSpPr>
         <p:spPr/>
         <p:txBody>
-          <a:bodyPr vert="horz" lIns="91440" tIns="45720" rIns="91440" bIns="45720" rtlCol="0" anchor="t">
-            <a:normAutofit/>
+          <a:bodyPr>
+            <a:normAutofit lnSpcReduction="10000"/>
           </a:bodyPr>
           <a:lstStyle/>
           <a:p>
-            <a:r>
-              <a:rPr lang="en-US" dirty="0">
-                <a:ea typeface="Calibri"/>
-                <a:cs typeface="Calibri"/>
-              </a:rPr>
-              <a:t>Container Technology 101</a:t>
-            </a:r>
-            <a:endParaRPr lang="en-US" dirty="0"/>
+            <a:pPr marL="0" indent="0">
+              <a:buNone/>
+            </a:pPr>
+            <a:r>
+              <a:rPr lang="en-NO" dirty="0"/>
+              <a:t>- Docker</a:t>
+            </a:r>
+          </a:p>
+          <a:p>
+            <a:pPr marL="0" indent="0">
+              <a:buNone/>
+            </a:pPr>
+            <a:r>
+              <a:rPr lang="en-NO" dirty="0"/>
+              <a:t>- Kafka</a:t>
+            </a:r>
+          </a:p>
+          <a:p>
+            <a:pPr marL="0" indent="0">
+              <a:buNone/>
+            </a:pPr>
+            <a:endParaRPr lang="en-NO" dirty="0"/>
+          </a:p>
+          <a:p>
+            <a:r>
+              <a:rPr lang="en-NO" dirty="0"/>
+              <a:t>Kafka deep-dive</a:t>
+            </a:r>
+          </a:p>
+          <a:p>
+            <a:pPr lvl="1"/>
+            <a:r>
+              <a:rPr lang="en-NO" dirty="0"/>
+              <a:t>security</a:t>
+            </a:r>
+          </a:p>
+          <a:p>
+            <a:pPr lvl="1"/>
+            <a:r>
+              <a:rPr lang="en-NO" dirty="0"/>
+              <a:t>Kafka streams</a:t>
+            </a:r>
+          </a:p>
+          <a:p>
+            <a:pPr lvl="1"/>
+            <a:r>
+              <a:rPr lang="en-NO" dirty="0"/>
+              <a:t>Kafka connect</a:t>
+            </a:r>
+          </a:p>
+          <a:p>
+            <a:pPr lvl="1"/>
+            <a:r>
+              <a:rPr lang="en-NO" dirty="0"/>
+              <a:t>Kafka ksql</a:t>
+            </a:r>
+          </a:p>
+          <a:p>
+            <a:pPr marL="0" indent="0">
+              <a:buNone/>
+            </a:pPr>
+            <a:endParaRPr lang="en-NO" dirty="0"/>
+          </a:p>
+          <a:p>
+            <a:pPr marL="0" indent="0">
+              <a:buNone/>
+            </a:pPr>
+            <a:r>
+              <a:rPr lang="en-NO" dirty="0"/>
+              <a:t>- Big project</a:t>
+            </a:r>
+          </a:p>
+          <a:p>
+            <a:pPr marL="0" indent="0">
+              <a:buNone/>
+            </a:pPr>
+            <a:endParaRPr lang="en-NO" dirty="0"/>
+          </a:p>
+          <a:p>
+            <a:pPr marL="0" indent="0">
+              <a:buNone/>
+            </a:pPr>
+            <a:endParaRPr lang="en-NO" dirty="0"/>
           </a:p>
         </p:txBody>
       </p:sp>
     </p:spTree>
     <p:extLst>
       <p:ext uri="{BB962C8B-B14F-4D97-AF65-F5344CB8AC3E}">
-        <p14:creationId xmlns:p14="http://schemas.microsoft.com/office/powerpoint/2010/main" val="109857222"/>
+        <p14:creationId xmlns:p14="http://schemas.microsoft.com/office/powerpoint/2010/main" val="3057239448"/>
       </p:ext>
     </p:extLst>
   </p:cSld>
@@ -17659,18 +17736,12 @@
       </p:grpSpPr>
       <p:sp>
         <p:nvSpPr>
-          <p:cNvPr id="2" name="Title 1">
-            <a:extLst>
-              <a:ext uri="{FF2B5EF4-FFF2-40B4-BE49-F238E27FC236}">
-                <a16:creationId xmlns:a16="http://schemas.microsoft.com/office/drawing/2014/main" id="{1FCD41AA-B67F-3205-3293-35B1290A1670}"/>
-              </a:ext>
-            </a:extLst>
-          </p:cNvPr>
-          <p:cNvSpPr>
-            <a:spLocks noGrp="1"/>
-          </p:cNvSpPr>
-          <p:nvPr>
-            <p:ph type="title"/>
+          <p:cNvPr id="2" name="Title 1"/>
+          <p:cNvSpPr>
+            <a:spLocks noGrp="1"/>
+          </p:cNvSpPr>
+          <p:nvPr>
+            <p:ph type="ctrTitle"/>
           </p:nvPr>
         </p:nvSpPr>
         <p:spPr/>
@@ -17679,118 +17750,47 @@
           <a:lstStyle/>
           <a:p>
             <a:r>
-              <a:rPr lang="en-NO" dirty="0"/>
-              <a:t>Agenda for this course</a:t>
-            </a:r>
-          </a:p>
-        </p:txBody>
-      </p:sp>
-      <p:sp>
-        <p:nvSpPr>
-          <p:cNvPr id="3" name="Content Placeholder 2">
-            <a:extLst>
-              <a:ext uri="{FF2B5EF4-FFF2-40B4-BE49-F238E27FC236}">
-                <a16:creationId xmlns:a16="http://schemas.microsoft.com/office/drawing/2014/main" id="{4E453954-0E41-5BF7-C161-5816E51AED30}"/>
-              </a:ext>
-            </a:extLst>
-          </p:cNvPr>
-          <p:cNvSpPr>
-            <a:spLocks noGrp="1"/>
-          </p:cNvSpPr>
-          <p:nvPr>
-            <p:ph idx="1"/>
+              <a:rPr lang="en-US" dirty="0">
+                <a:cs typeface="Calibri Light"/>
+              </a:rPr>
+              <a:t>Docker</a:t>
+            </a:r>
+            <a:endParaRPr lang="en-US" dirty="0"/>
+          </a:p>
+        </p:txBody>
+      </p:sp>
+      <p:sp>
+        <p:nvSpPr>
+          <p:cNvPr id="3" name="Subtitle 2"/>
+          <p:cNvSpPr>
+            <a:spLocks noGrp="1"/>
+          </p:cNvSpPr>
+          <p:nvPr>
+            <p:ph type="subTitle" idx="1"/>
           </p:nvPr>
         </p:nvSpPr>
         <p:spPr/>
         <p:txBody>
-          <a:bodyPr>
+          <a:bodyPr vert="horz" lIns="91440" tIns="45720" rIns="91440" bIns="45720" rtlCol="0" anchor="t">
             <a:normAutofit/>
           </a:bodyPr>
           <a:lstStyle/>
           <a:p>
-            <a:pPr marL="0" indent="0">
-              <a:buNone/>
-            </a:pPr>
-            <a:r>
-              <a:rPr lang="en-NO" dirty="0"/>
-              <a:t>- Docker</a:t>
-            </a:r>
-          </a:p>
-          <a:p>
-            <a:pPr marL="0" indent="0">
-              <a:buNone/>
-            </a:pPr>
-            <a:r>
-              <a:rPr lang="en-NO" dirty="0"/>
-              <a:t>- Kafka basics</a:t>
-            </a:r>
-          </a:p>
-          <a:p>
-            <a:pPr marL="0" indent="0">
-              <a:buNone/>
-            </a:pPr>
-            <a:endParaRPr lang="en-NO" dirty="0"/>
-          </a:p>
-          <a:p>
-            <a:pPr marL="0" indent="0">
-              <a:buNone/>
-            </a:pPr>
-            <a:r>
-              <a:rPr lang="en-NO" dirty="0"/>
-              <a:t>- Kafka streams</a:t>
-            </a:r>
-          </a:p>
-          <a:p>
-            <a:pPr marL="0" indent="0">
-              <a:buNone/>
-            </a:pPr>
-            <a:r>
-              <a:rPr lang="en-NO" dirty="0"/>
-              <a:t>- Kafka connect</a:t>
-            </a:r>
-          </a:p>
-          <a:p>
-            <a:pPr marL="0" indent="0">
-              <a:buNone/>
-            </a:pPr>
-            <a:r>
-              <a:rPr lang="en-NO" dirty="0"/>
-              <a:t>- Kafka ksql</a:t>
-            </a:r>
-          </a:p>
-          <a:p>
-            <a:pPr marL="0" indent="0">
-              <a:buNone/>
-            </a:pPr>
-            <a:endParaRPr lang="en-NO" dirty="0"/>
-          </a:p>
-          <a:p>
-            <a:pPr marL="0" indent="0">
-              <a:buNone/>
-            </a:pPr>
-            <a:r>
-              <a:rPr lang="en-NO" dirty="0"/>
-              <a:t>- Big project</a:t>
-            </a:r>
-          </a:p>
-          <a:p>
-            <a:pPr marL="0" indent="0">
-              <a:buNone/>
-            </a:pPr>
-            <a:endParaRPr lang="en-NO" dirty="0"/>
-          </a:p>
-          <a:p>
-            <a:pPr marL="0" indent="0">
-              <a:buNone/>
-            </a:pPr>
-            <a:endParaRPr lang="en-NO" dirty="0"/>
+            <a:r>
+              <a:rPr lang="en-US" dirty="0">
+                <a:ea typeface="Calibri"/>
+                <a:cs typeface="Calibri"/>
+              </a:rPr>
+              <a:t>Container Technology 101</a:t>
+            </a:r>
+            <a:endParaRPr lang="en-US" dirty="0"/>
           </a:p>
         </p:txBody>
       </p:sp>
     </p:spTree>
     <p:extLst>
       <p:ext uri="{BB962C8B-B14F-4D97-AF65-F5344CB8AC3E}">
-        <p14:creationId xmlns:p14="http://schemas.microsoft.com/office/powerpoint/2010/main" val="3057239448"/>
+        <p14:creationId xmlns:p14="http://schemas.microsoft.com/office/powerpoint/2010/main" val="109857222"/>
       </p:ext>
     </p:extLst>
   </p:cSld>
@@ -21700,54 +21700,25 @@
           <a:p>
             <a:r>
               <a:rPr lang="en-NO" dirty="0"/>
-              <a:t>Have some fun</a:t>
+              <a:t>Are you done? Have some fun</a:t>
             </a:r>
           </a:p>
           <a:p>
             <a:pPr lvl="1"/>
             <a:r>
-              <a:rPr lang="en-GB" dirty="0">
-                <a:hlinkClick r:id="rId2"/>
-              </a:rPr>
-              <a:t>stream.wikimedia.org/v2/stream/recentchange</a:t>
+              <a:rPr lang="nb-NO" dirty="0" err="1"/>
+              <a:t>Extra</a:t>
+            </a:r>
+            <a:r>
+              <a:rPr lang="nb-NO" dirty="0"/>
+              <a:t> folder in workshop1</a:t>
             </a:r>
             <a:endParaRPr lang="en-NO" dirty="0"/>
           </a:p>
           <a:p>
-            <a:pPr lvl="1"/>
-            <a:r>
-              <a:rPr lang="en-GB" dirty="0">
-                <a:hlinkClick r:id="rId3"/>
-              </a:rPr>
-              <a:t>GitHub - ColinEberhardt/awesome-public-streaming-datasets: A list of free datasets that provide streaming data</a:t>
-            </a:r>
-            <a:endParaRPr lang="en-GB" dirty="0"/>
-          </a:p>
-          <a:p>
-            <a:pPr lvl="1"/>
-            <a:r>
-              <a:rPr lang="en-GB" dirty="0"/>
-              <a:t>https://</a:t>
-            </a:r>
-            <a:r>
-              <a:rPr lang="en-GB" dirty="0" err="1"/>
-              <a:t>github.com</a:t>
-            </a:r>
-            <a:r>
-              <a:rPr lang="en-GB" dirty="0"/>
-              <a:t>/</a:t>
-            </a:r>
-            <a:r>
-              <a:rPr lang="en-GB" dirty="0" err="1"/>
-              <a:t>bytewax</a:t>
-            </a:r>
-            <a:r>
-              <a:rPr lang="en-GB" dirty="0"/>
-              <a:t>/awesome-public-real-time-datasets</a:t>
-            </a:r>
-            <a:endParaRPr lang="en-NO" dirty="0"/>
-          </a:p>
-          <a:p>
+            <a:pPr marL="0" indent="0">
+              <a:buNone/>
+            </a:pPr>
             <a:endParaRPr lang="en-NO" dirty="0"/>
           </a:p>
         </p:txBody>
@@ -21805,7 +21776,7 @@
           <a:p>
             <a:r>
               <a:rPr lang="en-NO" dirty="0"/>
-              <a:t>Til neste gang</a:t>
+              <a:t>For next time</a:t>
             </a:r>
           </a:p>
         </p:txBody>
@@ -21828,8 +21799,31 @@
         </p:nvSpPr>
         <p:spPr/>
         <p:txBody>
-          <a:bodyPr/>
-          <a:lstStyle/>
+          <a:bodyPr>
+            <a:normAutofit lnSpcReduction="10000"/>
+          </a:bodyPr>
+          <a:lstStyle/>
+          <a:p>
+            <a:r>
+              <a:rPr lang="en-NO" dirty="0"/>
+              <a:t>Kafka Security</a:t>
+            </a:r>
+          </a:p>
+          <a:p>
+            <a:pPr lvl="1"/>
+            <a:r>
+              <a:rPr lang="en-NO" dirty="0"/>
+              <a:t>H</a:t>
+            </a:r>
+            <a:r>
+              <a:rPr lang="en-GB" dirty="0"/>
+              <a:t>o</a:t>
+            </a:r>
+            <a:r>
+              <a:rPr lang="en-NO" dirty="0"/>
+              <a:t>w does this work?</a:t>
+            </a:r>
+          </a:p>
           <a:p>
             <a:r>
               <a:rPr lang="en-NO" dirty="0"/>
@@ -21840,7 +21834,7 @@
             <a:pPr lvl="1"/>
             <a:r>
               <a:rPr lang="en-NO" dirty="0"/>
-              <a:t>Manipulering av Data</a:t>
+              <a:t>Manipulations of data for multiple topics</a:t>
             </a:r>
           </a:p>
           <a:p>
@@ -21892,10 +21886,16 @@
           </a:p>
           <a:p>
             <a:r>
-              <a:rPr lang="en-NO"/>
+              <a:rPr lang="en-NO" dirty="0"/>
               <a:t>Kafka Schema Registry</a:t>
             </a:r>
-            <a:endParaRPr lang="en-NO" dirty="0"/>
+          </a:p>
+          <a:p>
+            <a:pPr lvl="1"/>
+            <a:r>
+              <a:rPr lang="en-NO" dirty="0"/>
+              <a:t>Common format and validation for messages for topics</a:t>
+            </a:r>
           </a:p>
         </p:txBody>
       </p:sp>
@@ -21903,6 +21903,101 @@
     <p:extLst>
       <p:ext uri="{BB962C8B-B14F-4D97-AF65-F5344CB8AC3E}">
         <p14:creationId xmlns:p14="http://schemas.microsoft.com/office/powerpoint/2010/main" val="408627567"/>
+      </p:ext>
+    </p:extLst>
+  </p:cSld>
+  <p:clrMapOvr>
+    <a:masterClrMapping/>
+  </p:clrMapOvr>
+</p:sld>
+</file>
+
+<file path=ppt/slides/slide54.xml><?xml version="1.0" encoding="utf-8"?>
+<p:sld xmlns:a="http://schemas.openxmlformats.org/drawingml/2006/main" xmlns:r="http://schemas.openxmlformats.org/officeDocument/2006/relationships" xmlns:p="http://schemas.openxmlformats.org/presentationml/2006/main">
+  <p:cSld>
+    <p:spTree>
+      <p:nvGrpSpPr>
+        <p:cNvPr id="1" name=""/>
+        <p:cNvGrpSpPr/>
+        <p:nvPr/>
+      </p:nvGrpSpPr>
+      <p:grpSpPr>
+        <a:xfrm>
+          <a:off x="0" y="0"/>
+          <a:ext cx="0" cy="0"/>
+          <a:chOff x="0" y="0"/>
+          <a:chExt cx="0" cy="0"/>
+        </a:xfrm>
+      </p:grpSpPr>
+      <p:sp>
+        <p:nvSpPr>
+          <p:cNvPr id="2" name="Title 1">
+            <a:extLst>
+              <a:ext uri="{FF2B5EF4-FFF2-40B4-BE49-F238E27FC236}">
+                <a16:creationId xmlns:a16="http://schemas.microsoft.com/office/drawing/2014/main" id="{4146490F-7442-8AFE-D40D-C88776AB8907}"/>
+              </a:ext>
+            </a:extLst>
+          </p:cNvPr>
+          <p:cNvSpPr>
+            <a:spLocks noGrp="1"/>
+          </p:cNvSpPr>
+          <p:nvPr>
+            <p:ph type="title"/>
+          </p:nvPr>
+        </p:nvSpPr>
+        <p:spPr/>
+        <p:txBody>
+          <a:bodyPr/>
+          <a:lstStyle/>
+          <a:p>
+            <a:r>
+              <a:rPr lang="en-NO" dirty="0"/>
+              <a:t>Takk for nu!</a:t>
+            </a:r>
+          </a:p>
+        </p:txBody>
+      </p:sp>
+      <p:sp>
+        <p:nvSpPr>
+          <p:cNvPr id="3" name="Content Placeholder 2">
+            <a:extLst>
+              <a:ext uri="{FF2B5EF4-FFF2-40B4-BE49-F238E27FC236}">
+                <a16:creationId xmlns:a16="http://schemas.microsoft.com/office/drawing/2014/main" id="{8725E1D3-0924-E570-EE10-F1CA3392D0D7}"/>
+              </a:ext>
+            </a:extLst>
+          </p:cNvPr>
+          <p:cNvSpPr>
+            <a:spLocks noGrp="1"/>
+          </p:cNvSpPr>
+          <p:nvPr>
+            <p:ph idx="1"/>
+          </p:nvPr>
+        </p:nvSpPr>
+        <p:spPr/>
+        <p:txBody>
+          <a:bodyPr/>
+          <a:lstStyle/>
+          <a:p>
+            <a:r>
+              <a:rPr lang="en-GB" dirty="0"/>
+              <a:t>https://</a:t>
+            </a:r>
+            <a:r>
+              <a:rPr lang="en-GB" dirty="0" err="1"/>
+              <a:t>forms.office.com</a:t>
+            </a:r>
+            <a:r>
+              <a:rPr lang="en-GB" dirty="0"/>
+              <a:t>/e/7w0jzgRtpx</a:t>
+            </a:r>
+            <a:endParaRPr lang="en-NO" dirty="0"/>
+          </a:p>
+        </p:txBody>
+      </p:sp>
+    </p:spTree>
+    <p:extLst>
+      <p:ext uri="{BB962C8B-B14F-4D97-AF65-F5344CB8AC3E}">
+        <p14:creationId xmlns:p14="http://schemas.microsoft.com/office/powerpoint/2010/main" val="520938459"/>
       </p:ext>
     </p:extLst>
   </p:cSld>

--- a/workshop1/Kafka - 101.pptx
+++ b/workshop1/Kafka - 101.pptx
@@ -6,7 +6,7 @@
     <p:sldMasterId id="2147483674" r:id="rId2"/>
   </p:sldMasterIdLst>
   <p:notesMasterIdLst>
-    <p:notesMasterId r:id="rId57"/>
+    <p:notesMasterId r:id="rId58"/>
   </p:notesMasterIdLst>
   <p:sldIdLst>
     <p:sldId id="256" r:id="rId3"/>
@@ -19,50 +19,51 @@
     <p:sldId id="305" r:id="rId10"/>
     <p:sldId id="306" r:id="rId11"/>
     <p:sldId id="307" r:id="rId12"/>
-    <p:sldId id="308" r:id="rId13"/>
-    <p:sldId id="309" r:id="rId14"/>
-    <p:sldId id="258" r:id="rId15"/>
-    <p:sldId id="257" r:id="rId16"/>
-    <p:sldId id="259" r:id="rId17"/>
-    <p:sldId id="260" r:id="rId18"/>
-    <p:sldId id="261" r:id="rId19"/>
-    <p:sldId id="263" r:id="rId20"/>
-    <p:sldId id="264" r:id="rId21"/>
-    <p:sldId id="265" r:id="rId22"/>
-    <p:sldId id="267" r:id="rId23"/>
-    <p:sldId id="268" r:id="rId24"/>
-    <p:sldId id="269" r:id="rId25"/>
-    <p:sldId id="270" r:id="rId26"/>
-    <p:sldId id="271" r:id="rId27"/>
-    <p:sldId id="272" r:id="rId28"/>
-    <p:sldId id="273" r:id="rId29"/>
-    <p:sldId id="274" r:id="rId30"/>
-    <p:sldId id="276" r:id="rId31"/>
-    <p:sldId id="277" r:id="rId32"/>
-    <p:sldId id="275" r:id="rId33"/>
-    <p:sldId id="278" r:id="rId34"/>
-    <p:sldId id="279" r:id="rId35"/>
-    <p:sldId id="280" r:id="rId36"/>
-    <p:sldId id="281" r:id="rId37"/>
-    <p:sldId id="282" r:id="rId38"/>
-    <p:sldId id="283" r:id="rId39"/>
-    <p:sldId id="284" r:id="rId40"/>
-    <p:sldId id="285" r:id="rId41"/>
-    <p:sldId id="286" r:id="rId42"/>
-    <p:sldId id="287" r:id="rId43"/>
-    <p:sldId id="288" r:id="rId44"/>
-    <p:sldId id="289" r:id="rId45"/>
-    <p:sldId id="290" r:id="rId46"/>
-    <p:sldId id="291" r:id="rId47"/>
-    <p:sldId id="292" r:id="rId48"/>
-    <p:sldId id="293" r:id="rId49"/>
-    <p:sldId id="294" r:id="rId50"/>
-    <p:sldId id="295" r:id="rId51"/>
-    <p:sldId id="296" r:id="rId52"/>
-    <p:sldId id="299" r:id="rId53"/>
-    <p:sldId id="297" r:id="rId54"/>
-    <p:sldId id="298" r:id="rId55"/>
-    <p:sldId id="310" r:id="rId56"/>
+    <p:sldId id="311" r:id="rId13"/>
+    <p:sldId id="312" r:id="rId14"/>
+    <p:sldId id="309" r:id="rId15"/>
+    <p:sldId id="258" r:id="rId16"/>
+    <p:sldId id="257" r:id="rId17"/>
+    <p:sldId id="259" r:id="rId18"/>
+    <p:sldId id="260" r:id="rId19"/>
+    <p:sldId id="261" r:id="rId20"/>
+    <p:sldId id="263" r:id="rId21"/>
+    <p:sldId id="264" r:id="rId22"/>
+    <p:sldId id="265" r:id="rId23"/>
+    <p:sldId id="267" r:id="rId24"/>
+    <p:sldId id="268" r:id="rId25"/>
+    <p:sldId id="269" r:id="rId26"/>
+    <p:sldId id="270" r:id="rId27"/>
+    <p:sldId id="271" r:id="rId28"/>
+    <p:sldId id="272" r:id="rId29"/>
+    <p:sldId id="273" r:id="rId30"/>
+    <p:sldId id="274" r:id="rId31"/>
+    <p:sldId id="276" r:id="rId32"/>
+    <p:sldId id="277" r:id="rId33"/>
+    <p:sldId id="275" r:id="rId34"/>
+    <p:sldId id="278" r:id="rId35"/>
+    <p:sldId id="279" r:id="rId36"/>
+    <p:sldId id="280" r:id="rId37"/>
+    <p:sldId id="281" r:id="rId38"/>
+    <p:sldId id="282" r:id="rId39"/>
+    <p:sldId id="283" r:id="rId40"/>
+    <p:sldId id="284" r:id="rId41"/>
+    <p:sldId id="285" r:id="rId42"/>
+    <p:sldId id="286" r:id="rId43"/>
+    <p:sldId id="287" r:id="rId44"/>
+    <p:sldId id="288" r:id="rId45"/>
+    <p:sldId id="289" r:id="rId46"/>
+    <p:sldId id="290" r:id="rId47"/>
+    <p:sldId id="291" r:id="rId48"/>
+    <p:sldId id="292" r:id="rId49"/>
+    <p:sldId id="293" r:id="rId50"/>
+    <p:sldId id="294" r:id="rId51"/>
+    <p:sldId id="295" r:id="rId52"/>
+    <p:sldId id="296" r:id="rId53"/>
+    <p:sldId id="299" r:id="rId54"/>
+    <p:sldId id="313" r:id="rId55"/>
+    <p:sldId id="297" r:id="rId56"/>
+    <p:sldId id="298" r:id="rId57"/>
   </p:sldIdLst>
   <p:sldSz cx="12192000" cy="6858000"/>
   <p:notesSz cx="6858000" cy="9144000"/>
@@ -251,7 +252,7 @@
           <a:p>
             <a:fld id="{40DD4001-F066-5A4B-8FD8-5427A0E88FF4}" type="datetimeFigureOut">
               <a:rPr lang="en-NO" smtClean="0"/>
-              <a:t>29/01/2024</a:t>
+              <a:t>01/02/2024</a:t>
             </a:fld>
             <a:endParaRPr lang="en-NO"/>
           </a:p>
@@ -563,7 +564,7 @@
           <a:bodyPr/>
           <a:lstStyle/>
           <a:p>
-            <a:endParaRPr lang="en-NO" dirty="0"/>
+            <a:endParaRPr lang="en-NO"/>
           </a:p>
         </p:txBody>
       </p:sp>
@@ -652,11 +653,11 @@
               <a:buChar char="•"/>
             </a:pPr>
             <a:r>
-              <a:rPr lang="en-US" b="1" dirty="0"/>
+              <a:rPr lang="en-US" b="1"/>
               <a:t>Definition:</a:t>
             </a:r>
             <a:r>
-              <a:rPr lang="en-US" dirty="0"/>
+              <a:rPr lang="en-US"/>
               <a:t> Docker is an open-source platform that automates the deployment, scaling, and management of applications inside lightweight, portable containers.</a:t>
             </a:r>
           </a:p>
@@ -666,10 +667,10 @@
               <a:buChar char="•"/>
             </a:pPr>
             <a:r>
-              <a:rPr lang="en-US" b="1" dirty="0"/>
+              <a:rPr lang="en-US" b="1"/>
               <a:t>Key Concepts:</a:t>
             </a:r>
-            <a:endParaRPr lang="en-US" dirty="0"/>
+            <a:endParaRPr lang="en-US"/>
           </a:p>
           <a:p>
             <a:pPr marL="285750" lvl="1" indent="-285750">
@@ -677,14 +678,14 @@
               <a:buChar char="•"/>
             </a:pPr>
             <a:r>
-              <a:rPr lang="en-US" i="1" dirty="0"/>
+              <a:rPr lang="en-US" i="1"/>
               <a:t>Containerization:</a:t>
             </a:r>
             <a:r>
-              <a:rPr lang="en-US" dirty="0"/>
+              <a:rPr lang="en-US"/>
               <a:t> A lightweight, standalone, executable package that includes everything needed to run a piece of software, including the code, runtime, libraries, and system tools.</a:t>
             </a:r>
-            <a:endParaRPr lang="en-US" dirty="0">
+            <a:endParaRPr lang="en-US">
               <a:cs typeface="Calibri"/>
             </a:endParaRPr>
           </a:p>
@@ -694,14 +695,14 @@
               <a:buChar char="•"/>
             </a:pPr>
             <a:r>
-              <a:rPr lang="en-US" i="1" dirty="0"/>
+              <a:rPr lang="en-US" i="1"/>
               <a:t>Isolation:</a:t>
             </a:r>
             <a:r>
-              <a:rPr lang="en-US" dirty="0"/>
+              <a:rPr lang="en-US"/>
               <a:t> Containers encapsulate applications, ensuring they run consistently across various environments without dependency issues.</a:t>
             </a:r>
-            <a:endParaRPr lang="en-US" dirty="0">
+            <a:endParaRPr lang="en-US">
               <a:cs typeface="Calibri"/>
             </a:endParaRPr>
           </a:p>
@@ -711,10 +712,10 @@
               <a:buChar char="•"/>
             </a:pPr>
             <a:r>
-              <a:rPr lang="en-US" b="1" dirty="0"/>
+              <a:rPr lang="en-US" b="1"/>
               <a:t>Advantages:</a:t>
             </a:r>
-            <a:endParaRPr lang="en-US" dirty="0"/>
+            <a:endParaRPr lang="en-US"/>
           </a:p>
           <a:p>
             <a:pPr marL="285750" lvl="1" indent="-285750">
@@ -722,14 +723,14 @@
               <a:buChar char="•"/>
             </a:pPr>
             <a:r>
-              <a:rPr lang="en-US" i="1" dirty="0"/>
+              <a:rPr lang="en-US" i="1"/>
               <a:t>Portability:</a:t>
             </a:r>
             <a:r>
-              <a:rPr lang="en-US" dirty="0"/>
+              <a:rPr lang="en-US"/>
               <a:t> Containers run consistently across different environments, promoting seamless migration and deployment.</a:t>
             </a:r>
-            <a:endParaRPr lang="en-US" dirty="0">
+            <a:endParaRPr lang="en-US">
               <a:cs typeface="Calibri"/>
             </a:endParaRPr>
           </a:p>
@@ -739,14 +740,14 @@
               <a:buChar char="•"/>
             </a:pPr>
             <a:r>
-              <a:rPr lang="en-US" i="1" dirty="0"/>
+              <a:rPr lang="en-US" i="1"/>
               <a:t>Resource Efficiency:</a:t>
             </a:r>
             <a:r>
-              <a:rPr lang="en-US" dirty="0"/>
+              <a:rPr lang="en-US"/>
               <a:t> Containers share the host OS kernel, reducing overhead and optimizing resource utilization.</a:t>
             </a:r>
-            <a:endParaRPr lang="en-US" dirty="0">
+            <a:endParaRPr lang="en-US">
               <a:cs typeface="Calibri"/>
             </a:endParaRPr>
           </a:p>
@@ -756,10 +757,10 @@
               <a:buChar char="•"/>
             </a:pPr>
             <a:r>
-              <a:rPr lang="en-US" b="1" dirty="0"/>
+              <a:rPr lang="en-US" b="1"/>
               <a:t>Use Cases:</a:t>
             </a:r>
-            <a:endParaRPr lang="en-US" dirty="0"/>
+            <a:endParaRPr lang="en-US"/>
           </a:p>
           <a:p>
             <a:pPr marL="285750" lvl="1" indent="-285750">
@@ -767,14 +768,14 @@
               <a:buChar char="•"/>
             </a:pPr>
             <a:r>
-              <a:rPr lang="en-US" i="1" dirty="0"/>
+              <a:rPr lang="en-US" i="1"/>
               <a:t>Microservices Architecture:</a:t>
             </a:r>
             <a:r>
-              <a:rPr lang="en-US" dirty="0"/>
+              <a:rPr lang="en-US"/>
               <a:t> Ideal for breaking down monolithic applications into smaller, manageable services.</a:t>
             </a:r>
-            <a:endParaRPr lang="en-US" dirty="0">
+            <a:endParaRPr lang="en-US">
               <a:cs typeface="Calibri"/>
             </a:endParaRPr>
           </a:p>
@@ -784,19 +785,19 @@
               <a:buChar char="•"/>
             </a:pPr>
             <a:r>
-              <a:rPr lang="en-US" i="1" dirty="0"/>
+              <a:rPr lang="en-US" i="1"/>
               <a:t>DevOps Practices:</a:t>
             </a:r>
             <a:r>
-              <a:rPr lang="en-US" dirty="0"/>
+              <a:rPr lang="en-US"/>
               <a:t> Enhances collaboration between development and operations teams by providing a consistent environment for development, testing, and deployment.</a:t>
             </a:r>
-            <a:endParaRPr lang="en-US" dirty="0">
+            <a:endParaRPr lang="en-US">
               <a:cs typeface="Calibri"/>
             </a:endParaRPr>
           </a:p>
           <a:p>
-            <a:endParaRPr lang="en-US" dirty="0">
+            <a:endParaRPr lang="en-US">
               <a:cs typeface="Calibri"/>
             </a:endParaRPr>
           </a:p>
@@ -886,11 +887,11 @@
               <a:buChar char="•"/>
             </a:pPr>
             <a:r>
-              <a:rPr lang="en-GB" b="1" dirty="0"/>
+              <a:rPr lang="en-GB" b="1"/>
               <a:t>Key</a:t>
             </a:r>
             <a:r>
-              <a:rPr lang="en-GB" dirty="0"/>
+              <a:rPr lang="en-GB"/>
               <a:t>. Key is optional in the Kafka message and it can be null. A key may be a string, number, or any object and then the key is serialized into binary format. </a:t>
             </a:r>
           </a:p>
@@ -900,11 +901,11 @@
               <a:buChar char="•"/>
             </a:pPr>
             <a:r>
-              <a:rPr lang="en-GB" b="1" dirty="0"/>
+              <a:rPr lang="en-GB" b="1"/>
               <a:t>Value</a:t>
             </a:r>
             <a:r>
-              <a:rPr lang="en-GB" dirty="0"/>
+              <a:rPr lang="en-GB"/>
               <a:t>. The value represents the content of the message and can also be null. The value format is arbitrary and is then also serialized into binary format.</a:t>
             </a:r>
           </a:p>
@@ -914,26 +915,26 @@
               <a:buChar char="•"/>
             </a:pPr>
             <a:r>
-              <a:rPr lang="en-GB" b="1" dirty="0"/>
+              <a:rPr lang="en-GB" b="1"/>
               <a:t>Compression Type</a:t>
             </a:r>
             <a:r>
-              <a:rPr lang="en-GB" dirty="0"/>
+              <a:rPr lang="en-GB"/>
               <a:t>. Kafka messages may be compressed. The compression type can be specified as part of the message. Options are none, </a:t>
             </a:r>
             <a:r>
-              <a:rPr lang="en-GB" dirty="0" err="1"/>
+              <a:rPr lang="en-GB" err="1"/>
               <a:t>gzip</a:t>
             </a:r>
             <a:r>
-              <a:rPr lang="en-GB" dirty="0"/>
+              <a:rPr lang="en-GB"/>
               <a:t>, lz4, snappy, and </a:t>
             </a:r>
             <a:r>
-              <a:rPr lang="en-GB" dirty="0" err="1"/>
+              <a:rPr lang="en-GB" err="1"/>
               <a:t>zstd</a:t>
             </a:r>
-            <a:endParaRPr lang="en-GB" dirty="0"/>
+            <a:endParaRPr lang="en-GB"/>
           </a:p>
           <a:p>
             <a:pPr>
@@ -941,11 +942,11 @@
               <a:buChar char="•"/>
             </a:pPr>
             <a:r>
-              <a:rPr lang="en-GB" b="1" dirty="0"/>
+              <a:rPr lang="en-GB" b="1"/>
               <a:t>Headers</a:t>
             </a:r>
             <a:r>
-              <a:rPr lang="en-GB" dirty="0"/>
+              <a:rPr lang="en-GB"/>
               <a:t>. There can be a list of optional Kafka message headers in the form of key-value pairs. It is common to add headers to specify metadata about the message, especially for tracing.</a:t>
             </a:r>
           </a:p>
@@ -955,19 +956,19 @@
               <a:buChar char="•"/>
             </a:pPr>
             <a:r>
-              <a:rPr lang="en-GB" b="1" dirty="0"/>
+              <a:rPr lang="en-GB" b="1"/>
               <a:t>Partition + Offset</a:t>
             </a:r>
             <a:r>
-              <a:rPr lang="en-GB" dirty="0"/>
+              <a:rPr lang="en-GB"/>
               <a:t>. Once a message is sent into a Kafka topic, it receives a partition number and an offset id. The combination of </a:t>
             </a:r>
             <a:r>
-              <a:rPr lang="en-GB" dirty="0" err="1"/>
+              <a:rPr lang="en-GB" err="1"/>
               <a:t>topic+partition+offset</a:t>
             </a:r>
             <a:r>
-              <a:rPr lang="en-GB" dirty="0"/>
+              <a:rPr lang="en-GB"/>
               <a:t> uniquely identifies the message</a:t>
             </a:r>
           </a:p>
@@ -977,16 +978,16 @@
               <a:buChar char="•"/>
             </a:pPr>
             <a:r>
-              <a:rPr lang="en-GB" b="1" dirty="0"/>
+              <a:rPr lang="en-GB" b="1"/>
               <a:t>Timestamp</a:t>
             </a:r>
             <a:r>
-              <a:rPr lang="en-GB" dirty="0"/>
+              <a:rPr lang="en-GB"/>
               <a:t>. A timestamp is added either by the user or the system in the message.</a:t>
             </a:r>
           </a:p>
           <a:p>
-            <a:endParaRPr lang="en-NO" dirty="0"/>
+            <a:endParaRPr lang="en-NO"/>
           </a:p>
         </p:txBody>
       </p:sp>
@@ -1007,7 +1008,7 @@
           <a:p>
             <a:fld id="{78729015-7DD2-604A-9DFB-9A8390412CB5}" type="slidenum">
               <a:rPr lang="en-NO" smtClean="0"/>
-              <a:t>28</a:t>
+              <a:t>29</a:t>
             </a:fld>
             <a:endParaRPr lang="en-NO"/>
           </a:p>
@@ -1070,7 +1071,7 @@
           <a:bodyPr/>
           <a:lstStyle/>
           <a:p>
-            <a:endParaRPr lang="en-NO" dirty="0"/>
+            <a:endParaRPr lang="en-NO"/>
           </a:p>
         </p:txBody>
       </p:sp>
@@ -1091,7 +1092,7 @@
           <a:p>
             <a:fld id="{78729015-7DD2-604A-9DFB-9A8390412CB5}" type="slidenum">
               <a:rPr lang="en-NO" smtClean="0"/>
-              <a:t>44</a:t>
+              <a:t>45</a:t>
             </a:fld>
             <a:endParaRPr lang="en-NO"/>
           </a:p>
@@ -1154,7 +1155,7 @@
           <a:bodyPr/>
           <a:lstStyle/>
           <a:p>
-            <a:endParaRPr lang="en-NO" dirty="0"/>
+            <a:endParaRPr lang="en-NO"/>
           </a:p>
         </p:txBody>
       </p:sp>
@@ -1175,7 +1176,7 @@
           <a:p>
             <a:fld id="{78729015-7DD2-604A-9DFB-9A8390412CB5}" type="slidenum">
               <a:rPr lang="en-NO" smtClean="0"/>
-              <a:t>50</a:t>
+              <a:t>51</a:t>
             </a:fld>
             <a:endParaRPr lang="en-NO"/>
           </a:p>
@@ -1325,7 +1326,7 @@
           <a:p>
             <a:fld id="{FAA3217B-91BF-F94E-9072-57BADD6D61A0}" type="datetimeFigureOut">
               <a:rPr lang="en-NO" smtClean="0"/>
-              <a:t>29/01/2024</a:t>
+              <a:t>01/02/2024</a:t>
             </a:fld>
             <a:endParaRPr lang="en-NO"/>
           </a:p>
@@ -1495,7 +1496,7 @@
           <a:p>
             <a:fld id="{FAA3217B-91BF-F94E-9072-57BADD6D61A0}" type="datetimeFigureOut">
               <a:rPr lang="en-NO" smtClean="0"/>
-              <a:t>29/01/2024</a:t>
+              <a:t>01/02/2024</a:t>
             </a:fld>
             <a:endParaRPr lang="en-NO"/>
           </a:p>
@@ -1675,7 +1676,7 @@
           <a:p>
             <a:fld id="{FAA3217B-91BF-F94E-9072-57BADD6D61A0}" type="datetimeFigureOut">
               <a:rPr lang="en-NO" smtClean="0"/>
-              <a:t>29/01/2024</a:t>
+              <a:t>01/02/2024</a:t>
             </a:fld>
             <a:endParaRPr lang="en-NO"/>
           </a:p>
@@ -1854,7 +1855,7 @@
           <a:p>
             <a:fld id="{FAA3217B-91BF-F94E-9072-57BADD6D61A0}" type="datetimeFigureOut">
               <a:rPr lang="en-NO" smtClean="0"/>
-              <a:t>29/01/2024</a:t>
+              <a:t>01/02/2024</a:t>
             </a:fld>
             <a:endParaRPr lang="en-NO"/>
           </a:p>
@@ -2869,7 +2870,7 @@
           <a:p>
             <a:fld id="{02DE17F4-D0D5-4E2C-8597-85C7BFE7AC0B}" type="datetime1">
               <a:rPr lang="pl-PL" smtClean="0"/>
-              <a:t>29.01.2024</a:t>
+              <a:t>1.02.2024</a:t>
             </a:fld>
             <a:endParaRPr lang="pl-PL"/>
           </a:p>
@@ -3070,7 +3071,7 @@
           <a:p>
             <a:fld id="{F6F0DBF2-4E3F-4307-827E-F931818B4557}" type="datetime1">
               <a:rPr lang="pl-PL" smtClean="0"/>
-              <a:t>29.01.2024</a:t>
+              <a:t>1.02.2024</a:t>
             </a:fld>
             <a:endParaRPr lang="pl-PL"/>
           </a:p>
@@ -3270,7 +3271,7 @@
           <a:p>
             <a:fld id="{7373F14A-FC7E-480B-822C-BA8C5DA615C0}" type="datetime1">
               <a:rPr lang="pl-PL" smtClean="0"/>
-              <a:t>29.01.2024</a:t>
+              <a:t>1.02.2024</a:t>
             </a:fld>
             <a:endParaRPr lang="pl-PL"/>
           </a:p>
@@ -3463,7 +3464,7 @@
           <a:p>
             <a:fld id="{42A9F3EC-C24C-4081-BA47-5E7F86AA3CE6}" type="datetime1">
               <a:rPr lang="pl-PL" smtClean="0"/>
-              <a:t>29.01.2024</a:t>
+              <a:t>1.02.2024</a:t>
             </a:fld>
             <a:endParaRPr lang="pl-PL"/>
           </a:p>
@@ -3590,7 +3591,7 @@
           <a:p>
             <a:fld id="{907FD946-187B-41A2-9D40-F6F11A81833B}" type="datetime1">
               <a:rPr lang="pl-PL" smtClean="0"/>
-              <a:t>29.01.2024</a:t>
+              <a:t>1.02.2024</a:t>
             </a:fld>
             <a:endParaRPr lang="pl-PL"/>
           </a:p>
@@ -3878,7 +3879,7 @@
           <a:p>
             <a:fld id="{5D7D2D02-FF3B-48E0-9309-04F108A5B15B}" type="datetime1">
               <a:rPr lang="pl-PL" smtClean="0"/>
-              <a:t>29.01.2024</a:t>
+              <a:t>1.02.2024</a:t>
             </a:fld>
             <a:endParaRPr lang="pl-PL"/>
           </a:p>
@@ -4074,7 +4075,7 @@
           <a:p>
             <a:fld id="{FAA3217B-91BF-F94E-9072-57BADD6D61A0}" type="datetimeFigureOut">
               <a:rPr lang="en-NO" smtClean="0"/>
-              <a:t>29/01/2024</a:t>
+              <a:t>01/02/2024</a:t>
             </a:fld>
             <a:endParaRPr lang="en-NO"/>
           </a:p>
@@ -4283,7 +4284,7 @@
           <a:p>
             <a:fld id="{5D7D2D02-FF3B-48E0-9309-04F108A5B15B}" type="datetime1">
               <a:rPr lang="pl-PL" smtClean="0"/>
-              <a:t>29.01.2024</a:t>
+              <a:t>1.02.2024</a:t>
             </a:fld>
             <a:endParaRPr lang="pl-PL"/>
           </a:p>
@@ -4453,7 +4454,7 @@
           <a:p>
             <a:fld id="{DA7CBB30-D832-4AFC-867F-117970C9C65F}" type="datetime1">
               <a:rPr lang="pl-PL" smtClean="0"/>
-              <a:t>29.01.2024</a:t>
+              <a:t>1.02.2024</a:t>
             </a:fld>
             <a:endParaRPr lang="pl-PL"/>
           </a:p>
@@ -4698,7 +4699,7 @@
           <a:p>
             <a:fld id="{EBE8B8AC-E676-48F8-AA3A-5144F7A8CFD4}" type="datetime1">
               <a:rPr lang="pl-PL" smtClean="0"/>
-              <a:t>29.01.2024</a:t>
+              <a:t>1.02.2024</a:t>
             </a:fld>
             <a:endParaRPr lang="pl-PL"/>
           </a:p>
@@ -4991,7 +4992,7 @@
           <a:p>
             <a:fld id="{EBE8B8AC-E676-48F8-AA3A-5144F7A8CFD4}" type="datetime1">
               <a:rPr lang="pl-PL" smtClean="0"/>
-              <a:t>29.01.2024</a:t>
+              <a:t>1.02.2024</a:t>
             </a:fld>
             <a:endParaRPr lang="pl-PL"/>
           </a:p>
@@ -5329,7 +5330,7 @@
           <a:p>
             <a:fld id="{1B889DEC-8DF2-4E23-8749-BD25642BBF79}" type="datetime1">
               <a:rPr lang="pl-PL" smtClean="0"/>
-              <a:t>29.01.2024</a:t>
+              <a:t>1.02.2024</a:t>
             </a:fld>
             <a:endParaRPr lang="pl-PL"/>
           </a:p>
@@ -5651,7 +5652,7 @@
           <a:p>
             <a:fld id="{259DE82B-45A7-4884-9098-6241AA462119}" type="datetime1">
               <a:rPr lang="pl-PL" smtClean="0"/>
-              <a:t>29.01.2024</a:t>
+              <a:t>1.02.2024</a:t>
             </a:fld>
             <a:endParaRPr lang="pl-PL"/>
           </a:p>
@@ -5973,7 +5974,7 @@
           <a:p>
             <a:fld id="{885B33CE-67A7-4E67-8443-B8E3862ACA72}" type="datetime1">
               <a:rPr lang="pl-PL" smtClean="0"/>
-              <a:t>29.01.2024</a:t>
+              <a:t>1.02.2024</a:t>
             </a:fld>
             <a:endParaRPr lang="pl-PL"/>
           </a:p>
@@ -6196,7 +6197,7 @@
           <a:p>
             <a:fld id="{5E6DC864-14DF-4052-8C78-12E41B59E1E2}" type="datetime1">
               <a:rPr lang="pl-PL" smtClean="0"/>
-              <a:t>29.01.2024</a:t>
+              <a:t>1.02.2024</a:t>
             </a:fld>
             <a:endParaRPr lang="pl-PL"/>
           </a:p>
@@ -6323,7 +6324,7 @@
           <a:p>
             <a:fld id="{4FA73C87-E8FB-442F-BC6A-98CBB5A89EF0}" type="datetime1">
               <a:rPr lang="pl-PL" smtClean="0"/>
-              <a:t>29.01.2024</a:t>
+              <a:t>1.02.2024</a:t>
             </a:fld>
             <a:endParaRPr lang="pl-PL"/>
           </a:p>
@@ -6530,7 +6531,7 @@
           <a:p>
             <a:fld id="{30823703-2223-488E-ABAD-9B8A394F9C0A}" type="datetime1">
               <a:rPr lang="pl-PL" smtClean="0"/>
-              <a:t>29.01.2024</a:t>
+              <a:t>1.02.2024</a:t>
             </a:fld>
             <a:endParaRPr lang="pl-PL"/>
           </a:p>
@@ -7157,7 +7158,7 @@
           <a:p>
             <a:fld id="{FAA3217B-91BF-F94E-9072-57BADD6D61A0}" type="datetimeFigureOut">
               <a:rPr lang="en-NO" smtClean="0"/>
-              <a:t>29/01/2024</a:t>
+              <a:t>01/02/2024</a:t>
             </a:fld>
             <a:endParaRPr lang="en-NO"/>
           </a:p>
@@ -7308,7 +7309,7 @@
           <a:p>
             <a:fld id="{A28A6506-CC09-4B4B-A8E7-4DBBA09707C2}" type="datetime1">
               <a:rPr lang="pl-PL" smtClean="0"/>
-              <a:t>29.01.2024</a:t>
+              <a:t>1.02.2024</a:t>
             </a:fld>
             <a:endParaRPr lang="pl-PL"/>
           </a:p>
@@ -7512,7 +7513,7 @@
           <a:p>
             <a:fld id="{BA01875E-C1E7-4E10-821D-4F6DFAE23E8F}" type="datetime1">
               <a:rPr lang="pl-PL" smtClean="0"/>
-              <a:t>29.01.2024</a:t>
+              <a:t>1.02.2024</a:t>
             </a:fld>
             <a:endParaRPr lang="pl-PL"/>
           </a:p>
@@ -8143,7 +8144,7 @@
           <a:p>
             <a:fld id="{76688D13-9515-48D8-BEE2-06F436BECAC6}" type="datetime1">
               <a:rPr lang="pl-PL" smtClean="0"/>
-              <a:t>29.01.2024</a:t>
+              <a:t>1.02.2024</a:t>
             </a:fld>
             <a:endParaRPr lang="pl-PL"/>
           </a:p>
@@ -9788,7 +9789,7 @@
           <a:p>
             <a:fld id="{FC15615B-3397-4817-B3F7-A5049430E3CF}" type="datetime1">
               <a:rPr lang="pl-PL" smtClean="0"/>
-              <a:t>29.01.2024</a:t>
+              <a:t>1.02.2024</a:t>
             </a:fld>
             <a:endParaRPr lang="pl-PL"/>
           </a:p>
@@ -10669,7 +10670,7 @@
             <a:pPr algn="r"/>
             <a:fld id="{C9FEF3E5-3980-45FF-82C0-845747966C85}" type="datetime1">
               <a:rPr lang="pl-PL" noProof="0" smtClean="0"/>
-              <a:t>29.01.2024</a:t>
+              <a:t>1.02.2024</a:t>
             </a:fld>
             <a:endParaRPr lang="en-US" noProof="0"/>
           </a:p>
@@ -10953,7 +10954,7 @@
             <a:pPr algn="r"/>
             <a:fld id="{C9FEF3E5-3980-45FF-82C0-845747966C85}" type="datetime1">
               <a:rPr lang="pl-PL" noProof="0" smtClean="0"/>
-              <a:t>29.01.2024</a:t>
+              <a:t>1.02.2024</a:t>
             </a:fld>
             <a:endParaRPr lang="en-US" noProof="0"/>
           </a:p>
@@ -11237,7 +11238,7 @@
             <a:pPr algn="r"/>
             <a:fld id="{C9FEF3E5-3980-45FF-82C0-845747966C85}" type="datetime1">
               <a:rPr lang="pl-PL" noProof="0" smtClean="0"/>
-              <a:t>29.01.2024</a:t>
+              <a:t>1.02.2024</a:t>
             </a:fld>
             <a:endParaRPr lang="en-US" noProof="0"/>
           </a:p>
@@ -11621,7 +11622,7 @@
             <a:pPr algn="r"/>
             <a:fld id="{C9FEF3E5-3980-45FF-82C0-845747966C85}" type="datetime1">
               <a:rPr lang="pl-PL" noProof="0" smtClean="0"/>
-              <a:t>29.01.2024</a:t>
+              <a:t>1.02.2024</a:t>
             </a:fld>
             <a:endParaRPr lang="en-US" noProof="0"/>
           </a:p>
@@ -11812,7 +11813,7 @@
           <a:p>
             <a:fld id="{FAA3217B-91BF-F94E-9072-57BADD6D61A0}" type="datetimeFigureOut">
               <a:rPr lang="en-NO" smtClean="0"/>
-              <a:t>29/01/2024</a:t>
+              <a:t>01/02/2024</a:t>
             </a:fld>
             <a:endParaRPr lang="en-NO"/>
           </a:p>
@@ -12004,7 +12005,7 @@
           <a:p>
             <a:fld id="{FAA3217B-91BF-F94E-9072-57BADD6D61A0}" type="datetimeFigureOut">
               <a:rPr lang="en-NO" smtClean="0"/>
-              <a:t>29/01/2024</a:t>
+              <a:t>01/02/2024</a:t>
             </a:fld>
             <a:endParaRPr lang="en-NO"/>
           </a:p>
@@ -12174,7 +12175,7 @@
           <a:p>
             <a:fld id="{FAA3217B-91BF-F94E-9072-57BADD6D61A0}" type="datetimeFigureOut">
               <a:rPr lang="en-NO" smtClean="0"/>
-              <a:t>29/01/2024</a:t>
+              <a:t>01/02/2024</a:t>
             </a:fld>
             <a:endParaRPr lang="en-NO"/>
           </a:p>
@@ -12541,7 +12542,7 @@
           <a:p>
             <a:fld id="{FAA3217B-91BF-F94E-9072-57BADD6D61A0}" type="datetimeFigureOut">
               <a:rPr lang="en-NO" smtClean="0"/>
-              <a:t>29/01/2024</a:t>
+              <a:t>01/02/2024</a:t>
             </a:fld>
             <a:endParaRPr lang="en-NO"/>
           </a:p>
@@ -12659,7 +12660,7 @@
           <a:p>
             <a:fld id="{FAA3217B-91BF-F94E-9072-57BADD6D61A0}" type="datetimeFigureOut">
               <a:rPr lang="en-NO" smtClean="0"/>
-              <a:t>29/01/2024</a:t>
+              <a:t>01/02/2024</a:t>
             </a:fld>
             <a:endParaRPr lang="en-NO"/>
           </a:p>
@@ -12754,7 +12755,7 @@
           <a:p>
             <a:fld id="{FAA3217B-91BF-F94E-9072-57BADD6D61A0}" type="datetimeFigureOut">
               <a:rPr lang="en-NO" smtClean="0"/>
-              <a:t>29/01/2024</a:t>
+              <a:t>01/02/2024</a:t>
             </a:fld>
             <a:endParaRPr lang="en-NO"/>
           </a:p>
@@ -13031,7 +13032,7 @@
           <a:p>
             <a:fld id="{FAA3217B-91BF-F94E-9072-57BADD6D61A0}" type="datetimeFigureOut">
               <a:rPr lang="en-NO" smtClean="0"/>
-              <a:t>29/01/2024</a:t>
+              <a:t>01/02/2024</a:t>
             </a:fld>
             <a:endParaRPr lang="en-NO"/>
           </a:p>
@@ -13288,7 +13289,7 @@
           <a:p>
             <a:fld id="{FAA3217B-91BF-F94E-9072-57BADD6D61A0}" type="datetimeFigureOut">
               <a:rPr lang="en-NO" smtClean="0"/>
-              <a:t>29/01/2024</a:t>
+              <a:t>01/02/2024</a:t>
             </a:fld>
             <a:endParaRPr lang="en-NO"/>
           </a:p>
@@ -13501,7 +13502,7 @@
           <a:p>
             <a:fld id="{FAA3217B-91BF-F94E-9072-57BADD6D61A0}" type="datetimeFigureOut">
               <a:rPr lang="en-NO" smtClean="0"/>
-              <a:t>29/01/2024</a:t>
+              <a:t>01/02/2024</a:t>
             </a:fld>
             <a:endParaRPr lang="en-NO"/>
           </a:p>
@@ -14010,7 +14011,7 @@
           <a:p>
             <a:fld id="{A8AD308A-F818-43E1-AA9E-31340C71C4CE}" type="datetime1">
               <a:rPr lang="pl-PL" smtClean="0"/>
-              <a:t>29.01.2024</a:t>
+              <a:t>1.02.2024</a:t>
             </a:fld>
             <a:endParaRPr lang="pl-PL"/>
           </a:p>
@@ -14523,7 +14524,7 @@
           <a:lstStyle/>
           <a:p>
             <a:r>
-              <a:rPr lang="en-NO" dirty="0"/>
+              <a:rPr lang="en-NO"/>
               <a:t>Kafka – 101</a:t>
             </a:r>
           </a:p>
@@ -14551,15 +14552,15 @@
           <a:lstStyle/>
           <a:p>
             <a:r>
-              <a:rPr lang="en-NO" dirty="0"/>
+              <a:rPr lang="en-NO"/>
               <a:t>M</a:t>
             </a:r>
             <a:r>
-              <a:rPr lang="en-GB" dirty="0"/>
+              <a:rPr lang="en-GB"/>
               <a:t>a</a:t>
             </a:r>
             <a:r>
-              <a:rPr lang="en-NO" dirty="0"/>
+              <a:rPr lang="en-NO"/>
               <a:t>de by a group that learned it recently ;)</a:t>
             </a:r>
           </a:p>
@@ -14716,7 +14717,7 @@
           <a:lstStyle/>
           <a:p>
             <a:r>
-              <a:rPr lang="en-US" sz="2800" b="1" dirty="0">
+              <a:rPr lang="en-US" sz="2800" b="1">
                 <a:ea typeface="Calibri"/>
                 <a:cs typeface="Calibri"/>
               </a:rPr>
@@ -14755,40 +14756,87 @@
           <a:chExt cx="0" cy="0"/>
         </a:xfrm>
       </p:grpSpPr>
-      <p:pic>
-        <p:nvPicPr>
-          <p:cNvPr id="4" name="Picture 3" descr="File:Thats all folks.svg - Wikimedia Commons">
-            <a:extLst>
-              <a:ext uri="{FF2B5EF4-FFF2-40B4-BE49-F238E27FC236}">
-                <a16:creationId xmlns:a16="http://schemas.microsoft.com/office/drawing/2014/main" id="{68296DA9-CC4C-B0FB-7220-956DDA496573}"/>
-              </a:ext>
-            </a:extLst>
-          </p:cNvPr>
-          <p:cNvPicPr>
-            <a:picLocks noChangeAspect="1"/>
-          </p:cNvPicPr>
-          <p:nvPr/>
-        </p:nvPicPr>
-        <p:blipFill>
-          <a:blip r:embed="rId2"/>
-          <a:stretch>
-            <a:fillRect/>
-          </a:stretch>
-        </p:blipFill>
-        <p:spPr>
-          <a:xfrm>
-            <a:off x="5348" y="-773290"/>
-            <a:ext cx="12181303" cy="9166580"/>
-          </a:xfrm>
-          <a:prstGeom prst="rect">
-            <a:avLst/>
-          </a:prstGeom>
-        </p:spPr>
-      </p:pic>
+      <p:sp>
+        <p:nvSpPr>
+          <p:cNvPr id="2" name="Title 1">
+            <a:extLst>
+              <a:ext uri="{FF2B5EF4-FFF2-40B4-BE49-F238E27FC236}">
+                <a16:creationId xmlns:a16="http://schemas.microsoft.com/office/drawing/2014/main" id="{E09F3442-1068-96F5-011D-90D9E1F2C8FF}"/>
+              </a:ext>
+            </a:extLst>
+          </p:cNvPr>
+          <p:cNvSpPr>
+            <a:spLocks noGrp="1"/>
+          </p:cNvSpPr>
+          <p:nvPr>
+            <p:ph type="ctrTitle"/>
+          </p:nvPr>
+        </p:nvSpPr>
+        <p:spPr/>
+        <p:txBody>
+          <a:bodyPr/>
+          <a:lstStyle/>
+          <a:p>
+            <a:r>
+              <a:rPr lang="en-NO" dirty="0"/>
+              <a:t>Lets spin up Kafka</a:t>
+            </a:r>
+          </a:p>
+        </p:txBody>
+      </p:sp>
+      <p:sp>
+        <p:nvSpPr>
+          <p:cNvPr id="3" name="Subtitle 2">
+            <a:extLst>
+              <a:ext uri="{FF2B5EF4-FFF2-40B4-BE49-F238E27FC236}">
+                <a16:creationId xmlns:a16="http://schemas.microsoft.com/office/drawing/2014/main" id="{23561510-6665-8FB3-194B-9581EE17B4EB}"/>
+              </a:ext>
+            </a:extLst>
+          </p:cNvPr>
+          <p:cNvSpPr>
+            <a:spLocks noGrp="1"/>
+          </p:cNvSpPr>
+          <p:nvPr>
+            <p:ph type="subTitle" idx="1"/>
+          </p:nvPr>
+        </p:nvSpPr>
+        <p:spPr/>
+        <p:txBody>
+          <a:bodyPr/>
+          <a:lstStyle/>
+          <a:p>
+            <a:r>
+              <a:rPr lang="en-GB" dirty="0"/>
+              <a:t>https://</a:t>
+            </a:r>
+            <a:r>
+              <a:rPr lang="en-GB" dirty="0" err="1"/>
+              <a:t>github.com</a:t>
+            </a:r>
+            <a:r>
+              <a:rPr lang="en-GB" dirty="0"/>
+              <a:t>/</a:t>
+            </a:r>
+            <a:r>
+              <a:rPr lang="en-GB" dirty="0" err="1"/>
+              <a:t>fortedigital</a:t>
+            </a:r>
+            <a:r>
+              <a:rPr lang="en-GB" dirty="0"/>
+              <a:t>/cg-</a:t>
+            </a:r>
+            <a:r>
+              <a:rPr lang="en-GB" dirty="0" err="1"/>
+              <a:t>kafka</a:t>
+            </a:r>
+            <a:endParaRPr lang="en-NO" dirty="0"/>
+          </a:p>
+        </p:txBody>
+      </p:sp>
     </p:spTree>
     <p:extLst>
       <p:ext uri="{BB962C8B-B14F-4D97-AF65-F5344CB8AC3E}">
-        <p14:creationId xmlns:p14="http://schemas.microsoft.com/office/powerpoint/2010/main" val="1747551896"/>
+        <p14:creationId xmlns:p14="http://schemas.microsoft.com/office/powerpoint/2010/main" val="3886260931"/>
       </p:ext>
     </p:extLst>
   </p:cSld>
@@ -14820,15 +14868,15 @@
           <p:cNvPr id="2" name="Title 1">
             <a:extLst>
               <a:ext uri="{FF2B5EF4-FFF2-40B4-BE49-F238E27FC236}">
-                <a16:creationId xmlns:a16="http://schemas.microsoft.com/office/drawing/2014/main" id="{7589506C-6045-539E-018A-360F1B9D7284}"/>
-              </a:ext>
-            </a:extLst>
-          </p:cNvPr>
-          <p:cNvSpPr>
-            <a:spLocks noGrp="1"/>
-          </p:cNvSpPr>
-          <p:nvPr>
-            <p:ph type="ctrTitle"/>
+                <a16:creationId xmlns:a16="http://schemas.microsoft.com/office/drawing/2014/main" id="{A3885E82-8EC8-9209-80DF-00319F4B8099}"/>
+              </a:ext>
+            </a:extLst>
+          </p:cNvPr>
+          <p:cNvSpPr>
+            <a:spLocks noGrp="1"/>
+          </p:cNvSpPr>
+          <p:nvPr>
+            <p:ph type="title"/>
           </p:nvPr>
         </p:nvSpPr>
         <p:spPr/>
@@ -14838,55 +14886,15 @@
           <a:p>
             <a:r>
               <a:rPr lang="en-NO" dirty="0"/>
-              <a:t>Kafka</a:t>
-            </a:r>
-          </a:p>
-        </p:txBody>
-      </p:sp>
-      <p:sp>
-        <p:nvSpPr>
-          <p:cNvPr id="3" name="Subtitle 2">
-            <a:extLst>
-              <a:ext uri="{FF2B5EF4-FFF2-40B4-BE49-F238E27FC236}">
-                <a16:creationId xmlns:a16="http://schemas.microsoft.com/office/drawing/2014/main" id="{F8286B4E-01D0-C634-E142-6EBFA563A355}"/>
-              </a:ext>
-            </a:extLst>
-          </p:cNvPr>
-          <p:cNvSpPr>
-            <a:spLocks noGrp="1"/>
-          </p:cNvSpPr>
-          <p:nvPr>
-            <p:ph type="subTitle" idx="1"/>
-          </p:nvPr>
-        </p:nvSpPr>
-        <p:spPr/>
-        <p:txBody>
-          <a:bodyPr/>
-          <a:lstStyle/>
-          <a:p>
-            <a:r>
-              <a:rPr lang="en-GB" dirty="0"/>
-              <a:t>https://</a:t>
-            </a:r>
-            <a:r>
-              <a:rPr lang="en-GB" dirty="0" err="1"/>
-              <a:t>www.gentlydownthe.stream</a:t>
-            </a:r>
-            <a:r>
-              <a:rPr lang="en-GB" dirty="0"/>
-              <a:t>/</a:t>
-            </a:r>
-            <a:endParaRPr lang="en-NO" dirty="0"/>
-          </a:p>
-          <a:p>
-            <a:endParaRPr lang="en-NO" dirty="0"/>
+              <a:t>Short break</a:t>
+            </a:r>
           </a:p>
         </p:txBody>
       </p:sp>
     </p:spTree>
     <p:extLst>
       <p:ext uri="{BB962C8B-B14F-4D97-AF65-F5344CB8AC3E}">
-        <p14:creationId xmlns:p14="http://schemas.microsoft.com/office/powerpoint/2010/main" val="224841888"/>
+        <p14:creationId xmlns:p14="http://schemas.microsoft.com/office/powerpoint/2010/main" val="2325049116"/>
       </p:ext>
     </p:extLst>
   </p:cSld>
@@ -14918,6 +14926,104 @@
           <p:cNvPr id="2" name="Title 1">
             <a:extLst>
               <a:ext uri="{FF2B5EF4-FFF2-40B4-BE49-F238E27FC236}">
+                <a16:creationId xmlns:a16="http://schemas.microsoft.com/office/drawing/2014/main" id="{7589506C-6045-539E-018A-360F1B9D7284}"/>
+              </a:ext>
+            </a:extLst>
+          </p:cNvPr>
+          <p:cNvSpPr>
+            <a:spLocks noGrp="1"/>
+          </p:cNvSpPr>
+          <p:nvPr>
+            <p:ph type="ctrTitle"/>
+          </p:nvPr>
+        </p:nvSpPr>
+        <p:spPr/>
+        <p:txBody>
+          <a:bodyPr/>
+          <a:lstStyle/>
+          <a:p>
+            <a:r>
+              <a:rPr lang="en-NO"/>
+              <a:t>Kafka</a:t>
+            </a:r>
+          </a:p>
+        </p:txBody>
+      </p:sp>
+      <p:sp>
+        <p:nvSpPr>
+          <p:cNvPr id="3" name="Subtitle 2">
+            <a:extLst>
+              <a:ext uri="{FF2B5EF4-FFF2-40B4-BE49-F238E27FC236}">
+                <a16:creationId xmlns:a16="http://schemas.microsoft.com/office/drawing/2014/main" id="{F8286B4E-01D0-C634-E142-6EBFA563A355}"/>
+              </a:ext>
+            </a:extLst>
+          </p:cNvPr>
+          <p:cNvSpPr>
+            <a:spLocks noGrp="1"/>
+          </p:cNvSpPr>
+          <p:nvPr>
+            <p:ph type="subTitle" idx="1"/>
+          </p:nvPr>
+        </p:nvSpPr>
+        <p:spPr/>
+        <p:txBody>
+          <a:bodyPr/>
+          <a:lstStyle/>
+          <a:p>
+            <a:r>
+              <a:rPr lang="en-GB" dirty="0"/>
+              <a:t>https://</a:t>
+            </a:r>
+            <a:r>
+              <a:rPr lang="en-GB" dirty="0" err="1"/>
+              <a:t>www.gentlydownthe.stream</a:t>
+            </a:r>
+            <a:r>
+              <a:rPr lang="en-GB" dirty="0"/>
+              <a:t>/</a:t>
+            </a:r>
+            <a:endParaRPr lang="en-NO" dirty="0"/>
+          </a:p>
+          <a:p>
+            <a:endParaRPr lang="en-NO" dirty="0"/>
+          </a:p>
+        </p:txBody>
+      </p:sp>
+    </p:spTree>
+    <p:extLst>
+      <p:ext uri="{BB962C8B-B14F-4D97-AF65-F5344CB8AC3E}">
+        <p14:creationId xmlns:p14="http://schemas.microsoft.com/office/powerpoint/2010/main" val="224841888"/>
+      </p:ext>
+    </p:extLst>
+  </p:cSld>
+  <p:clrMapOvr>
+    <a:masterClrMapping/>
+  </p:clrMapOvr>
+</p:sld>
+</file>
+
+<file path=ppt/slides/slide14.xml><?xml version="1.0" encoding="utf-8"?>
+<p:sld xmlns:a="http://schemas.openxmlformats.org/drawingml/2006/main" xmlns:r="http://schemas.openxmlformats.org/officeDocument/2006/relationships" xmlns:p="http://schemas.openxmlformats.org/presentationml/2006/main">
+  <p:cSld>
+    <p:spTree>
+      <p:nvGrpSpPr>
+        <p:cNvPr id="1" name=""/>
+        <p:cNvGrpSpPr/>
+        <p:nvPr/>
+      </p:nvGrpSpPr>
+      <p:grpSpPr>
+        <a:xfrm>
+          <a:off x="0" y="0"/>
+          <a:ext cx="0" cy="0"/>
+          <a:chOff x="0" y="0"/>
+          <a:chExt cx="0" cy="0"/>
+        </a:xfrm>
+      </p:grpSpPr>
+      <p:sp>
+        <p:nvSpPr>
+          <p:cNvPr id="2" name="Title 1">
+            <a:extLst>
+              <a:ext uri="{FF2B5EF4-FFF2-40B4-BE49-F238E27FC236}">
                 <a16:creationId xmlns:a16="http://schemas.microsoft.com/office/drawing/2014/main" id="{4F245D4E-8F74-BD4B-D600-410ED030C119}"/>
               </a:ext>
             </a:extLst>
@@ -14942,7 +15048,7 @@
           <a:lstStyle/>
           <a:p>
             <a:r>
-              <a:rPr lang="en-NO" sz="4400" dirty="0"/>
+              <a:rPr lang="en-NO" sz="4400"/>
               <a:t>How companies start</a:t>
             </a:r>
           </a:p>
@@ -14972,7 +15078,7 @@
             <a:pPr marL="0" indent="0">
               <a:buNone/>
             </a:pPr>
-            <a:endParaRPr lang="en-NO" dirty="0"/>
+            <a:endParaRPr lang="en-NO"/>
           </a:p>
         </p:txBody>
       </p:sp>
@@ -15019,7 +15125,7 @@
 </p:sld>
 </file>
 
-<file path=ppt/slides/slide14.xml><?xml version="1.0" encoding="utf-8"?>
+<file path=ppt/slides/slide15.xml><?xml version="1.0" encoding="utf-8"?>
 <p:sld xmlns:a="http://schemas.openxmlformats.org/drawingml/2006/main" xmlns:r="http://schemas.openxmlformats.org/officeDocument/2006/relationships" xmlns:p="http://schemas.openxmlformats.org/presentationml/2006/main">
   <p:cSld>
     <p:spTree>
@@ -15060,7 +15166,7 @@
           <a:lstStyle/>
           <a:p>
             <a:r>
-              <a:rPr lang="en-NO" dirty="0"/>
+              <a:rPr lang="en-NO"/>
               <a:t>After some time…</a:t>
             </a:r>
           </a:p>
@@ -15142,11 +15248,11 @@
           <a:lstStyle/>
           <a:p>
             <a:r>
-              <a:rPr lang="en-GB" dirty="0"/>
+              <a:rPr lang="en-GB"/>
               <a:t>A lot</a:t>
             </a:r>
             <a:r>
-              <a:rPr lang="en-NO" dirty="0"/>
+              <a:rPr lang="en-NO"/>
               <a:t> more complicated…</a:t>
             </a:r>
           </a:p>
@@ -15156,140 +15262,6 @@
     <p:extLst>
       <p:ext uri="{BB962C8B-B14F-4D97-AF65-F5344CB8AC3E}">
         <p14:creationId xmlns:p14="http://schemas.microsoft.com/office/powerpoint/2010/main" val="1151482839"/>
-      </p:ext>
-    </p:extLst>
-  </p:cSld>
-  <p:clrMapOvr>
-    <a:masterClrMapping/>
-  </p:clrMapOvr>
-</p:sld>
-</file>
-
-<file path=ppt/slides/slide15.xml><?xml version="1.0" encoding="utf-8"?>
-<p:sld xmlns:a="http://schemas.openxmlformats.org/drawingml/2006/main" xmlns:r="http://schemas.openxmlformats.org/officeDocument/2006/relationships" xmlns:p="http://schemas.openxmlformats.org/presentationml/2006/main">
-  <p:cSld>
-    <p:spTree>
-      <p:nvGrpSpPr>
-        <p:cNvPr id="1" name=""/>
-        <p:cNvGrpSpPr/>
-        <p:nvPr/>
-      </p:nvGrpSpPr>
-      <p:grpSpPr>
-        <a:xfrm>
-          <a:off x="0" y="0"/>
-          <a:ext cx="0" cy="0"/>
-          <a:chOff x="0" y="0"/>
-          <a:chExt cx="0" cy="0"/>
-        </a:xfrm>
-      </p:grpSpPr>
-      <p:sp>
-        <p:nvSpPr>
-          <p:cNvPr id="2" name="Title 1">
-            <a:extLst>
-              <a:ext uri="{FF2B5EF4-FFF2-40B4-BE49-F238E27FC236}">
-                <a16:creationId xmlns:a16="http://schemas.microsoft.com/office/drawing/2014/main" id="{0B154EFC-1FB4-440E-0E11-BF96A98A222C}"/>
-              </a:ext>
-            </a:extLst>
-          </p:cNvPr>
-          <p:cNvSpPr>
-            <a:spLocks noGrp="1"/>
-          </p:cNvSpPr>
-          <p:nvPr>
-            <p:ph type="title"/>
-          </p:nvPr>
-        </p:nvSpPr>
-        <p:spPr/>
-        <p:txBody>
-          <a:bodyPr>
-            <a:normAutofit/>
-          </a:bodyPr>
-          <a:lstStyle/>
-          <a:p>
-            <a:r>
-              <a:rPr lang="en-NO" dirty="0"/>
-              <a:t>This causes problems..</a:t>
-            </a:r>
-          </a:p>
-        </p:txBody>
-      </p:sp>
-      <p:sp>
-        <p:nvSpPr>
-          <p:cNvPr id="3" name="Content Placeholder 2">
-            <a:extLst>
-              <a:ext uri="{FF2B5EF4-FFF2-40B4-BE49-F238E27FC236}">
-                <a16:creationId xmlns:a16="http://schemas.microsoft.com/office/drawing/2014/main" id="{CD1C56F9-3776-46FF-B503-96E651BDFAF4}"/>
-              </a:ext>
-            </a:extLst>
-          </p:cNvPr>
-          <p:cNvSpPr>
-            <a:spLocks noGrp="1"/>
-          </p:cNvSpPr>
-          <p:nvPr>
-            <p:ph idx="1"/>
-          </p:nvPr>
-        </p:nvSpPr>
-        <p:spPr/>
-        <p:txBody>
-          <a:bodyPr/>
-          <a:lstStyle/>
-          <a:p>
-            <a:r>
-              <a:rPr lang="en-NO" dirty="0"/>
-              <a:t>4 source systems, and 4 target systems requires 16 integrations..</a:t>
-            </a:r>
-          </a:p>
-          <a:p>
-            <a:r>
-              <a:rPr lang="en-GB" dirty="0"/>
-              <a:t>Each integration comes with difficulties around</a:t>
-            </a:r>
-          </a:p>
-          <a:p>
-            <a:pPr lvl="1"/>
-            <a:r>
-              <a:rPr lang="en-GB" b="1" dirty="0"/>
-              <a:t>Protocol</a:t>
-            </a:r>
-            <a:r>
-              <a:rPr lang="en-GB" dirty="0"/>
-              <a:t> – how the data is transported (TCP, HTTP, REST, FTP, JDBC…)</a:t>
-            </a:r>
-          </a:p>
-          <a:p>
-            <a:pPr lvl="1"/>
-            <a:r>
-              <a:rPr lang="en-GB" b="1" dirty="0"/>
-              <a:t>Data format</a:t>
-            </a:r>
-            <a:r>
-              <a:rPr lang="en-GB" dirty="0"/>
-              <a:t> – how the data is parsed (Binary, CSV, JSON, Avro…)</a:t>
-            </a:r>
-          </a:p>
-          <a:p>
-            <a:pPr lvl="1"/>
-            <a:r>
-              <a:rPr lang="en-GB" b="1" dirty="0"/>
-              <a:t>Data schema &amp; evolution</a:t>
-            </a:r>
-            <a:r>
-              <a:rPr lang="en-GB" dirty="0"/>
-              <a:t> – how the data is shaped and may change</a:t>
-            </a:r>
-          </a:p>
-          <a:p>
-            <a:endParaRPr lang="en-NO" dirty="0"/>
-          </a:p>
-          <a:p>
-            <a:pPr lvl="1"/>
-            <a:endParaRPr lang="en-NO" dirty="0"/>
-          </a:p>
-        </p:txBody>
-      </p:sp>
-    </p:spTree>
-    <p:extLst>
-      <p:ext uri="{BB962C8B-B14F-4D97-AF65-F5344CB8AC3E}">
-        <p14:creationId xmlns:p14="http://schemas.microsoft.com/office/powerpoint/2010/main" val="3847303270"/>
       </p:ext>
     </p:extLst>
   </p:cSld>
@@ -15321,7 +15293,7 @@
           <p:cNvPr id="2" name="Title 1">
             <a:extLst>
               <a:ext uri="{FF2B5EF4-FFF2-40B4-BE49-F238E27FC236}">
-                <a16:creationId xmlns:a16="http://schemas.microsoft.com/office/drawing/2014/main" id="{87BE2BFD-6F31-3263-AE82-263AA16454CA}"/>
+                <a16:creationId xmlns:a16="http://schemas.microsoft.com/office/drawing/2014/main" id="{0B154EFC-1FB4-440E-0E11-BF96A98A222C}"/>
               </a:ext>
             </a:extLst>
           </p:cNvPr>
@@ -15340,7 +15312,141 @@
           <a:lstStyle/>
           <a:p>
             <a:r>
-              <a:rPr lang="en-NO" dirty="0"/>
+              <a:rPr lang="en-NO"/>
+              <a:t>This causes problems..</a:t>
+            </a:r>
+          </a:p>
+        </p:txBody>
+      </p:sp>
+      <p:sp>
+        <p:nvSpPr>
+          <p:cNvPr id="3" name="Content Placeholder 2">
+            <a:extLst>
+              <a:ext uri="{FF2B5EF4-FFF2-40B4-BE49-F238E27FC236}">
+                <a16:creationId xmlns:a16="http://schemas.microsoft.com/office/drawing/2014/main" id="{CD1C56F9-3776-46FF-B503-96E651BDFAF4}"/>
+              </a:ext>
+            </a:extLst>
+          </p:cNvPr>
+          <p:cNvSpPr>
+            <a:spLocks noGrp="1"/>
+          </p:cNvSpPr>
+          <p:nvPr>
+            <p:ph idx="1"/>
+          </p:nvPr>
+        </p:nvSpPr>
+        <p:spPr/>
+        <p:txBody>
+          <a:bodyPr/>
+          <a:lstStyle/>
+          <a:p>
+            <a:r>
+              <a:rPr lang="en-NO"/>
+              <a:t>4 source systems, and 4 target systems requires 16 integrations..</a:t>
+            </a:r>
+          </a:p>
+          <a:p>
+            <a:r>
+              <a:rPr lang="en-GB"/>
+              <a:t>Each integration comes with difficulties around</a:t>
+            </a:r>
+          </a:p>
+          <a:p>
+            <a:pPr lvl="1"/>
+            <a:r>
+              <a:rPr lang="en-GB" b="1"/>
+              <a:t>Protocol</a:t>
+            </a:r>
+            <a:r>
+              <a:rPr lang="en-GB"/>
+              <a:t> – how the data is transported (TCP, HTTP, REST, FTP, JDBC…)</a:t>
+            </a:r>
+          </a:p>
+          <a:p>
+            <a:pPr lvl="1"/>
+            <a:r>
+              <a:rPr lang="en-GB" b="1"/>
+              <a:t>Data format</a:t>
+            </a:r>
+            <a:r>
+              <a:rPr lang="en-GB"/>
+              <a:t> – how the data is parsed (Binary, CSV, JSON, Avro…)</a:t>
+            </a:r>
+          </a:p>
+          <a:p>
+            <a:pPr lvl="1"/>
+            <a:r>
+              <a:rPr lang="en-GB" b="1"/>
+              <a:t>Data schema &amp; evolution</a:t>
+            </a:r>
+            <a:r>
+              <a:rPr lang="en-GB"/>
+              <a:t> – how the data is shaped and may change</a:t>
+            </a:r>
+          </a:p>
+          <a:p>
+            <a:endParaRPr lang="en-NO"/>
+          </a:p>
+          <a:p>
+            <a:pPr lvl="1"/>
+            <a:endParaRPr lang="en-NO"/>
+          </a:p>
+        </p:txBody>
+      </p:sp>
+    </p:spTree>
+    <p:extLst>
+      <p:ext uri="{BB962C8B-B14F-4D97-AF65-F5344CB8AC3E}">
+        <p14:creationId xmlns:p14="http://schemas.microsoft.com/office/powerpoint/2010/main" val="3847303270"/>
+      </p:ext>
+    </p:extLst>
+  </p:cSld>
+  <p:clrMapOvr>
+    <a:masterClrMapping/>
+  </p:clrMapOvr>
+</p:sld>
+</file>
+
+<file path=ppt/slides/slide17.xml><?xml version="1.0" encoding="utf-8"?>
+<p:sld xmlns:a="http://schemas.openxmlformats.org/drawingml/2006/main" xmlns:r="http://schemas.openxmlformats.org/officeDocument/2006/relationships" xmlns:p="http://schemas.openxmlformats.org/presentationml/2006/main">
+  <p:cSld>
+    <p:spTree>
+      <p:nvGrpSpPr>
+        <p:cNvPr id="1" name=""/>
+        <p:cNvGrpSpPr/>
+        <p:nvPr/>
+      </p:nvGrpSpPr>
+      <p:grpSpPr>
+        <a:xfrm>
+          <a:off x="0" y="0"/>
+          <a:ext cx="0" cy="0"/>
+          <a:chOff x="0" y="0"/>
+          <a:chExt cx="0" cy="0"/>
+        </a:xfrm>
+      </p:grpSpPr>
+      <p:sp>
+        <p:nvSpPr>
+          <p:cNvPr id="2" name="Title 1">
+            <a:extLst>
+              <a:ext uri="{FF2B5EF4-FFF2-40B4-BE49-F238E27FC236}">
+                <a16:creationId xmlns:a16="http://schemas.microsoft.com/office/drawing/2014/main" id="{87BE2BFD-6F31-3263-AE82-263AA16454CA}"/>
+              </a:ext>
+            </a:extLst>
+          </p:cNvPr>
+          <p:cNvSpPr>
+            <a:spLocks noGrp="1"/>
+          </p:cNvSpPr>
+          <p:nvPr>
+            <p:ph type="title"/>
+          </p:nvPr>
+        </p:nvSpPr>
+        <p:spPr/>
+        <p:txBody>
+          <a:bodyPr>
+            <a:normAutofit/>
+          </a:bodyPr>
+          <a:lstStyle/>
+          <a:p>
+            <a:r>
+              <a:rPr lang="en-NO"/>
               <a:t>Kafka to the rescue!</a:t>
             </a:r>
           </a:p>
@@ -15406,7 +15512,7 @@
 </p:sld>
 </file>
 
-<file path=ppt/slides/slide17.xml><?xml version="1.0" encoding="utf-8"?>
+<file path=ppt/slides/slide18.xml><?xml version="1.0" encoding="utf-8"?>
 <p:sld xmlns:a="http://schemas.openxmlformats.org/drawingml/2006/main" xmlns:r="http://schemas.openxmlformats.org/officeDocument/2006/relationships" xmlns:p="http://schemas.openxmlformats.org/presentationml/2006/main">
   <p:cSld>
     <p:spTree>
@@ -15447,7 +15553,7 @@
           <a:lstStyle/>
           <a:p>
             <a:r>
-              <a:rPr lang="en-NO" dirty="0"/>
+              <a:rPr lang="en-NO"/>
               <a:t>Even better example</a:t>
             </a:r>
           </a:p>
@@ -15513,7 +15619,7 @@
 </p:sld>
 </file>
 
-<file path=ppt/slides/slide18.xml><?xml version="1.0" encoding="utf-8"?>
+<file path=ppt/slides/slide19.xml><?xml version="1.0" encoding="utf-8"?>
 <p:sld xmlns:a="http://schemas.openxmlformats.org/drawingml/2006/main" xmlns:r="http://schemas.openxmlformats.org/officeDocument/2006/relationships" xmlns:p="http://schemas.openxmlformats.org/presentationml/2006/main">
   <p:cSld>
     <p:spTree>
@@ -15552,7 +15658,7 @@
           <a:lstStyle/>
           <a:p>
             <a:r>
-              <a:rPr lang="en-NO" dirty="0"/>
+              <a:rPr lang="en-NO"/>
               <a:t>Why Apache Kafka</a:t>
             </a:r>
           </a:p>
@@ -15600,7 +15706,7 @@
             <a:pPr lvl="1"/>
             <a:r>
               <a:rPr lang="en-NO" dirty="0"/>
-              <a:t>Can sacle to 100s of brokers</a:t>
+              <a:t>Can scale to 100s of brokers</a:t>
             </a:r>
           </a:p>
           <a:p>
@@ -15853,145 +15959,6 @@
 </p:sld>
 </file>
 
-<file path=ppt/slides/slide19.xml><?xml version="1.0" encoding="utf-8"?>
-<p:sld xmlns:a="http://schemas.openxmlformats.org/drawingml/2006/main" xmlns:r="http://schemas.openxmlformats.org/officeDocument/2006/relationships" xmlns:p="http://schemas.openxmlformats.org/presentationml/2006/main">
-  <p:cSld>
-    <p:spTree>
-      <p:nvGrpSpPr>
-        <p:cNvPr id="1" name=""/>
-        <p:cNvGrpSpPr/>
-        <p:nvPr/>
-      </p:nvGrpSpPr>
-      <p:grpSpPr>
-        <a:xfrm>
-          <a:off x="0" y="0"/>
-          <a:ext cx="0" cy="0"/>
-          <a:chOff x="0" y="0"/>
-          <a:chExt cx="0" cy="0"/>
-        </a:xfrm>
-      </p:grpSpPr>
-      <p:sp>
-        <p:nvSpPr>
-          <p:cNvPr id="2" name="Title 1">
-            <a:extLst>
-              <a:ext uri="{FF2B5EF4-FFF2-40B4-BE49-F238E27FC236}">
-                <a16:creationId xmlns:a16="http://schemas.microsoft.com/office/drawing/2014/main" id="{37380645-22C9-A597-03B4-AE73A414BCF0}"/>
-              </a:ext>
-            </a:extLst>
-          </p:cNvPr>
-          <p:cNvSpPr>
-            <a:spLocks noGrp="1"/>
-          </p:cNvSpPr>
-          <p:nvPr>
-            <p:ph type="title"/>
-          </p:nvPr>
-        </p:nvSpPr>
-        <p:spPr/>
-        <p:txBody>
-          <a:bodyPr/>
-          <a:lstStyle/>
-          <a:p>
-            <a:r>
-              <a:rPr lang="en-NO" dirty="0"/>
-              <a:t>Use cases</a:t>
-            </a:r>
-          </a:p>
-        </p:txBody>
-      </p:sp>
-      <p:sp>
-        <p:nvSpPr>
-          <p:cNvPr id="3" name="Content Placeholder 2">
-            <a:extLst>
-              <a:ext uri="{FF2B5EF4-FFF2-40B4-BE49-F238E27FC236}">
-                <a16:creationId xmlns:a16="http://schemas.microsoft.com/office/drawing/2014/main" id="{B112C914-164E-3750-EF68-11E92413ECDB}"/>
-              </a:ext>
-            </a:extLst>
-          </p:cNvPr>
-          <p:cNvSpPr>
-            <a:spLocks noGrp="1"/>
-          </p:cNvSpPr>
-          <p:nvPr>
-            <p:ph idx="1"/>
-          </p:nvPr>
-        </p:nvSpPr>
-        <p:spPr/>
-        <p:txBody>
-          <a:bodyPr>
-            <a:normAutofit lnSpcReduction="10000"/>
-          </a:bodyPr>
-          <a:lstStyle/>
-          <a:p>
-            <a:r>
-              <a:rPr lang="en-NO" dirty="0"/>
-              <a:t>Messaging service</a:t>
-            </a:r>
-          </a:p>
-          <a:p>
-            <a:r>
-              <a:rPr lang="en-NO" dirty="0"/>
-              <a:t>Acitivty Tracking</a:t>
-            </a:r>
-          </a:p>
-          <a:p>
-            <a:r>
-              <a:rPr lang="en-NO" dirty="0"/>
-              <a:t>Gathering metrics from many different localtions</a:t>
-            </a:r>
-          </a:p>
-          <a:p>
-            <a:r>
-              <a:rPr lang="en-NO" dirty="0"/>
-              <a:t>Application logs </a:t>
-            </a:r>
-          </a:p>
-          <a:p>
-            <a:r>
-              <a:rPr lang="en-NO" dirty="0"/>
-              <a:t>Stream processing (Kafka streams API)</a:t>
-            </a:r>
-          </a:p>
-          <a:p>
-            <a:r>
-              <a:rPr lang="en-NO" dirty="0"/>
-              <a:t>De-coupling of system dependencies</a:t>
-            </a:r>
-          </a:p>
-          <a:p>
-            <a:r>
-              <a:rPr lang="en-NO" dirty="0"/>
-              <a:t>Integrations with Spark, Flink, Storm, Hadoop and other Big data tech</a:t>
-            </a:r>
-          </a:p>
-          <a:p>
-            <a:r>
-              <a:rPr lang="en-NO" dirty="0"/>
-              <a:t>Mirco-services pub/sub</a:t>
-            </a:r>
-          </a:p>
-          <a:p>
-            <a:r>
-              <a:rPr lang="en-GB" dirty="0"/>
-              <a:t>Event-sourcing store</a:t>
-            </a:r>
-          </a:p>
-          <a:p>
-            <a:endParaRPr lang="en-NO" dirty="0"/>
-          </a:p>
-        </p:txBody>
-      </p:sp>
-    </p:spTree>
-    <p:extLst>
-      <p:ext uri="{BB962C8B-B14F-4D97-AF65-F5344CB8AC3E}">
-        <p14:creationId xmlns:p14="http://schemas.microsoft.com/office/powerpoint/2010/main" val="3465574249"/>
-      </p:ext>
-    </p:extLst>
-  </p:cSld>
-  <p:clrMapOvr>
-    <a:masterClrMapping/>
-  </p:clrMapOvr>
-</p:sld>
-</file>
-
 <file path=ppt/slides/slide2.xml><?xml version="1.0" encoding="utf-8"?>
 <p:sld xmlns:a="http://schemas.openxmlformats.org/drawingml/2006/main" xmlns:r="http://schemas.openxmlformats.org/officeDocument/2006/relationships" xmlns:p="http://schemas.openxmlformats.org/presentationml/2006/main">
   <p:cSld>
@@ -16032,7 +15999,7 @@
           <a:p>
             <a:r>
               <a:rPr lang="en-NO" dirty="0"/>
-              <a:t>Agenda for this course</a:t>
+              <a:t>Agenda</a:t>
             </a:r>
           </a:p>
         </p:txBody>
@@ -16056,25 +16023,69 @@
         <p:spPr/>
         <p:txBody>
           <a:bodyPr>
-            <a:normAutofit lnSpcReduction="10000"/>
+            <a:normAutofit/>
           </a:bodyPr>
           <a:lstStyle/>
           <a:p>
-            <a:pPr marL="0" indent="0">
-              <a:buNone/>
-            </a:pPr>
             <a:r>
               <a:rPr lang="en-NO" dirty="0"/>
-              <a:t>- Docker</a:t>
-            </a:r>
-          </a:p>
-          <a:p>
-            <a:pPr marL="0" indent="0">
-              <a:buNone/>
-            </a:pPr>
+              <a:t>Docker and D</a:t>
+            </a:r>
+            <a:r>
+              <a:rPr lang="en-GB" dirty="0"/>
+              <a:t>o</a:t>
+            </a:r>
             <a:r>
               <a:rPr lang="en-NO" dirty="0"/>
-              <a:t>- Kafka</a:t>
+              <a:t>cker Compose </a:t>
+            </a:r>
+          </a:p>
+          <a:p>
+            <a:pPr lvl="1"/>
+            <a:r>
+              <a:rPr lang="en-NO" dirty="0"/>
+              <a:t>Basics</a:t>
+            </a:r>
+          </a:p>
+          <a:p>
+            <a:pPr lvl="1"/>
+            <a:r>
+              <a:rPr lang="en-NO" dirty="0"/>
+              <a:t>Setup kafka cluster</a:t>
+            </a:r>
+          </a:p>
+          <a:p>
+            <a:r>
+              <a:rPr lang="en-NO" dirty="0"/>
+              <a:t>Kafka </a:t>
+            </a:r>
+          </a:p>
+          <a:p>
+            <a:pPr lvl="1"/>
+            <a:r>
+              <a:rPr lang="en-NO" dirty="0"/>
+              <a:t>Fundamentals</a:t>
+            </a:r>
+          </a:p>
+          <a:p>
+            <a:pPr lvl="1"/>
+            <a:r>
+              <a:rPr lang="en-NO" dirty="0"/>
+              <a:t>CLI tasks</a:t>
+            </a:r>
+          </a:p>
+          <a:p>
+            <a:pPr lvl="1"/>
+            <a:r>
+              <a:rPr lang="en-NO" dirty="0"/>
+              <a:t>Code tasks and connect to our forum</a:t>
+            </a:r>
+          </a:p>
+          <a:p>
+            <a:pPr lvl="1"/>
+            <a:r>
+              <a:rPr lang="en-NO" dirty="0"/>
+              <a:t>If time, try extra</a:t>
             </a:r>
           </a:p>
           <a:p>
@@ -16082,55 +16093,6 @@
               <a:buNone/>
             </a:pPr>
             <a:endParaRPr lang="en-NO" dirty="0"/>
-          </a:p>
-          <a:p>
-            <a:r>
-              <a:rPr lang="en-NO" dirty="0"/>
-              <a:t>Kafka deep-dive</a:t>
-            </a:r>
-          </a:p>
-          <a:p>
-            <a:pPr lvl="1"/>
-            <a:r>
-              <a:rPr lang="en-NO" dirty="0"/>
-              <a:t>security</a:t>
-            </a:r>
-          </a:p>
-          <a:p>
-            <a:pPr lvl="1"/>
-            <a:r>
-              <a:rPr lang="en-NO" dirty="0"/>
-              <a:t>Kafka streams</a:t>
-            </a:r>
-          </a:p>
-          <a:p>
-            <a:pPr lvl="1"/>
-            <a:r>
-              <a:rPr lang="en-NO" dirty="0"/>
-              <a:t>Kafka connect</a:t>
-            </a:r>
-          </a:p>
-          <a:p>
-            <a:pPr lvl="1"/>
-            <a:r>
-              <a:rPr lang="en-NO" dirty="0"/>
-              <a:t>Kafka ksql</a:t>
-            </a:r>
-          </a:p>
-          <a:p>
-            <a:pPr marL="0" indent="0">
-              <a:buNone/>
-            </a:pPr>
-            <a:endParaRPr lang="en-NO" dirty="0"/>
-          </a:p>
-          <a:p>
-            <a:pPr marL="0" indent="0">
-              <a:buNone/>
-            </a:pPr>
-            <a:r>
-              <a:rPr lang="en-NO" dirty="0"/>
-              <a:t>- Big project</a:t>
-            </a:r>
           </a:p>
           <a:p>
             <a:pPr marL="0" indent="0">
@@ -16181,7 +16143,7 @@
           <p:cNvPr id="2" name="Title 1">
             <a:extLst>
               <a:ext uri="{FF2B5EF4-FFF2-40B4-BE49-F238E27FC236}">
-                <a16:creationId xmlns:a16="http://schemas.microsoft.com/office/drawing/2014/main" id="{32AFA948-C53D-1018-F2D4-1E6F92836616}"/>
+                <a16:creationId xmlns:a16="http://schemas.microsoft.com/office/drawing/2014/main" id="{37380645-22C9-A597-03B4-AE73A414BCF0}"/>
               </a:ext>
             </a:extLst>
           </p:cNvPr>
@@ -16198,8 +16160,8 @@
           <a:lstStyle/>
           <a:p>
             <a:r>
-              <a:rPr lang="en-NO" dirty="0"/>
-              <a:t>Examples</a:t>
+              <a:rPr lang="en-NO"/>
+              <a:t>Use cases</a:t>
             </a:r>
           </a:p>
         </p:txBody>
@@ -16209,7 +16171,7 @@
           <p:cNvPr id="3" name="Content Placeholder 2">
             <a:extLst>
               <a:ext uri="{FF2B5EF4-FFF2-40B4-BE49-F238E27FC236}">
-                <a16:creationId xmlns:a16="http://schemas.microsoft.com/office/drawing/2014/main" id="{E401B0E4-D4C3-708A-3E42-839E509A9CA0}"/>
+                <a16:creationId xmlns:a16="http://schemas.microsoft.com/office/drawing/2014/main" id="{B112C914-164E-3750-EF68-11E92413ECDB}"/>
               </a:ext>
             </a:extLst>
           </p:cNvPr>
@@ -16228,79 +16190,67 @@
           <a:lstStyle/>
           <a:p>
             <a:r>
-              <a:rPr lang="en-NO" dirty="0">
-                <a:solidFill>
-                  <a:srgbClr val="FF0000"/>
-                </a:solidFill>
-              </a:rPr>
-              <a:t>Netflix</a:t>
-            </a:r>
-            <a:r>
-              <a:rPr lang="en-NO" dirty="0"/>
-              <a:t> uses kafka for recommendations in real-time while watching </a:t>
-            </a:r>
-          </a:p>
-          <a:p>
-            <a:r>
-              <a:rPr lang="en-NO" b="1" dirty="0"/>
-              <a:t>Uber </a:t>
-            </a:r>
-            <a:r>
-              <a:rPr lang="en-NO" dirty="0"/>
-              <a:t>uses kafka to gather user, taci and trip data in real-time to compute and forecast demand, and compute surge pricing in real-time</a:t>
-            </a:r>
-          </a:p>
-          <a:p>
-            <a:r>
-              <a:rPr lang="en-NO" dirty="0">
-                <a:solidFill>
-                  <a:schemeClr val="accent1"/>
-                </a:solidFill>
-              </a:rPr>
-              <a:t>LinkedIn </a:t>
-            </a:r>
-            <a:r>
-              <a:rPr lang="en-NO" dirty="0"/>
-              <a:t>uses kafka to prevent spam, collect user interactions to make better connection recommendations in real time.</a:t>
-            </a:r>
-          </a:p>
-          <a:p>
-            <a:r>
-              <a:rPr lang="en-NO" dirty="0">
-                <a:solidFill>
-                  <a:srgbClr val="C00000"/>
-                </a:solidFill>
-              </a:rPr>
-              <a:t>Ruter </a:t>
-            </a:r>
-            <a:r>
-              <a:rPr lang="en-NO" dirty="0"/>
-              <a:t>uses it for something..</a:t>
-            </a:r>
-          </a:p>
-          <a:p>
-            <a:endParaRPr lang="en-NO" dirty="0"/>
-          </a:p>
-          <a:p>
-            <a:r>
-              <a:rPr lang="en-NO" dirty="0"/>
-              <a:t>NB: K</a:t>
-            </a:r>
-            <a:r>
-              <a:rPr lang="en-GB" dirty="0"/>
-              <a:t>a</a:t>
-            </a:r>
-            <a:r>
-              <a:rPr lang="en-NO" dirty="0"/>
-              <a:t>fka is used as transportation mechanism of huge data flows that allow these features</a:t>
-            </a:r>
+              <a:rPr lang="en-NO"/>
+              <a:t>Messaging service</a:t>
+            </a:r>
+          </a:p>
+          <a:p>
+            <a:r>
+              <a:rPr lang="en-NO"/>
+              <a:t>Acitivty Tracking</a:t>
+            </a:r>
+          </a:p>
+          <a:p>
+            <a:r>
+              <a:rPr lang="en-NO"/>
+              <a:t>Gathering metrics from many different localtions</a:t>
+            </a:r>
+          </a:p>
+          <a:p>
+            <a:r>
+              <a:rPr lang="en-NO"/>
+              <a:t>Application logs </a:t>
+            </a:r>
+          </a:p>
+          <a:p>
+            <a:r>
+              <a:rPr lang="en-NO"/>
+              <a:t>Stream processing (Kafka streams API)</a:t>
+            </a:r>
+          </a:p>
+          <a:p>
+            <a:r>
+              <a:rPr lang="en-NO"/>
+              <a:t>De-coupling of system dependencies</a:t>
+            </a:r>
+          </a:p>
+          <a:p>
+            <a:r>
+              <a:rPr lang="en-NO"/>
+              <a:t>Integrations with Spark, Flink, Storm, Hadoop and other Big data tech</a:t>
+            </a:r>
+          </a:p>
+          <a:p>
+            <a:r>
+              <a:rPr lang="en-NO"/>
+              <a:t>Mirco-services pub/sub</a:t>
+            </a:r>
+          </a:p>
+          <a:p>
+            <a:r>
+              <a:rPr lang="en-GB"/>
+              <a:t>Event-sourcing store</a:t>
+            </a:r>
+          </a:p>
+          <a:p>
+            <a:endParaRPr lang="en-NO"/>
           </a:p>
         </p:txBody>
       </p:sp>
     </p:spTree>
     <p:extLst>
       <p:ext uri="{BB962C8B-B14F-4D97-AF65-F5344CB8AC3E}">
-        <p14:creationId xmlns:p14="http://schemas.microsoft.com/office/powerpoint/2010/main" val="3207332587"/>
+        <p14:creationId xmlns:p14="http://schemas.microsoft.com/office/powerpoint/2010/main" val="3465574249"/>
       </p:ext>
     </p:extLst>
   </p:cSld>
@@ -16332,6 +16282,157 @@
           <p:cNvPr id="2" name="Title 1">
             <a:extLst>
               <a:ext uri="{FF2B5EF4-FFF2-40B4-BE49-F238E27FC236}">
+                <a16:creationId xmlns:a16="http://schemas.microsoft.com/office/drawing/2014/main" id="{32AFA948-C53D-1018-F2D4-1E6F92836616}"/>
+              </a:ext>
+            </a:extLst>
+          </p:cNvPr>
+          <p:cNvSpPr>
+            <a:spLocks noGrp="1"/>
+          </p:cNvSpPr>
+          <p:nvPr>
+            <p:ph type="title"/>
+          </p:nvPr>
+        </p:nvSpPr>
+        <p:spPr/>
+        <p:txBody>
+          <a:bodyPr/>
+          <a:lstStyle/>
+          <a:p>
+            <a:r>
+              <a:rPr lang="en-NO"/>
+              <a:t>Examples</a:t>
+            </a:r>
+          </a:p>
+        </p:txBody>
+      </p:sp>
+      <p:sp>
+        <p:nvSpPr>
+          <p:cNvPr id="3" name="Content Placeholder 2">
+            <a:extLst>
+              <a:ext uri="{FF2B5EF4-FFF2-40B4-BE49-F238E27FC236}">
+                <a16:creationId xmlns:a16="http://schemas.microsoft.com/office/drawing/2014/main" id="{E401B0E4-D4C3-708A-3E42-839E509A9CA0}"/>
+              </a:ext>
+            </a:extLst>
+          </p:cNvPr>
+          <p:cNvSpPr>
+            <a:spLocks noGrp="1"/>
+          </p:cNvSpPr>
+          <p:nvPr>
+            <p:ph idx="1"/>
+          </p:nvPr>
+        </p:nvSpPr>
+        <p:spPr/>
+        <p:txBody>
+          <a:bodyPr>
+            <a:normAutofit lnSpcReduction="10000"/>
+          </a:bodyPr>
+          <a:lstStyle/>
+          <a:p>
+            <a:r>
+              <a:rPr lang="en-NO" dirty="0">
+                <a:solidFill>
+                  <a:srgbClr val="FF0000"/>
+                </a:solidFill>
+              </a:rPr>
+              <a:t>Netflix</a:t>
+            </a:r>
+            <a:r>
+              <a:rPr lang="en-NO" dirty="0"/>
+              <a:t> uses kafka for recommendations in real-time while watching </a:t>
+            </a:r>
+          </a:p>
+          <a:p>
+            <a:r>
+              <a:rPr lang="en-NO" b="1" dirty="0"/>
+              <a:t>Uber </a:t>
+            </a:r>
+            <a:r>
+              <a:rPr lang="en-NO" dirty="0"/>
+              <a:t>uses kafka to gather user, taxi and trip data in real-time to compute and forecast demand, and compute surge pricing in real-time</a:t>
+            </a:r>
+          </a:p>
+          <a:p>
+            <a:r>
+              <a:rPr lang="en-NO" dirty="0">
+                <a:solidFill>
+                  <a:schemeClr val="accent1"/>
+                </a:solidFill>
+              </a:rPr>
+              <a:t>LinkedIn </a:t>
+            </a:r>
+            <a:r>
+              <a:rPr lang="en-NO" dirty="0"/>
+              <a:t>uses kafka to prevent spam, collect user interactions to make better connection recommendations in real time.</a:t>
+            </a:r>
+          </a:p>
+          <a:p>
+            <a:r>
+              <a:rPr lang="en-NO" dirty="0">
+                <a:solidFill>
+                  <a:srgbClr val="C00000"/>
+                </a:solidFill>
+              </a:rPr>
+              <a:t>Ruter </a:t>
+            </a:r>
+            <a:r>
+              <a:rPr lang="en-NO" dirty="0"/>
+              <a:t>uses it for something..</a:t>
+            </a:r>
+          </a:p>
+          <a:p>
+            <a:endParaRPr lang="en-NO" dirty="0"/>
+          </a:p>
+          <a:p>
+            <a:r>
+              <a:rPr lang="en-NO" dirty="0"/>
+              <a:t>NB: K</a:t>
+            </a:r>
+            <a:r>
+              <a:rPr lang="en-GB" dirty="0"/>
+              <a:t>a</a:t>
+            </a:r>
+            <a:r>
+              <a:rPr lang="en-NO" dirty="0"/>
+              <a:t>fka is used as transportation mechanism of huge data flows that allow these features</a:t>
+            </a:r>
+          </a:p>
+        </p:txBody>
+      </p:sp>
+    </p:spTree>
+    <p:extLst>
+      <p:ext uri="{BB962C8B-B14F-4D97-AF65-F5344CB8AC3E}">
+        <p14:creationId xmlns:p14="http://schemas.microsoft.com/office/powerpoint/2010/main" val="3207332587"/>
+      </p:ext>
+    </p:extLst>
+  </p:cSld>
+  <p:clrMapOvr>
+    <a:masterClrMapping/>
+  </p:clrMapOvr>
+</p:sld>
+</file>
+
+<file path=ppt/slides/slide22.xml><?xml version="1.0" encoding="utf-8"?>
+<p:sld xmlns:a="http://schemas.openxmlformats.org/drawingml/2006/main" xmlns:r="http://schemas.openxmlformats.org/officeDocument/2006/relationships" xmlns:p="http://schemas.openxmlformats.org/presentationml/2006/main">
+  <p:cSld>
+    <p:spTree>
+      <p:nvGrpSpPr>
+        <p:cNvPr id="1" name=""/>
+        <p:cNvGrpSpPr/>
+        <p:nvPr/>
+      </p:nvGrpSpPr>
+      <p:grpSpPr>
+        <a:xfrm>
+          <a:off x="0" y="0"/>
+          <a:ext cx="0" cy="0"/>
+          <a:chOff x="0" y="0"/>
+          <a:chExt cx="0" cy="0"/>
+        </a:xfrm>
+      </p:grpSpPr>
+      <p:sp>
+        <p:nvSpPr>
+          <p:cNvPr id="2" name="Title 1">
+            <a:extLst>
+              <a:ext uri="{FF2B5EF4-FFF2-40B4-BE49-F238E27FC236}">
                 <a16:creationId xmlns:a16="http://schemas.microsoft.com/office/drawing/2014/main" id="{BDF249BF-66DA-B9E7-88F4-8AB26535328E}"/>
               </a:ext>
             </a:extLst>
@@ -16349,7 +16450,7 @@
           <a:lstStyle/>
           <a:p>
             <a:r>
-              <a:rPr lang="en-NO" dirty="0"/>
+              <a:rPr lang="en-NO"/>
               <a:t>Lets understand kafka better</a:t>
             </a:r>
           </a:p>
@@ -16415,7 +16516,7 @@
 </p:sld>
 </file>
 
-<file path=ppt/slides/slide22.xml><?xml version="1.0" encoding="utf-8"?>
+<file path=ppt/slides/slide23.xml><?xml version="1.0" encoding="utf-8"?>
 <p:sld xmlns:a="http://schemas.openxmlformats.org/drawingml/2006/main" xmlns:r="http://schemas.openxmlformats.org/officeDocument/2006/relationships" xmlns:p="http://schemas.openxmlformats.org/presentationml/2006/main">
   <p:cSld>
     <p:spTree>
@@ -16454,7 +16555,7 @@
           <a:lstStyle/>
           <a:p>
             <a:r>
-              <a:rPr lang="en-NO" dirty="0"/>
+              <a:rPr lang="en-NO"/>
               <a:t>Topics</a:t>
             </a:r>
           </a:p>
@@ -16565,7 +16666,7 @@
           <a:p>
             <a:r>
               <a:rPr lang="en-NO" dirty="0"/>
-              <a:t>A sequence of measses is a </a:t>
+              <a:t>A sequence of messages is a </a:t>
             </a:r>
             <a:r>
               <a:rPr lang="en-NO" u="sng" dirty="0"/>
@@ -16588,159 +16689,6 @@
     <p:extLst>
       <p:ext uri="{BB962C8B-B14F-4D97-AF65-F5344CB8AC3E}">
         <p14:creationId xmlns:p14="http://schemas.microsoft.com/office/powerpoint/2010/main" val="970512743"/>
-      </p:ext>
-    </p:extLst>
-  </p:cSld>
-  <p:clrMapOvr>
-    <a:masterClrMapping/>
-  </p:clrMapOvr>
-</p:sld>
-</file>
-
-<file path=ppt/slides/slide23.xml><?xml version="1.0" encoding="utf-8"?>
-<p:sld xmlns:a="http://schemas.openxmlformats.org/drawingml/2006/main" xmlns:r="http://schemas.openxmlformats.org/officeDocument/2006/relationships" xmlns:p="http://schemas.openxmlformats.org/presentationml/2006/main">
-  <p:cSld>
-    <p:spTree>
-      <p:nvGrpSpPr>
-        <p:cNvPr id="1" name=""/>
-        <p:cNvGrpSpPr/>
-        <p:nvPr/>
-      </p:nvGrpSpPr>
-      <p:grpSpPr>
-        <a:xfrm>
-          <a:off x="0" y="0"/>
-          <a:ext cx="0" cy="0"/>
-          <a:chOff x="0" y="0"/>
-          <a:chExt cx="0" cy="0"/>
-        </a:xfrm>
-      </p:grpSpPr>
-      <p:pic>
-        <p:nvPicPr>
-          <p:cNvPr id="6146" name="Picture 2" descr="Kafka Topics are broken into partitions for improved fault tolerance. This diagram shows a Kafka Topic with 3 partitions and their respective offsets.">
-            <a:extLst>
-              <a:ext uri="{FF2B5EF4-FFF2-40B4-BE49-F238E27FC236}">
-                <a16:creationId xmlns:a16="http://schemas.microsoft.com/office/drawing/2014/main" id="{A27EB8A9-63E0-8233-5562-C90F2483E8E1}"/>
-              </a:ext>
-            </a:extLst>
-          </p:cNvPr>
-          <p:cNvPicPr>
-            <a:picLocks noChangeAspect="1" noChangeArrowheads="1"/>
-          </p:cNvPicPr>
-          <p:nvPr/>
-        </p:nvPicPr>
-        <p:blipFill>
-          <a:blip r:embed="rId2">
-            <a:extLst>
-              <a:ext uri="{28A0092B-C50C-407E-A947-70E740481C1C}">
-                <a14:useLocalDpi xmlns:a14="http://schemas.microsoft.com/office/drawing/2010/main" val="0"/>
-              </a:ext>
-            </a:extLst>
-          </a:blip>
-          <a:srcRect/>
-          <a:stretch>
-            <a:fillRect/>
-          </a:stretch>
-        </p:blipFill>
-        <p:spPr bwMode="auto">
-          <a:xfrm>
-            <a:off x="1167859" y="3988821"/>
-            <a:ext cx="8322592" cy="2620316"/>
-          </a:xfrm>
-          <a:prstGeom prst="rect">
-            <a:avLst/>
-          </a:prstGeom>
-          <a:noFill/>
-          <a:extLst>
-            <a:ext uri="{909E8E84-426E-40DD-AFC4-6F175D3DCCD1}">
-              <a14:hiddenFill xmlns:a14="http://schemas.microsoft.com/office/drawing/2010/main">
-                <a:solidFill>
-                  <a:srgbClr val="FFFFFF"/>
-                </a:solidFill>
-              </a14:hiddenFill>
-            </a:ext>
-          </a:extLst>
-        </p:spPr>
-      </p:pic>
-      <p:sp>
-        <p:nvSpPr>
-          <p:cNvPr id="2" name="Title 1">
-            <a:extLst>
-              <a:ext uri="{FF2B5EF4-FFF2-40B4-BE49-F238E27FC236}">
-                <a16:creationId xmlns:a16="http://schemas.microsoft.com/office/drawing/2014/main" id="{D69C01FB-1695-1994-BA23-1B4333523D50}"/>
-              </a:ext>
-            </a:extLst>
-          </p:cNvPr>
-          <p:cNvSpPr>
-            <a:spLocks noGrp="1"/>
-          </p:cNvSpPr>
-          <p:nvPr>
-            <p:ph type="title"/>
-          </p:nvPr>
-        </p:nvSpPr>
-        <p:spPr/>
-        <p:txBody>
-          <a:bodyPr/>
-          <a:lstStyle/>
-          <a:p>
-            <a:r>
-              <a:rPr lang="en-NO" dirty="0"/>
-              <a:t>Topics – Partitions and offsets</a:t>
-            </a:r>
-          </a:p>
-        </p:txBody>
-      </p:sp>
-      <p:sp>
-        <p:nvSpPr>
-          <p:cNvPr id="3" name="Content Placeholder 2">
-            <a:extLst>
-              <a:ext uri="{FF2B5EF4-FFF2-40B4-BE49-F238E27FC236}">
-                <a16:creationId xmlns:a16="http://schemas.microsoft.com/office/drawing/2014/main" id="{0E9171FA-5CFF-EA87-23AA-CD842AD34A12}"/>
-              </a:ext>
-            </a:extLst>
-          </p:cNvPr>
-          <p:cNvSpPr>
-            <a:spLocks noGrp="1"/>
-          </p:cNvSpPr>
-          <p:nvPr>
-            <p:ph idx="1"/>
-          </p:nvPr>
-        </p:nvSpPr>
-        <p:spPr/>
-        <p:txBody>
-          <a:bodyPr/>
-          <a:lstStyle/>
-          <a:p>
-            <a:r>
-              <a:rPr lang="en-NO" dirty="0"/>
-              <a:t>Topics are split in partitions</a:t>
-            </a:r>
-          </a:p>
-          <a:p>
-            <a:pPr lvl="1"/>
-            <a:r>
-              <a:rPr lang="en-NO" dirty="0"/>
-              <a:t>Message within each partition are ordered</a:t>
-            </a:r>
-          </a:p>
-          <a:p>
-            <a:pPr lvl="1"/>
-            <a:r>
-              <a:rPr lang="en-NO" dirty="0"/>
-              <a:t>Each message within a patition gets an incremental ID, called offset</a:t>
-            </a:r>
-          </a:p>
-          <a:p>
-            <a:r>
-              <a:rPr lang="en-NO" dirty="0"/>
-              <a:t>Kafka topics are immutable: once data is written to a partition, it cannot be changed</a:t>
-            </a:r>
-          </a:p>
-        </p:txBody>
-      </p:sp>
-    </p:spTree>
-    <p:extLst>
-      <p:ext uri="{BB962C8B-B14F-4D97-AF65-F5344CB8AC3E}">
-        <p14:creationId xmlns:p14="http://schemas.microsoft.com/office/powerpoint/2010/main" val="903848544"/>
       </p:ext>
     </p:extLst>
   </p:cSld>
@@ -16769,10 +16717,10 @@
       </p:grpSpPr>
       <p:pic>
         <p:nvPicPr>
-          <p:cNvPr id="7172" name="Picture 4" descr="Apache Kafka has many real world applications. This diagram shows how Apache Kafka can be used for fleet tracking in the transport industry.">
-            <a:extLst>
-              <a:ext uri="{FF2B5EF4-FFF2-40B4-BE49-F238E27FC236}">
-                <a16:creationId xmlns:a16="http://schemas.microsoft.com/office/drawing/2014/main" id="{01ECA556-0145-E9C6-DC6F-50CE3BE6643B}"/>
+          <p:cNvPr id="6146" name="Picture 2" descr="Kafka Topics are broken into partitions for improved fault tolerance. This diagram shows a Kafka Topic with 3 partitions and their respective offsets.">
+            <a:extLst>
+              <a:ext uri="{FF2B5EF4-FFF2-40B4-BE49-F238E27FC236}">
+                <a16:creationId xmlns:a16="http://schemas.microsoft.com/office/drawing/2014/main" id="{A27EB8A9-63E0-8233-5562-C90F2483E8E1}"/>
               </a:ext>
             </a:extLst>
           </p:cNvPr>
@@ -16796,8 +16744,8 @@
         </p:blipFill>
         <p:spPr bwMode="auto">
           <a:xfrm>
-            <a:off x="96552" y="574162"/>
-            <a:ext cx="12192000" cy="3027363"/>
+            <a:off x="1167859" y="3988821"/>
+            <a:ext cx="8322592" cy="2620316"/>
           </a:xfrm>
           <a:prstGeom prst="rect">
             <a:avLst/>
@@ -16819,7 +16767,7 @@
           <p:cNvPr id="2" name="Title 1">
             <a:extLst>
               <a:ext uri="{FF2B5EF4-FFF2-40B4-BE49-F238E27FC236}">
-                <a16:creationId xmlns:a16="http://schemas.microsoft.com/office/drawing/2014/main" id="{4D14E8A8-F575-1972-1381-622FACB2AC44}"/>
+                <a16:creationId xmlns:a16="http://schemas.microsoft.com/office/drawing/2014/main" id="{D69C01FB-1695-1994-BA23-1B4333523D50}"/>
               </a:ext>
             </a:extLst>
           </p:cNvPr>
@@ -16836,8 +16784,8 @@
           <a:lstStyle/>
           <a:p>
             <a:r>
-              <a:rPr lang="en-NO" dirty="0"/>
-              <a:t>Topic - Example</a:t>
+              <a:rPr lang="en-NO"/>
+              <a:t>Topics – Partitions and offsets</a:t>
             </a:r>
           </a:p>
         </p:txBody>
@@ -16847,7 +16795,7 @@
           <p:cNvPr id="3" name="Content Placeholder 2">
             <a:extLst>
               <a:ext uri="{FF2B5EF4-FFF2-40B4-BE49-F238E27FC236}">
-                <a16:creationId xmlns:a16="http://schemas.microsoft.com/office/drawing/2014/main" id="{945C543D-B794-E742-4706-EA34C1FAA41E}"/>
+                <a16:creationId xmlns:a16="http://schemas.microsoft.com/office/drawing/2014/main" id="{0E9171FA-5CFF-EA87-23AA-CD842AD34A12}"/>
               </a:ext>
             </a:extLst>
           </p:cNvPr>
@@ -16858,63 +16806,34 @@
             <p:ph idx="1"/>
           </p:nvPr>
         </p:nvSpPr>
-        <p:spPr>
-          <a:xfrm>
-            <a:off x="838200" y="3428999"/>
-            <a:ext cx="10515600" cy="2747963"/>
-          </a:xfrm>
-        </p:spPr>
-        <p:txBody>
-          <a:bodyPr>
-            <a:normAutofit lnSpcReduction="10000"/>
-          </a:bodyPr>
-          <a:lstStyle/>
-          <a:p>
-            <a:r>
-              <a:rPr lang="en-NO" dirty="0"/>
-              <a:t>Fleet of trucks, each truck reports its GPS position to Kafka</a:t>
-            </a:r>
-          </a:p>
-          <a:p>
-            <a:r>
-              <a:rPr lang="en-NO" dirty="0"/>
-              <a:t>Each truck will send a message to Kafka every 20s, each message will contain the truck ID and the truck position(latitude and longitude)</a:t>
-            </a:r>
-          </a:p>
-          <a:p>
-            <a:r>
-              <a:rPr lang="en-NO" dirty="0"/>
-              <a:t>You can have a topic </a:t>
-            </a:r>
-            <a:r>
-              <a:rPr lang="en-NO" dirty="0">
-                <a:solidFill>
-                  <a:schemeClr val="accent1"/>
-                </a:solidFill>
-              </a:rPr>
-              <a:t>trucks_gps </a:t>
-            </a:r>
-            <a:r>
-              <a:rPr lang="en-NO" dirty="0"/>
-              <a:t>that contains the position of the trucks</a:t>
-            </a:r>
-          </a:p>
-          <a:p>
-            <a:r>
-              <a:rPr lang="en-NO" dirty="0"/>
-              <a:t>We</a:t>
-            </a:r>
-            <a:r>
-              <a:rPr lang="en-NO" dirty="0">
-                <a:solidFill>
-                  <a:schemeClr val="accent1"/>
-                </a:solidFill>
-              </a:rPr>
-              <a:t> </a:t>
-            </a:r>
-            <a:r>
-              <a:rPr lang="en-NO" dirty="0"/>
-              <a:t>choose to create a topic with 10 partisions (arbitrary number)</a:t>
+        <p:spPr/>
+        <p:txBody>
+          <a:bodyPr/>
+          <a:lstStyle/>
+          <a:p>
+            <a:r>
+              <a:rPr lang="en-NO"/>
+              <a:t>Topics are split in partitions</a:t>
+            </a:r>
+          </a:p>
+          <a:p>
+            <a:pPr lvl="1"/>
+            <a:r>
+              <a:rPr lang="en-NO"/>
+              <a:t>Message within each partition are ordered</a:t>
+            </a:r>
+          </a:p>
+          <a:p>
+            <a:pPr lvl="1"/>
+            <a:r>
+              <a:rPr lang="en-NO"/>
+              <a:t>Each message within a patition gets an incremental ID, called offset</a:t>
+            </a:r>
+          </a:p>
+          <a:p>
+            <a:r>
+              <a:rPr lang="en-NO"/>
+              <a:t>Kafka topics are immutable: once data is written to a partition, it cannot be changed</a:t>
             </a:r>
           </a:p>
         </p:txBody>
@@ -16922,7 +16841,7 @@
     </p:spTree>
     <p:extLst>
       <p:ext uri="{BB962C8B-B14F-4D97-AF65-F5344CB8AC3E}">
-        <p14:creationId xmlns:p14="http://schemas.microsoft.com/office/powerpoint/2010/main" val="1075616460"/>
+        <p14:creationId xmlns:p14="http://schemas.microsoft.com/office/powerpoint/2010/main" val="903848544"/>
       </p:ext>
     </p:extLst>
   </p:cSld>
@@ -16951,10 +16870,10 @@
       </p:grpSpPr>
       <p:pic>
         <p:nvPicPr>
-          <p:cNvPr id="4" name="Picture 2" descr="Kafka Topics are broken into partitions for improved fault tolerance. This diagram shows a Kafka Topic with 3 partitions and their respective offsets.">
-            <a:extLst>
-              <a:ext uri="{FF2B5EF4-FFF2-40B4-BE49-F238E27FC236}">
-                <a16:creationId xmlns:a16="http://schemas.microsoft.com/office/drawing/2014/main" id="{A65DCB90-C704-06BE-1DF3-5E37B4BF64E5}"/>
+          <p:cNvPr id="7172" name="Picture 4" descr="Apache Kafka has many real world applications. This diagram shows how Apache Kafka can be used for fleet tracking in the transport industry.">
+            <a:extLst>
+              <a:ext uri="{FF2B5EF4-FFF2-40B4-BE49-F238E27FC236}">
+                <a16:creationId xmlns:a16="http://schemas.microsoft.com/office/drawing/2014/main" id="{01ECA556-0145-E9C6-DC6F-50CE3BE6643B}"/>
               </a:ext>
             </a:extLst>
           </p:cNvPr>
@@ -16978,8 +16897,8 @@
         </p:blipFill>
         <p:spPr bwMode="auto">
           <a:xfrm>
-            <a:off x="1599502" y="1103633"/>
-            <a:ext cx="8322592" cy="2620316"/>
+            <a:off x="96552" y="574162"/>
+            <a:ext cx="12192000" cy="3027363"/>
           </a:xfrm>
           <a:prstGeom prst="rect">
             <a:avLst/>
@@ -17001,7 +16920,7 @@
           <p:cNvPr id="2" name="Title 1">
             <a:extLst>
               <a:ext uri="{FF2B5EF4-FFF2-40B4-BE49-F238E27FC236}">
-                <a16:creationId xmlns:a16="http://schemas.microsoft.com/office/drawing/2014/main" id="{4FCDBEA7-B230-9B18-2D22-080D8C575D4B}"/>
+                <a16:creationId xmlns:a16="http://schemas.microsoft.com/office/drawing/2014/main" id="{4D14E8A8-F575-1972-1381-622FACB2AC44}"/>
               </a:ext>
             </a:extLst>
           </p:cNvPr>
@@ -17018,8 +16937,8 @@
           <a:lstStyle/>
           <a:p>
             <a:r>
-              <a:rPr lang="en-NO" dirty="0"/>
-              <a:t>Topics – Important notes</a:t>
+              <a:rPr lang="en-NO"/>
+              <a:t>Topic - Example</a:t>
             </a:r>
           </a:p>
         </p:txBody>
@@ -17029,7 +16948,7 @@
           <p:cNvPr id="3" name="Content Placeholder 2">
             <a:extLst>
               <a:ext uri="{FF2B5EF4-FFF2-40B4-BE49-F238E27FC236}">
-                <a16:creationId xmlns:a16="http://schemas.microsoft.com/office/drawing/2014/main" id="{496F5C07-31CD-47AD-4EA4-AE0DDE7A6AC6}"/>
+                <a16:creationId xmlns:a16="http://schemas.microsoft.com/office/drawing/2014/main" id="{945C543D-B794-E742-4706-EA34C1FAA41E}"/>
               </a:ext>
             </a:extLst>
           </p:cNvPr>
@@ -17042,42 +16961,61 @@
         </p:nvSpPr>
         <p:spPr>
           <a:xfrm>
-            <a:off x="838200" y="3572407"/>
-            <a:ext cx="10515600" cy="2604555"/>
+            <a:off x="838200" y="3428999"/>
+            <a:ext cx="10515600" cy="2747963"/>
           </a:xfrm>
         </p:spPr>
         <p:txBody>
-          <a:bodyPr/>
-          <a:lstStyle/>
-          <a:p>
-            <a:r>
-              <a:rPr lang="en-NO" dirty="0"/>
-              <a:t>Data in partitions is Immutable </a:t>
-            </a:r>
-          </a:p>
-          <a:p>
-            <a:r>
-              <a:rPr lang="en-NO" dirty="0"/>
-              <a:t>Data is kept for a limited time (default 1 week - configurable)</a:t>
-            </a:r>
-          </a:p>
-          <a:p>
-            <a:r>
-              <a:rPr lang="en-NO" dirty="0"/>
-              <a:t>Offset (ID) only has meaning for each partition</a:t>
-            </a:r>
-          </a:p>
-          <a:p>
-            <a:pPr lvl="1"/>
-            <a:r>
-              <a:rPr lang="en-NO" dirty="0"/>
-              <a:t>Offsets are not reused, or represent the same data between partition</a:t>
-            </a:r>
-          </a:p>
-          <a:p>
-            <a:r>
-              <a:rPr lang="en-NO" dirty="0"/>
-              <a:t>Order is only guranteed within a partition</a:t>
+          <a:bodyPr>
+            <a:normAutofit lnSpcReduction="10000"/>
+          </a:bodyPr>
+          <a:lstStyle/>
+          <a:p>
+            <a:r>
+              <a:rPr lang="en-NO"/>
+              <a:t>Fleet of trucks, each truck reports its GPS position to Kafka</a:t>
+            </a:r>
+          </a:p>
+          <a:p>
+            <a:r>
+              <a:rPr lang="en-NO"/>
+              <a:t>Each truck will send a message to Kafka every 20s, each message will contain the truck ID and the truck position(latitude and longitude)</a:t>
+            </a:r>
+          </a:p>
+          <a:p>
+            <a:r>
+              <a:rPr lang="en-NO"/>
+              <a:t>You can have a topic </a:t>
+            </a:r>
+            <a:r>
+              <a:rPr lang="en-NO">
+                <a:solidFill>
+                  <a:schemeClr val="accent1"/>
+                </a:solidFill>
+              </a:rPr>
+              <a:t>trucks_gps </a:t>
+            </a:r>
+            <a:r>
+              <a:rPr lang="en-NO"/>
+              <a:t>that contains the position of the trucks</a:t>
+            </a:r>
+          </a:p>
+          <a:p>
+            <a:r>
+              <a:rPr lang="en-NO"/>
+              <a:t>We</a:t>
+            </a:r>
+            <a:r>
+              <a:rPr lang="en-NO">
+                <a:solidFill>
+                  <a:schemeClr val="accent1"/>
+                </a:solidFill>
+              </a:rPr>
+              <a:t> </a:t>
+            </a:r>
+            <a:r>
+              <a:rPr lang="en-NO"/>
+              <a:t>choose to create a topic with 10 partisions (arbitrary number)</a:t>
             </a:r>
           </a:p>
         </p:txBody>
@@ -17085,7 +17023,7 @@
     </p:spTree>
     <p:extLst>
       <p:ext uri="{BB962C8B-B14F-4D97-AF65-F5344CB8AC3E}">
-        <p14:creationId xmlns:p14="http://schemas.microsoft.com/office/powerpoint/2010/main" val="826489807"/>
+        <p14:creationId xmlns:p14="http://schemas.microsoft.com/office/powerpoint/2010/main" val="1075616460"/>
       </p:ext>
     </p:extLst>
   </p:cSld>
@@ -17114,10 +17052,10 @@
       </p:grpSpPr>
       <p:pic>
         <p:nvPicPr>
-          <p:cNvPr id="9218" name="Picture 2" descr="Apache Kafka Producers send data into Kafka. These messages are then routed by the broker to the relevant topics and partitions.">
-            <a:extLst>
-              <a:ext uri="{FF2B5EF4-FFF2-40B4-BE49-F238E27FC236}">
-                <a16:creationId xmlns:a16="http://schemas.microsoft.com/office/drawing/2014/main" id="{F2D08CC4-F56B-1997-28E8-06227C5A16A2}"/>
+          <p:cNvPr id="4" name="Picture 2" descr="Kafka Topics are broken into partitions for improved fault tolerance. This diagram shows a Kafka Topic with 3 partitions and their respective offsets.">
+            <a:extLst>
+              <a:ext uri="{FF2B5EF4-FFF2-40B4-BE49-F238E27FC236}">
+                <a16:creationId xmlns:a16="http://schemas.microsoft.com/office/drawing/2014/main" id="{A65DCB90-C704-06BE-1DF3-5E37B4BF64E5}"/>
               </a:ext>
             </a:extLst>
           </p:cNvPr>
@@ -17141,8 +17079,8 @@
         </p:blipFill>
         <p:spPr bwMode="auto">
           <a:xfrm>
-            <a:off x="838200" y="3429000"/>
-            <a:ext cx="10618778" cy="3016950"/>
+            <a:off x="1599502" y="1103633"/>
+            <a:ext cx="8322592" cy="2620316"/>
           </a:xfrm>
           <a:prstGeom prst="rect">
             <a:avLst/>
@@ -17164,7 +17102,7 @@
           <p:cNvPr id="2" name="Title 1">
             <a:extLst>
               <a:ext uri="{FF2B5EF4-FFF2-40B4-BE49-F238E27FC236}">
-                <a16:creationId xmlns:a16="http://schemas.microsoft.com/office/drawing/2014/main" id="{52EB44DC-F45D-0239-BA34-E71A8EAFF9C7}"/>
+                <a16:creationId xmlns:a16="http://schemas.microsoft.com/office/drawing/2014/main" id="{4FCDBEA7-B230-9B18-2D22-080D8C575D4B}"/>
               </a:ext>
             </a:extLst>
           </p:cNvPr>
@@ -17181,8 +17119,8 @@
           <a:lstStyle/>
           <a:p>
             <a:r>
-              <a:rPr lang="en-NO" dirty="0"/>
-              <a:t>Producers</a:t>
+              <a:rPr lang="en-NO"/>
+              <a:t>Topics – Important notes</a:t>
             </a:r>
           </a:p>
         </p:txBody>
@@ -17192,7 +17130,7 @@
           <p:cNvPr id="3" name="Content Placeholder 2">
             <a:extLst>
               <a:ext uri="{FF2B5EF4-FFF2-40B4-BE49-F238E27FC236}">
-                <a16:creationId xmlns:a16="http://schemas.microsoft.com/office/drawing/2014/main" id="{753227F6-4FAC-16C6-6FF0-D971C17F95F8}"/>
+                <a16:creationId xmlns:a16="http://schemas.microsoft.com/office/drawing/2014/main" id="{496F5C07-31CD-47AD-4EA4-AE0DDE7A6AC6}"/>
               </a:ext>
             </a:extLst>
           </p:cNvPr>
@@ -17203,42 +17141,44 @@
             <p:ph idx="1"/>
           </p:nvPr>
         </p:nvSpPr>
-        <p:spPr/>
+        <p:spPr>
+          <a:xfrm>
+            <a:off x="838200" y="3572407"/>
+            <a:ext cx="10515600" cy="2604555"/>
+          </a:xfrm>
+        </p:spPr>
         <p:txBody>
           <a:bodyPr/>
           <a:lstStyle/>
           <a:p>
             <a:r>
-              <a:rPr lang="en-NO" dirty="0"/>
-              <a:t>P</a:t>
-            </a:r>
-            <a:r>
-              <a:rPr lang="en-GB" dirty="0"/>
-              <a:t>r</a:t>
-            </a:r>
-            <a:r>
-              <a:rPr lang="en-NO" dirty="0"/>
-              <a:t>oducers write data topics (Wh</a:t>
-            </a:r>
-            <a:r>
-              <a:rPr lang="en-GB" dirty="0" err="1"/>
-              <a:t>ic</a:t>
-            </a:r>
-            <a:r>
-              <a:rPr lang="en-NO" dirty="0"/>
-              <a:t>h are made of partitions)</a:t>
-            </a:r>
-          </a:p>
-          <a:p>
-            <a:r>
-              <a:rPr lang="en-NO" dirty="0"/>
-              <a:t>Prouducers know to which partition to write to (and which broker)</a:t>
-            </a:r>
-          </a:p>
-          <a:p>
-            <a:r>
-              <a:rPr lang="en-NO" dirty="0"/>
-              <a:t>In case of kafka broker failure, Producers will recover</a:t>
+              <a:rPr lang="en-NO"/>
+              <a:t>Data in partitions is Immutable </a:t>
+            </a:r>
+          </a:p>
+          <a:p>
+            <a:r>
+              <a:rPr lang="en-NO"/>
+              <a:t>Data is kept for a limited time (default 1 week - configurable)</a:t>
+            </a:r>
+          </a:p>
+          <a:p>
+            <a:r>
+              <a:rPr lang="en-NO"/>
+              <a:t>Offset (ID) only has meaning for each partition</a:t>
+            </a:r>
+          </a:p>
+          <a:p>
+            <a:pPr lvl="1"/>
+            <a:r>
+              <a:rPr lang="en-NO"/>
+              <a:t>Offsets are not reused, or represent the same data between partition</a:t>
+            </a:r>
+          </a:p>
+          <a:p>
+            <a:r>
+              <a:rPr lang="en-NO"/>
+              <a:t>Order is only guranteed within a partition</a:t>
             </a:r>
           </a:p>
         </p:txBody>
@@ -17246,7 +17186,7 @@
     </p:spTree>
     <p:extLst>
       <p:ext uri="{BB962C8B-B14F-4D97-AF65-F5344CB8AC3E}">
-        <p14:creationId xmlns:p14="http://schemas.microsoft.com/office/powerpoint/2010/main" val="1492012492"/>
+        <p14:creationId xmlns:p14="http://schemas.microsoft.com/office/powerpoint/2010/main" val="826489807"/>
       </p:ext>
     </p:extLst>
   </p:cSld>
@@ -17275,6 +17215,167 @@
       </p:grpSpPr>
       <p:pic>
         <p:nvPicPr>
+          <p:cNvPr id="9218" name="Picture 2" descr="Apache Kafka Producers send data into Kafka. These messages are then routed by the broker to the relevant topics and partitions.">
+            <a:extLst>
+              <a:ext uri="{FF2B5EF4-FFF2-40B4-BE49-F238E27FC236}">
+                <a16:creationId xmlns:a16="http://schemas.microsoft.com/office/drawing/2014/main" id="{F2D08CC4-F56B-1997-28E8-06227C5A16A2}"/>
+              </a:ext>
+            </a:extLst>
+          </p:cNvPr>
+          <p:cNvPicPr>
+            <a:picLocks noChangeAspect="1" noChangeArrowheads="1"/>
+          </p:cNvPicPr>
+          <p:nvPr/>
+        </p:nvPicPr>
+        <p:blipFill>
+          <a:blip r:embed="rId2">
+            <a:extLst>
+              <a:ext uri="{28A0092B-C50C-407E-A947-70E740481C1C}">
+                <a14:useLocalDpi xmlns:a14="http://schemas.microsoft.com/office/drawing/2010/main" val="0"/>
+              </a:ext>
+            </a:extLst>
+          </a:blip>
+          <a:srcRect/>
+          <a:stretch>
+            <a:fillRect/>
+          </a:stretch>
+        </p:blipFill>
+        <p:spPr bwMode="auto">
+          <a:xfrm>
+            <a:off x="838200" y="3429000"/>
+            <a:ext cx="10618778" cy="3016950"/>
+          </a:xfrm>
+          <a:prstGeom prst="rect">
+            <a:avLst/>
+          </a:prstGeom>
+          <a:noFill/>
+          <a:extLst>
+            <a:ext uri="{909E8E84-426E-40DD-AFC4-6F175D3DCCD1}">
+              <a14:hiddenFill xmlns:a14="http://schemas.microsoft.com/office/drawing/2010/main">
+                <a:solidFill>
+                  <a:srgbClr val="FFFFFF"/>
+                </a:solidFill>
+              </a14:hiddenFill>
+            </a:ext>
+          </a:extLst>
+        </p:spPr>
+      </p:pic>
+      <p:sp>
+        <p:nvSpPr>
+          <p:cNvPr id="2" name="Title 1">
+            <a:extLst>
+              <a:ext uri="{FF2B5EF4-FFF2-40B4-BE49-F238E27FC236}">
+                <a16:creationId xmlns:a16="http://schemas.microsoft.com/office/drawing/2014/main" id="{52EB44DC-F45D-0239-BA34-E71A8EAFF9C7}"/>
+              </a:ext>
+            </a:extLst>
+          </p:cNvPr>
+          <p:cNvSpPr>
+            <a:spLocks noGrp="1"/>
+          </p:cNvSpPr>
+          <p:nvPr>
+            <p:ph type="title"/>
+          </p:nvPr>
+        </p:nvSpPr>
+        <p:spPr/>
+        <p:txBody>
+          <a:bodyPr/>
+          <a:lstStyle/>
+          <a:p>
+            <a:r>
+              <a:rPr lang="en-NO"/>
+              <a:t>Producers</a:t>
+            </a:r>
+          </a:p>
+        </p:txBody>
+      </p:sp>
+      <p:sp>
+        <p:nvSpPr>
+          <p:cNvPr id="3" name="Content Placeholder 2">
+            <a:extLst>
+              <a:ext uri="{FF2B5EF4-FFF2-40B4-BE49-F238E27FC236}">
+                <a16:creationId xmlns:a16="http://schemas.microsoft.com/office/drawing/2014/main" id="{753227F6-4FAC-16C6-6FF0-D971C17F95F8}"/>
+              </a:ext>
+            </a:extLst>
+          </p:cNvPr>
+          <p:cNvSpPr>
+            <a:spLocks noGrp="1"/>
+          </p:cNvSpPr>
+          <p:nvPr>
+            <p:ph idx="1"/>
+          </p:nvPr>
+        </p:nvSpPr>
+        <p:spPr/>
+        <p:txBody>
+          <a:bodyPr/>
+          <a:lstStyle/>
+          <a:p>
+            <a:r>
+              <a:rPr lang="en-NO" dirty="0"/>
+              <a:t>P</a:t>
+            </a:r>
+            <a:r>
+              <a:rPr lang="en-GB" dirty="0"/>
+              <a:t>r</a:t>
+            </a:r>
+            <a:r>
+              <a:rPr lang="en-NO" dirty="0"/>
+              <a:t>oducers write data topics (Wh</a:t>
+            </a:r>
+            <a:r>
+              <a:rPr lang="en-GB" dirty="0" err="1"/>
+              <a:t>ic</a:t>
+            </a:r>
+            <a:r>
+              <a:rPr lang="en-NO" dirty="0"/>
+              <a:t>h are made of partitions)</a:t>
+            </a:r>
+          </a:p>
+          <a:p>
+            <a:r>
+              <a:rPr lang="en-NO" dirty="0"/>
+              <a:t>Prouducers know to which partition to write to (and which broker)</a:t>
+            </a:r>
+          </a:p>
+          <a:p>
+            <a:r>
+              <a:rPr lang="en-NO" dirty="0"/>
+              <a:t>In case of kafka broker failure, producers will recover by connection to new broker</a:t>
+            </a:r>
+          </a:p>
+        </p:txBody>
+      </p:sp>
+    </p:spTree>
+    <p:extLst>
+      <p:ext uri="{BB962C8B-B14F-4D97-AF65-F5344CB8AC3E}">
+        <p14:creationId xmlns:p14="http://schemas.microsoft.com/office/powerpoint/2010/main" val="1492012492"/>
+      </p:ext>
+    </p:extLst>
+  </p:cSld>
+  <p:clrMapOvr>
+    <a:masterClrMapping/>
+  </p:clrMapOvr>
+</p:sld>
+</file>
+
+<file path=ppt/slides/slide28.xml><?xml version="1.0" encoding="utf-8"?>
+<p:sld xmlns:a="http://schemas.openxmlformats.org/drawingml/2006/main" xmlns:r="http://schemas.openxmlformats.org/officeDocument/2006/relationships" xmlns:p="http://schemas.openxmlformats.org/presentationml/2006/main">
+  <p:cSld>
+    <p:spTree>
+      <p:nvGrpSpPr>
+        <p:cNvPr id="1" name=""/>
+        <p:cNvGrpSpPr/>
+        <p:nvPr/>
+      </p:nvGrpSpPr>
+      <p:grpSpPr>
+        <a:xfrm>
+          <a:off x="0" y="0"/>
+          <a:ext cx="0" cy="0"/>
+          <a:chOff x="0" y="0"/>
+          <a:chExt cx="0" cy="0"/>
+        </a:xfrm>
+      </p:grpSpPr>
+      <p:pic>
+        <p:nvPicPr>
           <p:cNvPr id="10242" name="Picture 2" descr="Apache Kafka Producer sending trucking fleet data into 2 Kafka Brokers. ">
             <a:extLst>
               <a:ext uri="{FF2B5EF4-FFF2-40B4-BE49-F238E27FC236}">
@@ -17344,25 +17445,25 @@
           <a:lstStyle/>
           <a:p>
             <a:r>
-              <a:rPr lang="en-NO" sz="2400" dirty="0"/>
+              <a:rPr lang="en-NO" sz="2400"/>
               <a:t>Producers can choose to send a key with the message (string, number etc)</a:t>
             </a:r>
           </a:p>
           <a:p>
             <a:r>
-              <a:rPr lang="en-NO" sz="2400" dirty="0"/>
+              <a:rPr lang="en-NO" sz="2400"/>
               <a:t>If key=null, data is sent round robin(partition 0, then 1, then 2)</a:t>
             </a:r>
           </a:p>
           <a:p>
             <a:r>
-              <a:rPr lang="en-NO" sz="2400" dirty="0"/>
+              <a:rPr lang="en-NO" sz="2400"/>
               <a:t>If key != null, then messages with same key go to same partition(hashing)</a:t>
             </a:r>
           </a:p>
           <a:p>
             <a:r>
-              <a:rPr lang="en-NO" sz="2400" dirty="0"/>
+              <a:rPr lang="en-NO" sz="2400"/>
               <a:t>A key is used for ordering (ex: truck_id)</a:t>
             </a:r>
           </a:p>
@@ -17390,7 +17491,7 @@
           <a:lstStyle/>
           <a:p>
             <a:r>
-              <a:rPr lang="en-NO" dirty="0"/>
+              <a:rPr lang="en-NO"/>
               <a:t>Producers – Message keys</a:t>
             </a:r>
           </a:p>
@@ -17409,7 +17510,7 @@
 </p:sld>
 </file>
 
-<file path=ppt/slides/slide28.xml><?xml version="1.0" encoding="utf-8"?>
+<file path=ppt/slides/slide29.xml><?xml version="1.0" encoding="utf-8"?>
 <p:sld xmlns:a="http://schemas.openxmlformats.org/drawingml/2006/main" xmlns:r="http://schemas.openxmlformats.org/officeDocument/2006/relationships" xmlns:p="http://schemas.openxmlformats.org/presentationml/2006/main">
   <p:cSld>
     <p:spTree>
@@ -17448,7 +17549,7 @@
           <a:lstStyle/>
           <a:p>
             <a:r>
-              <a:rPr lang="en-NO" dirty="0"/>
+              <a:rPr lang="en-NO"/>
               <a:t>Producer – Message anatomy</a:t>
             </a:r>
           </a:p>
@@ -17514,7 +17615,7 @@
 </p:sld>
 </file>
 
-<file path=ppt/slides/slide29.xml><?xml version="1.0" encoding="utf-8"?>
+<file path=ppt/slides/slide3.xml><?xml version="1.0" encoding="utf-8"?>
 <p:sld xmlns:a="http://schemas.openxmlformats.org/drawingml/2006/main" xmlns:r="http://schemas.openxmlformats.org/officeDocument/2006/relationships" xmlns:p="http://schemas.openxmlformats.org/presentationml/2006/main">
   <p:cSld>
     <p:spTree>
@@ -17533,6 +17634,89 @@
       </p:grpSpPr>
       <p:sp>
         <p:nvSpPr>
+          <p:cNvPr id="2" name="Title 1"/>
+          <p:cNvSpPr>
+            <a:spLocks noGrp="1"/>
+          </p:cNvSpPr>
+          <p:nvPr>
+            <p:ph type="ctrTitle"/>
+          </p:nvPr>
+        </p:nvSpPr>
+        <p:spPr/>
+        <p:txBody>
+          <a:bodyPr/>
+          <a:lstStyle/>
+          <a:p>
+            <a:r>
+              <a:rPr lang="en-US">
+                <a:cs typeface="Calibri Light"/>
+              </a:rPr>
+              <a:t>Docker</a:t>
+            </a:r>
+            <a:endParaRPr lang="en-US"/>
+          </a:p>
+        </p:txBody>
+      </p:sp>
+      <p:sp>
+        <p:nvSpPr>
+          <p:cNvPr id="3" name="Subtitle 2"/>
+          <p:cNvSpPr>
+            <a:spLocks noGrp="1"/>
+          </p:cNvSpPr>
+          <p:nvPr>
+            <p:ph type="subTitle" idx="1"/>
+          </p:nvPr>
+        </p:nvSpPr>
+        <p:spPr/>
+        <p:txBody>
+          <a:bodyPr vert="horz" lIns="91440" tIns="45720" rIns="91440" bIns="45720" rtlCol="0" anchor="t">
+            <a:normAutofit/>
+          </a:bodyPr>
+          <a:lstStyle/>
+          <a:p>
+            <a:r>
+              <a:rPr lang="en-US">
+                <a:ea typeface="Calibri"/>
+                <a:cs typeface="Calibri"/>
+              </a:rPr>
+              <a:t>Container Technology 101</a:t>
+            </a:r>
+            <a:endParaRPr lang="en-US"/>
+          </a:p>
+        </p:txBody>
+      </p:sp>
+    </p:spTree>
+    <p:extLst>
+      <p:ext uri="{BB962C8B-B14F-4D97-AF65-F5344CB8AC3E}">
+        <p14:creationId xmlns:p14="http://schemas.microsoft.com/office/powerpoint/2010/main" val="109857222"/>
+      </p:ext>
+    </p:extLst>
+  </p:cSld>
+  <p:clrMapOvr>
+    <a:masterClrMapping/>
+  </p:clrMapOvr>
+</p:sld>
+</file>
+
+<file path=ppt/slides/slide30.xml><?xml version="1.0" encoding="utf-8"?>
+<p:sld xmlns:a="http://schemas.openxmlformats.org/drawingml/2006/main" xmlns:r="http://schemas.openxmlformats.org/officeDocument/2006/relationships" xmlns:p="http://schemas.openxmlformats.org/presentationml/2006/main">
+  <p:cSld>
+    <p:spTree>
+      <p:nvGrpSpPr>
+        <p:cNvPr id="1" name=""/>
+        <p:cNvGrpSpPr/>
+        <p:nvPr/>
+      </p:nvGrpSpPr>
+      <p:grpSpPr>
+        <a:xfrm>
+          <a:off x="0" y="0"/>
+          <a:ext cx="0" cy="0"/>
+          <a:chOff x="0" y="0"/>
+          <a:chExt cx="0" cy="0"/>
+        </a:xfrm>
+      </p:grpSpPr>
+      <p:sp>
+        <p:nvSpPr>
           <p:cNvPr id="2" name="Title 1">
             <a:extLst>
               <a:ext uri="{FF2B5EF4-FFF2-40B4-BE49-F238E27FC236}">
@@ -17553,7 +17737,7 @@
           <a:lstStyle/>
           <a:p>
             <a:r>
-              <a:rPr lang="en-NO" dirty="0"/>
+              <a:rPr lang="en-NO"/>
               <a:t>For the curious: Kafka message key hashing</a:t>
             </a:r>
           </a:p>
@@ -17581,79 +17765,79 @@
           <a:lstStyle/>
           <a:p>
             <a:r>
-              <a:rPr lang="en-NO" dirty="0"/>
+              <a:rPr lang="en-NO"/>
               <a:t>Kafka partitioner is a code logic that takes a record and determines to which partition to send it </a:t>
             </a:r>
           </a:p>
           <a:p>
-            <a:endParaRPr lang="en-NO" dirty="0"/>
-          </a:p>
-          <a:p>
-            <a:endParaRPr lang="en-NO" dirty="0"/>
-          </a:p>
-          <a:p>
-            <a:endParaRPr lang="en-NO" dirty="0"/>
-          </a:p>
-          <a:p>
-            <a:r>
-              <a:rPr lang="en-NO" dirty="0"/>
+            <a:endParaRPr lang="en-NO"/>
+          </a:p>
+          <a:p>
+            <a:endParaRPr lang="en-NO"/>
+          </a:p>
+          <a:p>
+            <a:endParaRPr lang="en-NO"/>
+          </a:p>
+          <a:p>
+            <a:r>
+              <a:rPr lang="en-NO"/>
               <a:t>By default, Kafka partitoner uses the </a:t>
             </a:r>
             <a:r>
-              <a:rPr lang="en-NO" b="1" dirty="0"/>
+              <a:rPr lang="en-NO" b="1"/>
               <a:t>murmur2 algorithm</a:t>
             </a:r>
           </a:p>
           <a:p>
             <a:pPr lvl="1"/>
             <a:r>
-              <a:rPr lang="en-GB" b="1" dirty="0" err="1"/>
+              <a:rPr lang="en-GB" b="1" err="1"/>
               <a:t>targetPartition</a:t>
             </a:r>
             <a:r>
-              <a:rPr lang="en-GB" b="1" dirty="0"/>
+              <a:rPr lang="en-GB" b="1"/>
               <a:t> = </a:t>
             </a:r>
             <a:r>
-              <a:rPr lang="en-GB" b="1" dirty="0" err="1"/>
+              <a:rPr lang="en-GB" b="1" err="1"/>
               <a:t>Math.abs</a:t>
             </a:r>
             <a:r>
-              <a:rPr lang="en-GB" b="1" dirty="0"/>
+              <a:rPr lang="en-GB" b="1"/>
               <a:t>(Utils.murmur2(</a:t>
             </a:r>
             <a:r>
-              <a:rPr lang="en-GB" b="1" dirty="0" err="1"/>
+              <a:rPr lang="en-GB" b="1" err="1"/>
               <a:t>keyBytes</a:t>
             </a:r>
             <a:r>
-              <a:rPr lang="en-GB" b="1" dirty="0"/>
+              <a:rPr lang="en-GB" b="1"/>
               <a:t>)) % (</a:t>
             </a:r>
             <a:r>
-              <a:rPr lang="en-GB" b="1" dirty="0" err="1"/>
+              <a:rPr lang="en-GB" b="1" err="1"/>
               <a:t>numPartitions</a:t>
             </a:r>
             <a:r>
-              <a:rPr lang="en-GB" b="1" dirty="0"/>
+              <a:rPr lang="en-GB" b="1"/>
               <a:t> - 1)</a:t>
             </a:r>
           </a:p>
           <a:p>
             <a:pPr lvl="1"/>
             <a:r>
-              <a:rPr lang="en-GB" dirty="0"/>
+              <a:rPr lang="en-GB"/>
               <a:t>NB: Change </a:t>
             </a:r>
             <a:r>
-              <a:rPr lang="en-GB" dirty="0" err="1"/>
+              <a:rPr lang="en-GB" err="1"/>
               <a:t>numPartitions</a:t>
             </a:r>
             <a:r>
-              <a:rPr lang="en-GB" dirty="0"/>
+              <a:rPr lang="en-GB"/>
               <a:t> and ordering is no longer guaranteed…</a:t>
             </a:r>
-            <a:endParaRPr lang="en-NO" dirty="0"/>
+            <a:endParaRPr lang="en-NO"/>
           </a:p>
         </p:txBody>
       </p:sp>
@@ -17717,90 +17901,7 @@
 </p:sld>
 </file>
 
-<file path=ppt/slides/slide3.xml><?xml version="1.0" encoding="utf-8"?>
-<p:sld xmlns:a="http://schemas.openxmlformats.org/drawingml/2006/main" xmlns:r="http://schemas.openxmlformats.org/officeDocument/2006/relationships" xmlns:p="http://schemas.openxmlformats.org/presentationml/2006/main">
-  <p:cSld>
-    <p:spTree>
-      <p:nvGrpSpPr>
-        <p:cNvPr id="1" name=""/>
-        <p:cNvGrpSpPr/>
-        <p:nvPr/>
-      </p:nvGrpSpPr>
-      <p:grpSpPr>
-        <a:xfrm>
-          <a:off x="0" y="0"/>
-          <a:ext cx="0" cy="0"/>
-          <a:chOff x="0" y="0"/>
-          <a:chExt cx="0" cy="0"/>
-        </a:xfrm>
-      </p:grpSpPr>
-      <p:sp>
-        <p:nvSpPr>
-          <p:cNvPr id="2" name="Title 1"/>
-          <p:cNvSpPr>
-            <a:spLocks noGrp="1"/>
-          </p:cNvSpPr>
-          <p:nvPr>
-            <p:ph type="ctrTitle"/>
-          </p:nvPr>
-        </p:nvSpPr>
-        <p:spPr/>
-        <p:txBody>
-          <a:bodyPr/>
-          <a:lstStyle/>
-          <a:p>
-            <a:r>
-              <a:rPr lang="en-US" dirty="0">
-                <a:cs typeface="Calibri Light"/>
-              </a:rPr>
-              <a:t>Docker</a:t>
-            </a:r>
-            <a:endParaRPr lang="en-US" dirty="0"/>
-          </a:p>
-        </p:txBody>
-      </p:sp>
-      <p:sp>
-        <p:nvSpPr>
-          <p:cNvPr id="3" name="Subtitle 2"/>
-          <p:cNvSpPr>
-            <a:spLocks noGrp="1"/>
-          </p:cNvSpPr>
-          <p:nvPr>
-            <p:ph type="subTitle" idx="1"/>
-          </p:nvPr>
-        </p:nvSpPr>
-        <p:spPr/>
-        <p:txBody>
-          <a:bodyPr vert="horz" lIns="91440" tIns="45720" rIns="91440" bIns="45720" rtlCol="0" anchor="t">
-            <a:normAutofit/>
-          </a:bodyPr>
-          <a:lstStyle/>
-          <a:p>
-            <a:r>
-              <a:rPr lang="en-US" dirty="0">
-                <a:ea typeface="Calibri"/>
-                <a:cs typeface="Calibri"/>
-              </a:rPr>
-              <a:t>Container Technology 101</a:t>
-            </a:r>
-            <a:endParaRPr lang="en-US" dirty="0"/>
-          </a:p>
-        </p:txBody>
-      </p:sp>
-    </p:spTree>
-    <p:extLst>
-      <p:ext uri="{BB962C8B-B14F-4D97-AF65-F5344CB8AC3E}">
-        <p14:creationId xmlns:p14="http://schemas.microsoft.com/office/powerpoint/2010/main" val="109857222"/>
-      </p:ext>
-    </p:extLst>
-  </p:cSld>
-  <p:clrMapOvr>
-    <a:masterClrMapping/>
-  </p:clrMapOvr>
-</p:sld>
-</file>
-
-<file path=ppt/slides/slide30.xml><?xml version="1.0" encoding="utf-8"?>
+<file path=ppt/slides/slide31.xml><?xml version="1.0" encoding="utf-8"?>
 <p:sld xmlns:a="http://schemas.openxmlformats.org/drawingml/2006/main" xmlns:r="http://schemas.openxmlformats.org/officeDocument/2006/relationships" xmlns:p="http://schemas.openxmlformats.org/presentationml/2006/main">
   <p:cSld>
     <p:spTree>
@@ -17886,7 +17987,7 @@
           <a:lstStyle/>
           <a:p>
             <a:r>
-              <a:rPr lang="en-NO" dirty="0"/>
+              <a:rPr lang="en-NO"/>
               <a:t>Consumers</a:t>
             </a:r>
           </a:p>
@@ -17914,25 +18015,25 @@
           <a:lstStyle/>
           <a:p>
             <a:r>
-              <a:rPr lang="en-NO" dirty="0"/>
+              <a:rPr lang="en-NO"/>
               <a:t>Consumers read data from a topic – pull model</a:t>
             </a:r>
           </a:p>
           <a:p>
             <a:r>
-              <a:rPr lang="en-NO" dirty="0"/>
+              <a:rPr lang="en-NO"/>
               <a:t>Consumers automatically know which broker to read from</a:t>
             </a:r>
           </a:p>
           <a:p>
             <a:r>
-              <a:rPr lang="en-NO" dirty="0"/>
+              <a:rPr lang="en-NO"/>
               <a:t>In case of broker failure, consumers will recover</a:t>
             </a:r>
           </a:p>
           <a:p>
             <a:r>
-              <a:rPr lang="en-NO" dirty="0"/>
+              <a:rPr lang="en-NO"/>
               <a:t>Data is read in order, from lowest offset(id) to highest in each partition</a:t>
             </a:r>
           </a:p>
@@ -17942,188 +18043,6 @@
     <p:extLst>
       <p:ext uri="{BB962C8B-B14F-4D97-AF65-F5344CB8AC3E}">
         <p14:creationId xmlns:p14="http://schemas.microsoft.com/office/powerpoint/2010/main" val="1015680952"/>
-      </p:ext>
-    </p:extLst>
-  </p:cSld>
-  <p:clrMapOvr>
-    <a:masterClrMapping/>
-  </p:clrMapOvr>
-</p:sld>
-</file>
-
-<file path=ppt/slides/slide31.xml><?xml version="1.0" encoding="utf-8"?>
-<p:sld xmlns:a="http://schemas.openxmlformats.org/drawingml/2006/main" xmlns:r="http://schemas.openxmlformats.org/officeDocument/2006/relationships" xmlns:p="http://schemas.openxmlformats.org/presentationml/2006/main">
-  <p:cSld>
-    <p:spTree>
-      <p:nvGrpSpPr>
-        <p:cNvPr id="1" name=""/>
-        <p:cNvGrpSpPr/>
-        <p:nvPr/>
-      </p:nvGrpSpPr>
-      <p:grpSpPr>
-        <a:xfrm>
-          <a:off x="0" y="0"/>
-          <a:ext cx="0" cy="0"/>
-          <a:chOff x="0" y="0"/>
-          <a:chExt cx="0" cy="0"/>
-        </a:xfrm>
-      </p:grpSpPr>
-      <p:pic>
-        <p:nvPicPr>
-          <p:cNvPr id="12290" name="Picture 2" descr="Message serialization diagram showing how Apache Kafka Producers integer and string serializers.">
-            <a:extLst>
-              <a:ext uri="{FF2B5EF4-FFF2-40B4-BE49-F238E27FC236}">
-                <a16:creationId xmlns:a16="http://schemas.microsoft.com/office/drawing/2014/main" id="{26A91F1F-1A5D-0ED2-8DA3-CE3CD13C4601}"/>
-              </a:ext>
-            </a:extLst>
-          </p:cNvPr>
-          <p:cNvPicPr>
-            <a:picLocks noChangeAspect="1" noChangeArrowheads="1"/>
-          </p:cNvPicPr>
-          <p:nvPr/>
-        </p:nvPicPr>
-        <p:blipFill>
-          <a:blip r:embed="rId2">
-            <a:extLst>
-              <a:ext uri="{28A0092B-C50C-407E-A947-70E740481C1C}">
-                <a14:useLocalDpi xmlns:a14="http://schemas.microsoft.com/office/drawing/2010/main" val="0"/>
-              </a:ext>
-            </a:extLst>
-          </a:blip>
-          <a:srcRect/>
-          <a:stretch>
-            <a:fillRect/>
-          </a:stretch>
-        </p:blipFill>
-        <p:spPr bwMode="auto">
-          <a:xfrm>
-            <a:off x="6096000" y="1326007"/>
-            <a:ext cx="6142832" cy="5166868"/>
-          </a:xfrm>
-          <a:prstGeom prst="rect">
-            <a:avLst/>
-          </a:prstGeom>
-          <a:noFill/>
-          <a:extLst>
-            <a:ext uri="{909E8E84-426E-40DD-AFC4-6F175D3DCCD1}">
-              <a14:hiddenFill xmlns:a14="http://schemas.microsoft.com/office/drawing/2010/main">
-                <a:solidFill>
-                  <a:srgbClr val="FFFFFF"/>
-                </a:solidFill>
-              </a14:hiddenFill>
-            </a:ext>
-          </a:extLst>
-        </p:spPr>
-      </p:pic>
-      <p:sp>
-        <p:nvSpPr>
-          <p:cNvPr id="2" name="Title 1">
-            <a:extLst>
-              <a:ext uri="{FF2B5EF4-FFF2-40B4-BE49-F238E27FC236}">
-                <a16:creationId xmlns:a16="http://schemas.microsoft.com/office/drawing/2014/main" id="{8A355CE9-E484-7430-DA10-FDF616952049}"/>
-              </a:ext>
-            </a:extLst>
-          </p:cNvPr>
-          <p:cNvSpPr>
-            <a:spLocks noGrp="1"/>
-          </p:cNvSpPr>
-          <p:nvPr>
-            <p:ph type="title"/>
-          </p:nvPr>
-        </p:nvSpPr>
-        <p:spPr/>
-        <p:txBody>
-          <a:bodyPr/>
-          <a:lstStyle/>
-          <a:p>
-            <a:r>
-              <a:rPr lang="en-NO" dirty="0"/>
-              <a:t>Producer – Message Serializers</a:t>
-            </a:r>
-          </a:p>
-        </p:txBody>
-      </p:sp>
-      <p:sp>
-        <p:nvSpPr>
-          <p:cNvPr id="3" name="Content Placeholder 2">
-            <a:extLst>
-              <a:ext uri="{FF2B5EF4-FFF2-40B4-BE49-F238E27FC236}">
-                <a16:creationId xmlns:a16="http://schemas.microsoft.com/office/drawing/2014/main" id="{1FA7F146-7CE7-AC66-698D-008A2714B4EA}"/>
-              </a:ext>
-            </a:extLst>
-          </p:cNvPr>
-          <p:cNvSpPr>
-            <a:spLocks noGrp="1"/>
-          </p:cNvSpPr>
-          <p:nvPr>
-            <p:ph idx="1"/>
-          </p:nvPr>
-        </p:nvSpPr>
-        <p:spPr>
-          <a:xfrm>
-            <a:off x="838201" y="1825625"/>
-            <a:ext cx="6358054" cy="4351338"/>
-          </a:xfrm>
-        </p:spPr>
-        <p:txBody>
-          <a:bodyPr/>
-          <a:lstStyle/>
-          <a:p>
-            <a:r>
-              <a:rPr lang="en-NO" dirty="0"/>
-              <a:t>Kafka only acceps and sends bytes as input and output</a:t>
-            </a:r>
-          </a:p>
-          <a:p>
-            <a:r>
-              <a:rPr lang="en-NO" dirty="0"/>
-              <a:t>Seralization is used for key and value</a:t>
-            </a:r>
-          </a:p>
-          <a:p>
-            <a:r>
-              <a:rPr lang="en-GB" dirty="0"/>
-              <a:t>C</a:t>
-            </a:r>
-            <a:r>
-              <a:rPr lang="en-NO" dirty="0"/>
-              <a:t>ommon Serializers</a:t>
-            </a:r>
-          </a:p>
-          <a:p>
-            <a:pPr lvl="1"/>
-            <a:r>
-              <a:rPr lang="en-NO" dirty="0"/>
-              <a:t>String(incl. JSON)</a:t>
-            </a:r>
-          </a:p>
-          <a:p>
-            <a:pPr lvl="1"/>
-            <a:r>
-              <a:rPr lang="en-NO" dirty="0"/>
-              <a:t>Int,Float</a:t>
-            </a:r>
-          </a:p>
-          <a:p>
-            <a:pPr lvl="1"/>
-            <a:r>
-              <a:rPr lang="en-NO" dirty="0"/>
-              <a:t>Avro</a:t>
-            </a:r>
-          </a:p>
-          <a:p>
-            <a:pPr lvl="1"/>
-            <a:r>
-              <a:rPr lang="en-NO" dirty="0"/>
-              <a:t>Protobuf</a:t>
-            </a:r>
-          </a:p>
-        </p:txBody>
-      </p:sp>
-    </p:spTree>
-    <p:extLst>
-      <p:ext uri="{BB962C8B-B14F-4D97-AF65-F5344CB8AC3E}">
-        <p14:creationId xmlns:p14="http://schemas.microsoft.com/office/powerpoint/2010/main" val="2813941393"/>
       </p:ext>
     </p:extLst>
   </p:cSld>
@@ -18152,6 +18071,188 @@
       </p:grpSpPr>
       <p:pic>
         <p:nvPicPr>
+          <p:cNvPr id="12290" name="Picture 2" descr="Message serialization diagram showing how Apache Kafka Producers integer and string serializers.">
+            <a:extLst>
+              <a:ext uri="{FF2B5EF4-FFF2-40B4-BE49-F238E27FC236}">
+                <a16:creationId xmlns:a16="http://schemas.microsoft.com/office/drawing/2014/main" id="{26A91F1F-1A5D-0ED2-8DA3-CE3CD13C4601}"/>
+              </a:ext>
+            </a:extLst>
+          </p:cNvPr>
+          <p:cNvPicPr>
+            <a:picLocks noChangeAspect="1" noChangeArrowheads="1"/>
+          </p:cNvPicPr>
+          <p:nvPr/>
+        </p:nvPicPr>
+        <p:blipFill>
+          <a:blip r:embed="rId2">
+            <a:extLst>
+              <a:ext uri="{28A0092B-C50C-407E-A947-70E740481C1C}">
+                <a14:useLocalDpi xmlns:a14="http://schemas.microsoft.com/office/drawing/2010/main" val="0"/>
+              </a:ext>
+            </a:extLst>
+          </a:blip>
+          <a:srcRect/>
+          <a:stretch>
+            <a:fillRect/>
+          </a:stretch>
+        </p:blipFill>
+        <p:spPr bwMode="auto">
+          <a:xfrm>
+            <a:off x="6096000" y="1326007"/>
+            <a:ext cx="6142832" cy="5166868"/>
+          </a:xfrm>
+          <a:prstGeom prst="rect">
+            <a:avLst/>
+          </a:prstGeom>
+          <a:noFill/>
+          <a:extLst>
+            <a:ext uri="{909E8E84-426E-40DD-AFC4-6F175D3DCCD1}">
+              <a14:hiddenFill xmlns:a14="http://schemas.microsoft.com/office/drawing/2010/main">
+                <a:solidFill>
+                  <a:srgbClr val="FFFFFF"/>
+                </a:solidFill>
+              </a14:hiddenFill>
+            </a:ext>
+          </a:extLst>
+        </p:spPr>
+      </p:pic>
+      <p:sp>
+        <p:nvSpPr>
+          <p:cNvPr id="2" name="Title 1">
+            <a:extLst>
+              <a:ext uri="{FF2B5EF4-FFF2-40B4-BE49-F238E27FC236}">
+                <a16:creationId xmlns:a16="http://schemas.microsoft.com/office/drawing/2014/main" id="{8A355CE9-E484-7430-DA10-FDF616952049}"/>
+              </a:ext>
+            </a:extLst>
+          </p:cNvPr>
+          <p:cNvSpPr>
+            <a:spLocks noGrp="1"/>
+          </p:cNvSpPr>
+          <p:nvPr>
+            <p:ph type="title"/>
+          </p:nvPr>
+        </p:nvSpPr>
+        <p:spPr/>
+        <p:txBody>
+          <a:bodyPr/>
+          <a:lstStyle/>
+          <a:p>
+            <a:r>
+              <a:rPr lang="en-NO"/>
+              <a:t>Producer – Message Serializers</a:t>
+            </a:r>
+          </a:p>
+        </p:txBody>
+      </p:sp>
+      <p:sp>
+        <p:nvSpPr>
+          <p:cNvPr id="3" name="Content Placeholder 2">
+            <a:extLst>
+              <a:ext uri="{FF2B5EF4-FFF2-40B4-BE49-F238E27FC236}">
+                <a16:creationId xmlns:a16="http://schemas.microsoft.com/office/drawing/2014/main" id="{1FA7F146-7CE7-AC66-698D-008A2714B4EA}"/>
+              </a:ext>
+            </a:extLst>
+          </p:cNvPr>
+          <p:cNvSpPr>
+            <a:spLocks noGrp="1"/>
+          </p:cNvSpPr>
+          <p:nvPr>
+            <p:ph idx="1"/>
+          </p:nvPr>
+        </p:nvSpPr>
+        <p:spPr>
+          <a:xfrm>
+            <a:off x="838201" y="1825625"/>
+            <a:ext cx="6358054" cy="4351338"/>
+          </a:xfrm>
+        </p:spPr>
+        <p:txBody>
+          <a:bodyPr/>
+          <a:lstStyle/>
+          <a:p>
+            <a:r>
+              <a:rPr lang="en-NO"/>
+              <a:t>Kafka only acceps and sends bytes as input and output</a:t>
+            </a:r>
+          </a:p>
+          <a:p>
+            <a:r>
+              <a:rPr lang="en-NO"/>
+              <a:t>Seralization is used for key and value</a:t>
+            </a:r>
+          </a:p>
+          <a:p>
+            <a:r>
+              <a:rPr lang="en-GB"/>
+              <a:t>C</a:t>
+            </a:r>
+            <a:r>
+              <a:rPr lang="en-NO"/>
+              <a:t>ommon Serializers</a:t>
+            </a:r>
+          </a:p>
+          <a:p>
+            <a:pPr lvl="1"/>
+            <a:r>
+              <a:rPr lang="en-NO"/>
+              <a:t>String(incl. JSON)</a:t>
+            </a:r>
+          </a:p>
+          <a:p>
+            <a:pPr lvl="1"/>
+            <a:r>
+              <a:rPr lang="en-NO"/>
+              <a:t>Int,Float</a:t>
+            </a:r>
+          </a:p>
+          <a:p>
+            <a:pPr lvl="1"/>
+            <a:r>
+              <a:rPr lang="en-NO"/>
+              <a:t>Avro</a:t>
+            </a:r>
+          </a:p>
+          <a:p>
+            <a:pPr lvl="1"/>
+            <a:r>
+              <a:rPr lang="en-NO"/>
+              <a:t>Protobuf</a:t>
+            </a:r>
+          </a:p>
+        </p:txBody>
+      </p:sp>
+    </p:spTree>
+    <p:extLst>
+      <p:ext uri="{BB962C8B-B14F-4D97-AF65-F5344CB8AC3E}">
+        <p14:creationId xmlns:p14="http://schemas.microsoft.com/office/powerpoint/2010/main" val="2813941393"/>
+      </p:ext>
+    </p:extLst>
+  </p:cSld>
+  <p:clrMapOvr>
+    <a:masterClrMapping/>
+  </p:clrMapOvr>
+</p:sld>
+</file>
+
+<file path=ppt/slides/slide33.xml><?xml version="1.0" encoding="utf-8"?>
+<p:sld xmlns:a="http://schemas.openxmlformats.org/drawingml/2006/main" xmlns:r="http://schemas.openxmlformats.org/officeDocument/2006/relationships" xmlns:p="http://schemas.openxmlformats.org/presentationml/2006/main">
+  <p:cSld>
+    <p:spTree>
+      <p:nvGrpSpPr>
+        <p:cNvPr id="1" name=""/>
+        <p:cNvGrpSpPr/>
+        <p:nvPr/>
+      </p:nvGrpSpPr>
+      <p:grpSpPr>
+        <a:xfrm>
+          <a:off x="0" y="0"/>
+          <a:ext cx="0" cy="0"/>
+          <a:chOff x="0" y="0"/>
+          <a:chExt cx="0" cy="0"/>
+        </a:xfrm>
+      </p:grpSpPr>
+      <p:pic>
+        <p:nvPicPr>
           <p:cNvPr id="15362" name="Picture 2" descr="Kafka Consumers must use the same format for deserialization that was used by the producer when serializing the message. This daigram shows the deserialization process.">
             <a:extLst>
               <a:ext uri="{FF2B5EF4-FFF2-40B4-BE49-F238E27FC236}">
@@ -18219,7 +18320,7 @@
           <a:lstStyle/>
           <a:p>
             <a:r>
-              <a:rPr lang="en-NO" dirty="0"/>
+              <a:rPr lang="en-NO"/>
               <a:t>Consumer Deserializer</a:t>
             </a:r>
           </a:p>
@@ -18252,47 +18353,47 @@
           <a:lstStyle/>
           <a:p>
             <a:r>
-              <a:rPr lang="en-NO" dirty="0"/>
+              <a:rPr lang="en-NO"/>
               <a:t>Deserializer is used for value and key</a:t>
             </a:r>
           </a:p>
           <a:p>
             <a:r>
-              <a:rPr lang="en-NO" dirty="0"/>
+              <a:rPr lang="en-NO"/>
               <a:t>Common Deserializer</a:t>
             </a:r>
           </a:p>
           <a:p>
             <a:pPr lvl="1"/>
             <a:r>
-              <a:rPr lang="en-NO" dirty="0"/>
+              <a:rPr lang="en-NO"/>
               <a:t>String (incl. JSON)</a:t>
             </a:r>
           </a:p>
           <a:p>
             <a:pPr lvl="1"/>
             <a:r>
-              <a:rPr lang="en-NO" dirty="0"/>
+              <a:rPr lang="en-NO"/>
               <a:t>Int, Float</a:t>
             </a:r>
           </a:p>
           <a:p>
             <a:pPr lvl="1"/>
             <a:r>
-              <a:rPr lang="en-NO" dirty="0"/>
+              <a:rPr lang="en-NO"/>
               <a:t>Avro</a:t>
             </a:r>
           </a:p>
           <a:p>
             <a:pPr lvl="1"/>
             <a:r>
-              <a:rPr lang="en-NO" dirty="0"/>
+              <a:rPr lang="en-NO"/>
               <a:t>Protobuf</a:t>
             </a:r>
           </a:p>
           <a:p>
             <a:r>
-              <a:rPr lang="en-NO" dirty="0"/>
+              <a:rPr lang="en-NO"/>
               <a:t>The serialization / deserialization type must not change during a topic lifecycle (Create new instead)</a:t>
             </a:r>
           </a:p>
@@ -18311,7 +18412,7 @@
 </p:sld>
 </file>
 
-<file path=ppt/slides/slide33.xml><?xml version="1.0" encoding="utf-8"?>
+<file path=ppt/slides/slide34.xml><?xml version="1.0" encoding="utf-8"?>
 <p:sld xmlns:a="http://schemas.openxmlformats.org/drawingml/2006/main" xmlns:r="http://schemas.openxmlformats.org/officeDocument/2006/relationships" xmlns:p="http://schemas.openxmlformats.org/presentationml/2006/main">
   <p:cSld>
     <p:spTree>
@@ -18350,7 +18451,7 @@
           <a:lstStyle/>
           <a:p>
             <a:r>
-              <a:rPr lang="en-NO" dirty="0"/>
+              <a:rPr lang="en-NO"/>
               <a:t>Consumers groups</a:t>
             </a:r>
           </a:p>
@@ -18378,13 +18479,13 @@
           <a:lstStyle/>
           <a:p>
             <a:r>
-              <a:rPr lang="en-NO" dirty="0"/>
+              <a:rPr lang="en-NO"/>
               <a:t>All the consumers in a application read data as consumer groups</a:t>
             </a:r>
           </a:p>
           <a:p>
             <a:r>
-              <a:rPr lang="en-NO" dirty="0"/>
+              <a:rPr lang="en-NO"/>
               <a:t>Each consumers within a group reads from exclusive partitions</a:t>
             </a:r>
           </a:p>
@@ -18450,7 +18551,7 @@
 </p:sld>
 </file>
 
-<file path=ppt/slides/slide34.xml><?xml version="1.0" encoding="utf-8"?>
+<file path=ppt/slides/slide35.xml><?xml version="1.0" encoding="utf-8"?>
 <p:sld xmlns:a="http://schemas.openxmlformats.org/drawingml/2006/main" xmlns:r="http://schemas.openxmlformats.org/officeDocument/2006/relationships" xmlns:p="http://schemas.openxmlformats.org/presentationml/2006/main">
   <p:cSld>
     <p:spTree>
@@ -18491,7 +18592,7 @@
           <a:lstStyle/>
           <a:p>
             <a:r>
-              <a:rPr lang="en-NO" sz="3800" dirty="0"/>
+              <a:rPr lang="en-NO" sz="3800"/>
               <a:t>Consumers groups – What if too many consumers?</a:t>
             </a:r>
           </a:p>
@@ -18521,7 +18622,7 @@
           <a:lstStyle/>
           <a:p>
             <a:r>
-              <a:rPr lang="en-NO" sz="2600" dirty="0"/>
+              <a:rPr lang="en-NO" sz="2600"/>
               <a:t>If you have more consumers than partitions, some concumers will be idle</a:t>
             </a:r>
           </a:p>
@@ -18587,7 +18688,7 @@
 </p:sld>
 </file>
 
-<file path=ppt/slides/slide35.xml><?xml version="1.0" encoding="utf-8"?>
+<file path=ppt/slides/slide36.xml><?xml version="1.0" encoding="utf-8"?>
 <p:sld xmlns:a="http://schemas.openxmlformats.org/drawingml/2006/main" xmlns:r="http://schemas.openxmlformats.org/officeDocument/2006/relationships" xmlns:p="http://schemas.openxmlformats.org/presentationml/2006/main">
   <p:cSld>
     <p:spTree>
@@ -18673,7 +18774,7 @@
           <a:lstStyle/>
           <a:p>
             <a:r>
-              <a:rPr lang="en-NO" dirty="0"/>
+              <a:rPr lang="en-NO"/>
               <a:t>Multiple consumers on one topic</a:t>
             </a:r>
           </a:p>
@@ -18703,17 +18804,17 @@
           <a:lstStyle/>
           <a:p>
             <a:r>
-              <a:rPr lang="en-NO" sz="2700" dirty="0"/>
+              <a:rPr lang="en-NO" sz="2700"/>
               <a:t>You are allowed to have multiple consumer groups on the same topic</a:t>
             </a:r>
           </a:p>
           <a:p>
             <a:r>
-              <a:rPr lang="en-NO" sz="2700" dirty="0"/>
+              <a:rPr lang="en-NO" sz="2700"/>
               <a:t>To create distinct consumer group, use the consumer property </a:t>
             </a:r>
             <a:r>
-              <a:rPr lang="en-NO" sz="2700" b="1" dirty="0"/>
+              <a:rPr lang="en-NO" sz="2700" b="1"/>
               <a:t>group.id</a:t>
             </a:r>
           </a:p>
@@ -18732,7 +18833,7 @@
 </p:sld>
 </file>
 
-<file path=ppt/slides/slide36.xml><?xml version="1.0" encoding="utf-8"?>
+<file path=ppt/slides/slide37.xml><?xml version="1.0" encoding="utf-8"?>
 <p:sld xmlns:a="http://schemas.openxmlformats.org/drawingml/2006/main" xmlns:r="http://schemas.openxmlformats.org/officeDocument/2006/relationships" xmlns:p="http://schemas.openxmlformats.org/presentationml/2006/main">
   <p:cSld>
     <p:spTree>
@@ -18818,7 +18919,7 @@
           <a:lstStyle/>
           <a:p>
             <a:r>
-              <a:rPr lang="en-NO" dirty="0"/>
+              <a:rPr lang="en-NO"/>
               <a:t>Consumer Offsets</a:t>
             </a:r>
           </a:p>
@@ -18848,17 +18949,17 @@
           <a:lstStyle/>
           <a:p>
             <a:r>
-              <a:rPr lang="en-NO" sz="2600" dirty="0"/>
+              <a:rPr lang="en-NO" sz="2600"/>
               <a:t>Kafka stores the offsets at which a consumer group has been reading</a:t>
             </a:r>
           </a:p>
           <a:p>
             <a:r>
-              <a:rPr lang="en-NO" sz="2600" dirty="0"/>
+              <a:rPr lang="en-NO" sz="2600"/>
               <a:t>The offests committed are in a kafka </a:t>
             </a:r>
             <a:r>
-              <a:rPr lang="en-NO" sz="2600" dirty="0">
+              <a:rPr lang="en-NO" sz="2600">
                 <a:solidFill>
                   <a:schemeClr val="accent1"/>
                 </a:solidFill>
@@ -18866,11 +18967,11 @@
               <a:t>topic</a:t>
             </a:r>
             <a:r>
-              <a:rPr lang="en-NO" sz="2600" dirty="0"/>
+              <a:rPr lang="en-NO" sz="2600"/>
               <a:t> named </a:t>
             </a:r>
             <a:r>
-              <a:rPr lang="en-NO" sz="2600" dirty="0">
+              <a:rPr lang="en-NO" sz="2600">
                 <a:solidFill>
                   <a:schemeClr val="accent1"/>
                 </a:solidFill>
@@ -18880,13 +18981,13 @@
           </a:p>
           <a:p>
             <a:r>
-              <a:rPr lang="en-NO" sz="2600" dirty="0"/>
+              <a:rPr lang="en-NO" sz="2600"/>
               <a:t>When a consumers processes data it will periodically commit the offset</a:t>
             </a:r>
           </a:p>
           <a:p>
             <a:r>
-              <a:rPr lang="en-NO" sz="2600" dirty="0"/>
+              <a:rPr lang="en-NO" sz="2600"/>
               <a:t>If consumer dies, it will be able to resume because of the saved offsets</a:t>
             </a:r>
           </a:p>
@@ -18896,165 +18997,6 @@
     <p:extLst>
       <p:ext uri="{BB962C8B-B14F-4D97-AF65-F5344CB8AC3E}">
         <p14:creationId xmlns:p14="http://schemas.microsoft.com/office/powerpoint/2010/main" val="3162126450"/>
-      </p:ext>
-    </p:extLst>
-  </p:cSld>
-  <p:clrMapOvr>
-    <a:masterClrMapping/>
-  </p:clrMapOvr>
-</p:sld>
-</file>
-
-<file path=ppt/slides/slide37.xml><?xml version="1.0" encoding="utf-8"?>
-<p:sld xmlns:a="http://schemas.openxmlformats.org/drawingml/2006/main" xmlns:r="http://schemas.openxmlformats.org/officeDocument/2006/relationships" xmlns:p="http://schemas.openxmlformats.org/presentationml/2006/main">
-  <p:cSld>
-    <p:spTree>
-      <p:nvGrpSpPr>
-        <p:cNvPr id="1" name=""/>
-        <p:cNvGrpSpPr/>
-        <p:nvPr/>
-      </p:nvGrpSpPr>
-      <p:grpSpPr>
-        <a:xfrm>
-          <a:off x="0" y="0"/>
-          <a:ext cx="0" cy="0"/>
-          <a:chOff x="0" y="0"/>
-          <a:chExt cx="0" cy="0"/>
-        </a:xfrm>
-      </p:grpSpPr>
-      <p:sp>
-        <p:nvSpPr>
-          <p:cNvPr id="2" name="Title 1">
-            <a:extLst>
-              <a:ext uri="{FF2B5EF4-FFF2-40B4-BE49-F238E27FC236}">
-                <a16:creationId xmlns:a16="http://schemas.microsoft.com/office/drawing/2014/main" id="{E8A9F49C-2725-AD0A-D617-EB3DEF15BD27}"/>
-              </a:ext>
-            </a:extLst>
-          </p:cNvPr>
-          <p:cNvSpPr>
-            <a:spLocks noGrp="1"/>
-          </p:cNvSpPr>
-          <p:nvPr>
-            <p:ph type="title"/>
-          </p:nvPr>
-        </p:nvSpPr>
-        <p:spPr/>
-        <p:txBody>
-          <a:bodyPr/>
-          <a:lstStyle/>
-          <a:p>
-            <a:r>
-              <a:rPr lang="en-NO" dirty="0"/>
-              <a:t>Delivery semantics for consumers</a:t>
-            </a:r>
-          </a:p>
-        </p:txBody>
-      </p:sp>
-      <p:sp>
-        <p:nvSpPr>
-          <p:cNvPr id="3" name="Content Placeholder 2">
-            <a:extLst>
-              <a:ext uri="{FF2B5EF4-FFF2-40B4-BE49-F238E27FC236}">
-                <a16:creationId xmlns:a16="http://schemas.microsoft.com/office/drawing/2014/main" id="{AB5B7346-AFFD-E9B2-F092-3A0CA87ABC97}"/>
-              </a:ext>
-            </a:extLst>
-          </p:cNvPr>
-          <p:cNvSpPr>
-            <a:spLocks noGrp="1"/>
-          </p:cNvSpPr>
-          <p:nvPr>
-            <p:ph idx="1"/>
-          </p:nvPr>
-        </p:nvSpPr>
-        <p:spPr/>
-        <p:txBody>
-          <a:bodyPr>
-            <a:normAutofit lnSpcReduction="10000"/>
-          </a:bodyPr>
-          <a:lstStyle/>
-          <a:p>
-            <a:r>
-              <a:rPr lang="en-NO" dirty="0"/>
-              <a:t>By default, Java consumers will auto-commit offsets (at least once)</a:t>
-            </a:r>
-          </a:p>
-          <a:p>
-            <a:r>
-              <a:rPr lang="en-NO" dirty="0"/>
-              <a:t>There are 3 delivery semantics if you choose to do it manually</a:t>
-            </a:r>
-          </a:p>
-          <a:p>
-            <a:r>
-              <a:rPr lang="en-NO" dirty="0">
-                <a:solidFill>
-                  <a:schemeClr val="accent1"/>
-                </a:solidFill>
-              </a:rPr>
-              <a:t>At least once</a:t>
-            </a:r>
-          </a:p>
-          <a:p>
-            <a:pPr lvl="1"/>
-            <a:r>
-              <a:rPr lang="en-NO" dirty="0"/>
-              <a:t>Offsets are commited after message is processed</a:t>
-            </a:r>
-          </a:p>
-          <a:p>
-            <a:pPr lvl="1"/>
-            <a:r>
-              <a:rPr lang="en-NO" dirty="0"/>
-              <a:t>Duplicates in case of errors, Idemponent consumers is important!</a:t>
-            </a:r>
-          </a:p>
-          <a:p>
-            <a:r>
-              <a:rPr lang="en-NO" dirty="0">
-                <a:solidFill>
-                  <a:schemeClr val="accent1"/>
-                </a:solidFill>
-              </a:rPr>
-              <a:t>At most once</a:t>
-            </a:r>
-          </a:p>
-          <a:p>
-            <a:pPr lvl="1"/>
-            <a:r>
-              <a:rPr lang="en-NO" dirty="0"/>
-              <a:t>Offsets are committed as soon as message is reaceived</a:t>
-            </a:r>
-          </a:p>
-          <a:p>
-            <a:pPr lvl="1"/>
-            <a:r>
-              <a:rPr lang="en-NO" dirty="0"/>
-              <a:t>Messages can be lost</a:t>
-            </a:r>
-          </a:p>
-          <a:p>
-            <a:r>
-              <a:rPr lang="en-NO" dirty="0">
-                <a:solidFill>
-                  <a:schemeClr val="accent1"/>
-                </a:solidFill>
-              </a:rPr>
-              <a:t>Exactly once</a:t>
-            </a:r>
-          </a:p>
-          <a:p>
-            <a:pPr lvl="1"/>
-            <a:r>
-              <a:rPr lang="en-NO" dirty="0"/>
-              <a:t>For kafka =&gt; Kafka Transactional API (Kafka Streams API)</a:t>
-            </a:r>
-          </a:p>
-        </p:txBody>
-      </p:sp>
-    </p:spTree>
-    <p:extLst>
-      <p:ext uri="{BB962C8B-B14F-4D97-AF65-F5344CB8AC3E}">
-        <p14:creationId xmlns:p14="http://schemas.microsoft.com/office/powerpoint/2010/main" val="2483691699"/>
       </p:ext>
     </p:extLst>
   </p:cSld>
@@ -19086,6 +19028,165 @@
           <p:cNvPr id="2" name="Title 1">
             <a:extLst>
               <a:ext uri="{FF2B5EF4-FFF2-40B4-BE49-F238E27FC236}">
+                <a16:creationId xmlns:a16="http://schemas.microsoft.com/office/drawing/2014/main" id="{E8A9F49C-2725-AD0A-D617-EB3DEF15BD27}"/>
+              </a:ext>
+            </a:extLst>
+          </p:cNvPr>
+          <p:cNvSpPr>
+            <a:spLocks noGrp="1"/>
+          </p:cNvSpPr>
+          <p:nvPr>
+            <p:ph type="title"/>
+          </p:nvPr>
+        </p:nvSpPr>
+        <p:spPr/>
+        <p:txBody>
+          <a:bodyPr/>
+          <a:lstStyle/>
+          <a:p>
+            <a:r>
+              <a:rPr lang="en-NO"/>
+              <a:t>Delivery semantics for consumers</a:t>
+            </a:r>
+          </a:p>
+        </p:txBody>
+      </p:sp>
+      <p:sp>
+        <p:nvSpPr>
+          <p:cNvPr id="3" name="Content Placeholder 2">
+            <a:extLst>
+              <a:ext uri="{FF2B5EF4-FFF2-40B4-BE49-F238E27FC236}">
+                <a16:creationId xmlns:a16="http://schemas.microsoft.com/office/drawing/2014/main" id="{AB5B7346-AFFD-E9B2-F092-3A0CA87ABC97}"/>
+              </a:ext>
+            </a:extLst>
+          </p:cNvPr>
+          <p:cNvSpPr>
+            <a:spLocks noGrp="1"/>
+          </p:cNvSpPr>
+          <p:nvPr>
+            <p:ph idx="1"/>
+          </p:nvPr>
+        </p:nvSpPr>
+        <p:spPr/>
+        <p:txBody>
+          <a:bodyPr>
+            <a:normAutofit lnSpcReduction="10000"/>
+          </a:bodyPr>
+          <a:lstStyle/>
+          <a:p>
+            <a:r>
+              <a:rPr lang="en-NO"/>
+              <a:t>By default, Java consumers will auto-commit offsets (at least once)</a:t>
+            </a:r>
+          </a:p>
+          <a:p>
+            <a:r>
+              <a:rPr lang="en-NO"/>
+              <a:t>There are 3 delivery semantics if you choose to do it manually</a:t>
+            </a:r>
+          </a:p>
+          <a:p>
+            <a:r>
+              <a:rPr lang="en-NO">
+                <a:solidFill>
+                  <a:schemeClr val="accent1"/>
+                </a:solidFill>
+              </a:rPr>
+              <a:t>At least once</a:t>
+            </a:r>
+          </a:p>
+          <a:p>
+            <a:pPr lvl="1"/>
+            <a:r>
+              <a:rPr lang="en-NO"/>
+              <a:t>Offsets are commited after message is processed</a:t>
+            </a:r>
+          </a:p>
+          <a:p>
+            <a:pPr lvl="1"/>
+            <a:r>
+              <a:rPr lang="en-NO"/>
+              <a:t>Duplicates in case of errors, Idemponent consumers is important!</a:t>
+            </a:r>
+          </a:p>
+          <a:p>
+            <a:r>
+              <a:rPr lang="en-NO">
+                <a:solidFill>
+                  <a:schemeClr val="accent1"/>
+                </a:solidFill>
+              </a:rPr>
+              <a:t>At most once</a:t>
+            </a:r>
+          </a:p>
+          <a:p>
+            <a:pPr lvl="1"/>
+            <a:r>
+              <a:rPr lang="en-NO"/>
+              <a:t>Offsets are committed as soon as message is reaceived</a:t>
+            </a:r>
+          </a:p>
+          <a:p>
+            <a:pPr lvl="1"/>
+            <a:r>
+              <a:rPr lang="en-NO"/>
+              <a:t>Messages can be lost</a:t>
+            </a:r>
+          </a:p>
+          <a:p>
+            <a:r>
+              <a:rPr lang="en-NO">
+                <a:solidFill>
+                  <a:schemeClr val="accent1"/>
+                </a:solidFill>
+              </a:rPr>
+              <a:t>Exactly once</a:t>
+            </a:r>
+          </a:p>
+          <a:p>
+            <a:pPr lvl="1"/>
+            <a:r>
+              <a:rPr lang="en-NO"/>
+              <a:t>For kafka =&gt; Kafka Transactional API (Kafka Streams API)</a:t>
+            </a:r>
+          </a:p>
+        </p:txBody>
+      </p:sp>
+    </p:spTree>
+    <p:extLst>
+      <p:ext uri="{BB962C8B-B14F-4D97-AF65-F5344CB8AC3E}">
+        <p14:creationId xmlns:p14="http://schemas.microsoft.com/office/powerpoint/2010/main" val="2483691699"/>
+      </p:ext>
+    </p:extLst>
+  </p:cSld>
+  <p:clrMapOvr>
+    <a:masterClrMapping/>
+  </p:clrMapOvr>
+</p:sld>
+</file>
+
+<file path=ppt/slides/slide39.xml><?xml version="1.0" encoding="utf-8"?>
+<p:sld xmlns:a="http://schemas.openxmlformats.org/drawingml/2006/main" xmlns:r="http://schemas.openxmlformats.org/officeDocument/2006/relationships" xmlns:p="http://schemas.openxmlformats.org/presentationml/2006/main">
+  <p:cSld>
+    <p:spTree>
+      <p:nvGrpSpPr>
+        <p:cNvPr id="1" name=""/>
+        <p:cNvGrpSpPr/>
+        <p:nvPr/>
+      </p:nvGrpSpPr>
+      <p:grpSpPr>
+        <a:xfrm>
+          <a:off x="0" y="0"/>
+          <a:ext cx="0" cy="0"/>
+          <a:chOff x="0" y="0"/>
+          <a:chExt cx="0" cy="0"/>
+        </a:xfrm>
+      </p:grpSpPr>
+      <p:sp>
+        <p:nvSpPr>
+          <p:cNvPr id="2" name="Title 1">
+            <a:extLst>
+              <a:ext uri="{FF2B5EF4-FFF2-40B4-BE49-F238E27FC236}">
                 <a16:creationId xmlns:a16="http://schemas.microsoft.com/office/drawing/2014/main" id="{0BCBDCC5-609E-4BC5-2269-4118C8146701}"/>
               </a:ext>
             </a:extLst>
@@ -19103,7 +19204,7 @@
           <a:lstStyle/>
           <a:p>
             <a:r>
-              <a:rPr lang="en-NO" dirty="0"/>
+              <a:rPr lang="en-NO"/>
               <a:t>Brokers</a:t>
             </a:r>
           </a:p>
@@ -19131,31 +19232,31 @@
           <a:lstStyle/>
           <a:p>
             <a:r>
-              <a:rPr lang="en-NO" dirty="0"/>
+              <a:rPr lang="en-NO"/>
               <a:t>A kafka cluster is composed of multiple brokers</a:t>
             </a:r>
           </a:p>
           <a:p>
             <a:r>
-              <a:rPr lang="en-NO" dirty="0"/>
+              <a:rPr lang="en-NO"/>
               <a:t>Each broker is a identified by ID</a:t>
             </a:r>
           </a:p>
           <a:p>
             <a:r>
-              <a:rPr lang="en-NO" dirty="0"/>
+              <a:rPr lang="en-NO"/>
               <a:t>Each borker containts a certain topic partitions</a:t>
             </a:r>
           </a:p>
           <a:p>
             <a:r>
-              <a:rPr lang="en-NO" dirty="0"/>
+              <a:rPr lang="en-NO"/>
               <a:t>Each brokers is a bootstrap server, access point to all other brokers</a:t>
             </a:r>
           </a:p>
           <a:p>
             <a:r>
-              <a:rPr lang="en-NO" dirty="0"/>
+              <a:rPr lang="en-NO"/>
               <a:t>3 brokers is a good starting point, but some clusters have over 100</a:t>
             </a:r>
           </a:p>
@@ -19221,189 +19322,6 @@
 </p:sld>
 </file>
 
-<file path=ppt/slides/slide39.xml><?xml version="1.0" encoding="utf-8"?>
-<p:sld xmlns:a="http://schemas.openxmlformats.org/drawingml/2006/main" xmlns:r="http://schemas.openxmlformats.org/officeDocument/2006/relationships" xmlns:p="http://schemas.openxmlformats.org/presentationml/2006/main">
-  <p:cSld>
-    <p:spTree>
-      <p:nvGrpSpPr>
-        <p:cNvPr id="1" name=""/>
-        <p:cNvGrpSpPr/>
-        <p:nvPr/>
-      </p:nvGrpSpPr>
-      <p:grpSpPr>
-        <a:xfrm>
-          <a:off x="0" y="0"/>
-          <a:ext cx="0" cy="0"/>
-          <a:chOff x="0" y="0"/>
-          <a:chExt cx="0" cy="0"/>
-        </a:xfrm>
-      </p:grpSpPr>
-      <p:sp>
-        <p:nvSpPr>
-          <p:cNvPr id="2" name="Title 1">
-            <a:extLst>
-              <a:ext uri="{FF2B5EF4-FFF2-40B4-BE49-F238E27FC236}">
-                <a16:creationId xmlns:a16="http://schemas.microsoft.com/office/drawing/2014/main" id="{3DB01C3E-8B09-877E-361E-BDA69ADEE037}"/>
-              </a:ext>
-            </a:extLst>
-          </p:cNvPr>
-          <p:cNvSpPr>
-            <a:spLocks noGrp="1"/>
-          </p:cNvSpPr>
-          <p:nvPr>
-            <p:ph type="title"/>
-          </p:nvPr>
-        </p:nvSpPr>
-        <p:spPr/>
-        <p:txBody>
-          <a:bodyPr/>
-          <a:lstStyle/>
-          <a:p>
-            <a:r>
-              <a:rPr lang="en-NO" dirty="0"/>
-              <a:t>Brokers and topics </a:t>
-            </a:r>
-          </a:p>
-        </p:txBody>
-      </p:sp>
-      <p:sp>
-        <p:nvSpPr>
-          <p:cNvPr id="3" name="Content Placeholder 2">
-            <a:extLst>
-              <a:ext uri="{FF2B5EF4-FFF2-40B4-BE49-F238E27FC236}">
-                <a16:creationId xmlns:a16="http://schemas.microsoft.com/office/drawing/2014/main" id="{A6A20519-72A5-D332-DABF-2958234AA5A2}"/>
-              </a:ext>
-            </a:extLst>
-          </p:cNvPr>
-          <p:cNvSpPr>
-            <a:spLocks noGrp="1"/>
-          </p:cNvSpPr>
-          <p:nvPr>
-            <p:ph idx="1"/>
-          </p:nvPr>
-        </p:nvSpPr>
-        <p:spPr/>
-        <p:txBody>
-          <a:bodyPr/>
-          <a:lstStyle/>
-          <a:p>
-            <a:r>
-              <a:rPr lang="en-NO" dirty="0"/>
-              <a:t>Example of </a:t>
-            </a:r>
-            <a:r>
-              <a:rPr lang="en-NO" dirty="0">
-                <a:solidFill>
-                  <a:schemeClr val="accent1"/>
-                </a:solidFill>
-              </a:rPr>
-              <a:t>Topic-A</a:t>
-            </a:r>
-            <a:r>
-              <a:rPr lang="en-NO" dirty="0"/>
-              <a:t> with </a:t>
-            </a:r>
-            <a:r>
-              <a:rPr lang="en-NO" b="1" dirty="0"/>
-              <a:t>3 partitons</a:t>
-            </a:r>
-            <a:r>
-              <a:rPr lang="en-NO" dirty="0"/>
-              <a:t> and </a:t>
-            </a:r>
-            <a:r>
-              <a:rPr lang="en-NO" dirty="0">
-                <a:solidFill>
-                  <a:srgbClr val="7030A0"/>
-                </a:solidFill>
-              </a:rPr>
-              <a:t>Topic-B</a:t>
-            </a:r>
-            <a:r>
-              <a:rPr lang="en-NO" dirty="0"/>
-              <a:t> with </a:t>
-            </a:r>
-            <a:r>
-              <a:rPr lang="en-NO" b="1" dirty="0"/>
-              <a:t>2 partitions</a:t>
-            </a:r>
-          </a:p>
-          <a:p>
-            <a:r>
-              <a:rPr lang="en-NO" dirty="0"/>
-              <a:t>Note: Data is distributed, and broker 103 doesn’t have any </a:t>
-            </a:r>
-            <a:r>
-              <a:rPr lang="en-NO" dirty="0">
-                <a:solidFill>
-                  <a:srgbClr val="7030A0"/>
-                </a:solidFill>
-              </a:rPr>
-              <a:t>Topic-B</a:t>
-            </a:r>
-          </a:p>
-        </p:txBody>
-      </p:sp>
-      <p:pic>
-        <p:nvPicPr>
-          <p:cNvPr id="21506" name="Picture 2" descr="3 Kafka Brokers with 2 Kafka Topics and topic partitions.">
-            <a:extLst>
-              <a:ext uri="{FF2B5EF4-FFF2-40B4-BE49-F238E27FC236}">
-                <a16:creationId xmlns:a16="http://schemas.microsoft.com/office/drawing/2014/main" id="{87EBE270-124F-1878-60A0-642A580F792B}"/>
-              </a:ext>
-            </a:extLst>
-          </p:cNvPr>
-          <p:cNvPicPr>
-            <a:picLocks noChangeAspect="1" noChangeArrowheads="1"/>
-          </p:cNvPicPr>
-          <p:nvPr/>
-        </p:nvPicPr>
-        <p:blipFill>
-          <a:blip r:embed="rId2">
-            <a:extLst>
-              <a:ext uri="{28A0092B-C50C-407E-A947-70E740481C1C}">
-                <a14:useLocalDpi xmlns:a14="http://schemas.microsoft.com/office/drawing/2010/main" val="0"/>
-              </a:ext>
-            </a:extLst>
-          </a:blip>
-          <a:srcRect/>
-          <a:stretch>
-            <a:fillRect/>
-          </a:stretch>
-        </p:blipFill>
-        <p:spPr bwMode="auto">
-          <a:xfrm>
-            <a:off x="1698702" y="3494881"/>
-            <a:ext cx="8794595" cy="2817019"/>
-          </a:xfrm>
-          <a:prstGeom prst="rect">
-            <a:avLst/>
-          </a:prstGeom>
-          <a:noFill/>
-          <a:extLst>
-            <a:ext uri="{909E8E84-426E-40DD-AFC4-6F175D3DCCD1}">
-              <a14:hiddenFill xmlns:a14="http://schemas.microsoft.com/office/drawing/2010/main">
-                <a:solidFill>
-                  <a:srgbClr val="FFFFFF"/>
-                </a:solidFill>
-              </a14:hiddenFill>
-            </a:ext>
-          </a:extLst>
-        </p:spPr>
-      </p:pic>
-    </p:spTree>
-    <p:extLst>
-      <p:ext uri="{BB962C8B-B14F-4D97-AF65-F5344CB8AC3E}">
-        <p14:creationId xmlns:p14="http://schemas.microsoft.com/office/powerpoint/2010/main" val="630053805"/>
-      </p:ext>
-    </p:extLst>
-  </p:cSld>
-  <p:clrMapOvr>
-    <a:masterClrMapping/>
-  </p:clrMapOvr>
-</p:sld>
-</file>
-
 <file path=ppt/slides/slide4.xml><?xml version="1.0" encoding="utf-8"?>
 <p:sld xmlns:a="http://schemas.openxmlformats.org/drawingml/2006/main" xmlns:r="http://schemas.openxmlformats.org/officeDocument/2006/relationships" xmlns:p="http://schemas.openxmlformats.org/presentationml/2006/main">
   <p:cSld>
@@ -19445,13 +19363,13 @@
           <a:lstStyle/>
           <a:p>
             <a:r>
-              <a:rPr lang="en-US" dirty="0">
+              <a:rPr lang="en-US">
                 <a:ea typeface="+mj-lt"/>
                 <a:cs typeface="+mj-lt"/>
               </a:rPr>
               <a:t>Containers are basically just light weight Virtual Machines. Docker runs containers</a:t>
             </a:r>
-            <a:endParaRPr lang="en-US" dirty="0"/>
+            <a:endParaRPr lang="en-US"/>
           </a:p>
         </p:txBody>
       </p:sp>
@@ -19516,13 +19434,13 @@
           <a:lstStyle/>
           <a:p>
             <a:r>
-              <a:rPr lang="en-US" dirty="0">
+              <a:rPr lang="en-US">
                 <a:ea typeface="Calibri"/>
                 <a:cs typeface="Calibri"/>
               </a:rPr>
               <a:t>Virtual machine stack</a:t>
             </a:r>
-            <a:endParaRPr lang="en-US" dirty="0"/>
+            <a:endParaRPr lang="en-US"/>
           </a:p>
         </p:txBody>
       </p:sp>
@@ -19558,20 +19476,20 @@
           <a:lstStyle/>
           <a:p>
             <a:r>
-              <a:rPr lang="en-US" dirty="0" err="1">
+              <a:rPr lang="en-US" err="1">
                 <a:ea typeface="Calibri"/>
                 <a:cs typeface="Calibri"/>
               </a:rPr>
               <a:t>Containerised</a:t>
             </a:r>
             <a:r>
-              <a:rPr lang="en-US" dirty="0">
+              <a:rPr lang="en-US">
                 <a:ea typeface="Calibri"/>
                 <a:cs typeface="Calibri"/>
               </a:rPr>
               <a:t> stack</a:t>
             </a:r>
-            <a:endParaRPr lang="en-US" dirty="0"/>
+            <a:endParaRPr lang="en-US"/>
           </a:p>
         </p:txBody>
       </p:sp>
@@ -19639,6 +19557,189 @@
           <p:cNvPr id="2" name="Title 1">
             <a:extLst>
               <a:ext uri="{FF2B5EF4-FFF2-40B4-BE49-F238E27FC236}">
+                <a16:creationId xmlns:a16="http://schemas.microsoft.com/office/drawing/2014/main" id="{3DB01C3E-8B09-877E-361E-BDA69ADEE037}"/>
+              </a:ext>
+            </a:extLst>
+          </p:cNvPr>
+          <p:cNvSpPr>
+            <a:spLocks noGrp="1"/>
+          </p:cNvSpPr>
+          <p:nvPr>
+            <p:ph type="title"/>
+          </p:nvPr>
+        </p:nvSpPr>
+        <p:spPr/>
+        <p:txBody>
+          <a:bodyPr/>
+          <a:lstStyle/>
+          <a:p>
+            <a:r>
+              <a:rPr lang="en-NO"/>
+              <a:t>Brokers and topics </a:t>
+            </a:r>
+          </a:p>
+        </p:txBody>
+      </p:sp>
+      <p:sp>
+        <p:nvSpPr>
+          <p:cNvPr id="3" name="Content Placeholder 2">
+            <a:extLst>
+              <a:ext uri="{FF2B5EF4-FFF2-40B4-BE49-F238E27FC236}">
+                <a16:creationId xmlns:a16="http://schemas.microsoft.com/office/drawing/2014/main" id="{A6A20519-72A5-D332-DABF-2958234AA5A2}"/>
+              </a:ext>
+            </a:extLst>
+          </p:cNvPr>
+          <p:cNvSpPr>
+            <a:spLocks noGrp="1"/>
+          </p:cNvSpPr>
+          <p:nvPr>
+            <p:ph idx="1"/>
+          </p:nvPr>
+        </p:nvSpPr>
+        <p:spPr/>
+        <p:txBody>
+          <a:bodyPr/>
+          <a:lstStyle/>
+          <a:p>
+            <a:r>
+              <a:rPr lang="en-NO"/>
+              <a:t>Example of </a:t>
+            </a:r>
+            <a:r>
+              <a:rPr lang="en-NO">
+                <a:solidFill>
+                  <a:schemeClr val="accent1"/>
+                </a:solidFill>
+              </a:rPr>
+              <a:t>Topic-A</a:t>
+            </a:r>
+            <a:r>
+              <a:rPr lang="en-NO"/>
+              <a:t> with </a:t>
+            </a:r>
+            <a:r>
+              <a:rPr lang="en-NO" b="1"/>
+              <a:t>3 partitons</a:t>
+            </a:r>
+            <a:r>
+              <a:rPr lang="en-NO"/>
+              <a:t> and </a:t>
+            </a:r>
+            <a:r>
+              <a:rPr lang="en-NO">
+                <a:solidFill>
+                  <a:srgbClr val="7030A0"/>
+                </a:solidFill>
+              </a:rPr>
+              <a:t>Topic-B</a:t>
+            </a:r>
+            <a:r>
+              <a:rPr lang="en-NO"/>
+              <a:t> with </a:t>
+            </a:r>
+            <a:r>
+              <a:rPr lang="en-NO" b="1"/>
+              <a:t>2 partitions</a:t>
+            </a:r>
+          </a:p>
+          <a:p>
+            <a:r>
+              <a:rPr lang="en-NO"/>
+              <a:t>Note: Data is distributed, and broker 103 doesn’t have any </a:t>
+            </a:r>
+            <a:r>
+              <a:rPr lang="en-NO">
+                <a:solidFill>
+                  <a:srgbClr val="7030A0"/>
+                </a:solidFill>
+              </a:rPr>
+              <a:t>Topic-B</a:t>
+            </a:r>
+          </a:p>
+        </p:txBody>
+      </p:sp>
+      <p:pic>
+        <p:nvPicPr>
+          <p:cNvPr id="21506" name="Picture 2" descr="3 Kafka Brokers with 2 Kafka Topics and topic partitions.">
+            <a:extLst>
+              <a:ext uri="{FF2B5EF4-FFF2-40B4-BE49-F238E27FC236}">
+                <a16:creationId xmlns:a16="http://schemas.microsoft.com/office/drawing/2014/main" id="{87EBE270-124F-1878-60A0-642A580F792B}"/>
+              </a:ext>
+            </a:extLst>
+          </p:cNvPr>
+          <p:cNvPicPr>
+            <a:picLocks noChangeAspect="1" noChangeArrowheads="1"/>
+          </p:cNvPicPr>
+          <p:nvPr/>
+        </p:nvPicPr>
+        <p:blipFill>
+          <a:blip r:embed="rId2">
+            <a:extLst>
+              <a:ext uri="{28A0092B-C50C-407E-A947-70E740481C1C}">
+                <a14:useLocalDpi xmlns:a14="http://schemas.microsoft.com/office/drawing/2010/main" val="0"/>
+              </a:ext>
+            </a:extLst>
+          </a:blip>
+          <a:srcRect/>
+          <a:stretch>
+            <a:fillRect/>
+          </a:stretch>
+        </p:blipFill>
+        <p:spPr bwMode="auto">
+          <a:xfrm>
+            <a:off x="1698702" y="3494881"/>
+            <a:ext cx="8794595" cy="2817019"/>
+          </a:xfrm>
+          <a:prstGeom prst="rect">
+            <a:avLst/>
+          </a:prstGeom>
+          <a:noFill/>
+          <a:extLst>
+            <a:ext uri="{909E8E84-426E-40DD-AFC4-6F175D3DCCD1}">
+              <a14:hiddenFill xmlns:a14="http://schemas.microsoft.com/office/drawing/2010/main">
+                <a:solidFill>
+                  <a:srgbClr val="FFFFFF"/>
+                </a:solidFill>
+              </a14:hiddenFill>
+            </a:ext>
+          </a:extLst>
+        </p:spPr>
+      </p:pic>
+    </p:spTree>
+    <p:extLst>
+      <p:ext uri="{BB962C8B-B14F-4D97-AF65-F5344CB8AC3E}">
+        <p14:creationId xmlns:p14="http://schemas.microsoft.com/office/powerpoint/2010/main" val="630053805"/>
+      </p:ext>
+    </p:extLst>
+  </p:cSld>
+  <p:clrMapOvr>
+    <a:masterClrMapping/>
+  </p:clrMapOvr>
+</p:sld>
+</file>
+
+<file path=ppt/slides/slide41.xml><?xml version="1.0" encoding="utf-8"?>
+<p:sld xmlns:a="http://schemas.openxmlformats.org/drawingml/2006/main" xmlns:r="http://schemas.openxmlformats.org/officeDocument/2006/relationships" xmlns:p="http://schemas.openxmlformats.org/presentationml/2006/main">
+  <p:cSld>
+    <p:spTree>
+      <p:nvGrpSpPr>
+        <p:cNvPr id="1" name=""/>
+        <p:cNvGrpSpPr/>
+        <p:nvPr/>
+      </p:nvGrpSpPr>
+      <p:grpSpPr>
+        <a:xfrm>
+          <a:off x="0" y="0"/>
+          <a:ext cx="0" cy="0"/>
+          <a:chOff x="0" y="0"/>
+          <a:chExt cx="0" cy="0"/>
+        </a:xfrm>
+      </p:grpSpPr>
+      <p:sp>
+        <p:nvSpPr>
+          <p:cNvPr id="2" name="Title 1">
+            <a:extLst>
+              <a:ext uri="{FF2B5EF4-FFF2-40B4-BE49-F238E27FC236}">
                 <a16:creationId xmlns:a16="http://schemas.microsoft.com/office/drawing/2014/main" id="{87DA810B-8F2A-7790-7221-8C11C1C52E70}"/>
               </a:ext>
             </a:extLst>
@@ -19656,7 +19757,7 @@
           <a:lstStyle/>
           <a:p>
             <a:r>
-              <a:rPr lang="en-NO" dirty="0"/>
+              <a:rPr lang="en-NO"/>
               <a:t>Kafka Broker Discovery</a:t>
             </a:r>
           </a:p>
@@ -19686,19 +19787,19 @@
           <a:lstStyle/>
           <a:p>
             <a:r>
-              <a:rPr lang="en-NO" sz="2600" dirty="0"/>
+              <a:rPr lang="en-NO" sz="2600"/>
               <a:t>Every Kafka broker is also called a “Boostrap server”</a:t>
             </a:r>
           </a:p>
           <a:p>
             <a:r>
-              <a:rPr lang="en-NO" sz="2600" dirty="0"/>
+              <a:rPr lang="en-NO" sz="2600"/>
               <a:t>That means that you only need to connect to one broker (Smart clients)</a:t>
             </a:r>
           </a:p>
           <a:p>
             <a:r>
-              <a:rPr lang="en-NO" sz="2600" dirty="0"/>
+              <a:rPr lang="en-NO" sz="2600"/>
               <a:t>Each broker know about all brokers, topics and partitions</a:t>
             </a:r>
           </a:p>
@@ -19764,7 +19865,7 @@
 </p:sld>
 </file>
 
-<file path=ppt/slides/slide41.xml><?xml version="1.0" encoding="utf-8"?>
+<file path=ppt/slides/slide42.xml><?xml version="1.0" encoding="utf-8"?>
 <p:sld xmlns:a="http://schemas.openxmlformats.org/drawingml/2006/main" xmlns:r="http://schemas.openxmlformats.org/officeDocument/2006/relationships" xmlns:p="http://schemas.openxmlformats.org/presentationml/2006/main">
   <p:cSld>
     <p:spTree>
@@ -19803,7 +19904,7 @@
           <a:lstStyle/>
           <a:p>
             <a:r>
-              <a:rPr lang="en-NO" dirty="0"/>
+              <a:rPr lang="en-NO"/>
               <a:t>Topic replication factor</a:t>
             </a:r>
           </a:p>
@@ -19831,19 +19932,19 @@
           <a:lstStyle/>
           <a:p>
             <a:r>
-              <a:rPr lang="en-NO" dirty="0"/>
+              <a:rPr lang="en-NO"/>
               <a:t>Topics should have a replication factor &gt; 1 (usually between 2 and 3)</a:t>
             </a:r>
           </a:p>
           <a:p>
             <a:r>
-              <a:rPr lang="en-NO" dirty="0"/>
+              <a:rPr lang="en-NO"/>
               <a:t>This way if a broker goes down, antoher broker can serve the data</a:t>
             </a:r>
           </a:p>
           <a:p>
             <a:r>
-              <a:rPr lang="en-NO" dirty="0"/>
+              <a:rPr lang="en-NO"/>
               <a:t>Example: Topic-A with 2 partitions and relication factor of 2</a:t>
             </a:r>
           </a:p>
@@ -19909,7 +20010,7 @@
 </p:sld>
 </file>
 
-<file path=ppt/slides/slide42.xml><?xml version="1.0" encoding="utf-8"?>
+<file path=ppt/slides/slide43.xml><?xml version="1.0" encoding="utf-8"?>
 <p:sld xmlns:a="http://schemas.openxmlformats.org/drawingml/2006/main" xmlns:r="http://schemas.openxmlformats.org/officeDocument/2006/relationships" xmlns:p="http://schemas.openxmlformats.org/presentationml/2006/main">
   <p:cSld>
     <p:spTree>
@@ -19948,7 +20049,7 @@
           <a:lstStyle/>
           <a:p>
             <a:r>
-              <a:rPr lang="en-NO" dirty="0"/>
+              <a:rPr lang="en-NO"/>
               <a:t>Topic replication factor</a:t>
             </a:r>
           </a:p>
@@ -19993,7 +20094,7 @@
           <a:p>
             <a:r>
               <a:rPr lang="en-NO" dirty="0"/>
-              <a:t>Note: As a rule, for factor N you can lose up to N-1 brokers and still recover data</a:t>
+              <a:t>Note: As a rule, for factor N you can lose up to N-1 brokers and still have all your data</a:t>
             </a:r>
           </a:p>
         </p:txBody>
@@ -20058,7 +20159,7 @@
 </p:sld>
 </file>
 
-<file path=ppt/slides/slide43.xml><?xml version="1.0" encoding="utf-8"?>
+<file path=ppt/slides/slide44.xml><?xml version="1.0" encoding="utf-8"?>
 <p:sld xmlns:a="http://schemas.openxmlformats.org/drawingml/2006/main" xmlns:r="http://schemas.openxmlformats.org/officeDocument/2006/relationships" xmlns:p="http://schemas.openxmlformats.org/presentationml/2006/main">
   <p:cSld>
     <p:spTree>
@@ -20097,7 +20198,7 @@
           <a:lstStyle/>
           <a:p>
             <a:r>
-              <a:rPr lang="en-NO" dirty="0"/>
+              <a:rPr lang="en-NO"/>
               <a:t>Partition leader</a:t>
             </a:r>
           </a:p>
@@ -20125,38 +20226,38 @@
           <a:lstStyle/>
           <a:p>
             <a:r>
-              <a:rPr lang="en-NO" sz="2600" dirty="0"/>
+              <a:rPr lang="en-NO" sz="2600"/>
               <a:t>At any time only one broker can be a leader for a given partition</a:t>
             </a:r>
           </a:p>
           <a:p>
             <a:pPr lvl="1"/>
             <a:r>
-              <a:rPr lang="en-NO" sz="2200" dirty="0"/>
+              <a:rPr lang="en-NO" sz="2200"/>
               <a:t>1 preffered leader chosen on topic creation</a:t>
             </a:r>
           </a:p>
           <a:p>
             <a:pPr lvl="1"/>
             <a:r>
-              <a:rPr lang="en-NO" sz="2200" dirty="0"/>
+              <a:rPr lang="en-NO" sz="2200"/>
               <a:t>Leader election if it goes down</a:t>
             </a:r>
           </a:p>
           <a:p>
             <a:r>
-              <a:rPr lang="en-NO" sz="2600" dirty="0"/>
+              <a:rPr lang="en-NO" sz="2600"/>
               <a:t>Producers can only send data to the broker that is leader of a partition</a:t>
             </a:r>
           </a:p>
           <a:p>
             <a:r>
-              <a:rPr lang="en-NO" sz="2600" dirty="0"/>
+              <a:rPr lang="en-NO" sz="2600"/>
               <a:t>Each partition has one leader and multiple ISR(in-sync replica)</a:t>
             </a:r>
           </a:p>
           <a:p>
-            <a:endParaRPr lang="en-NO" dirty="0"/>
+            <a:endParaRPr lang="en-NO"/>
           </a:p>
         </p:txBody>
       </p:sp>
@@ -20220,7 +20321,7 @@
 </p:sld>
 </file>
 
-<file path=ppt/slides/slide44.xml><?xml version="1.0" encoding="utf-8"?>
+<file path=ppt/slides/slide45.xml><?xml version="1.0" encoding="utf-8"?>
 <p:sld xmlns:a="http://schemas.openxmlformats.org/drawingml/2006/main" xmlns:r="http://schemas.openxmlformats.org/officeDocument/2006/relationships" xmlns:p="http://schemas.openxmlformats.org/presentationml/2006/main">
   <p:cSld>
     <p:spTree>
@@ -20353,7 +20454,7 @@
           <a:lstStyle/>
           <a:p>
             <a:r>
-              <a:rPr lang="en-NO" dirty="0"/>
+              <a:rPr lang="en-NO"/>
               <a:t>Default behavior for Producer/Consumer</a:t>
             </a:r>
           </a:p>
@@ -20383,13 +20484,13 @@
           <a:lstStyle/>
           <a:p>
             <a:r>
-              <a:rPr lang="en-NO" sz="2600" dirty="0"/>
+              <a:rPr lang="en-NO" sz="2600"/>
               <a:t>Producers send to the leader of the partition</a:t>
             </a:r>
           </a:p>
           <a:p>
             <a:r>
-              <a:rPr lang="en-NO" sz="2600" dirty="0"/>
+              <a:rPr lang="en-NO" sz="2600"/>
               <a:t>Consumers read from the leader, but can also read from replicas (&gt;= v2.4)</a:t>
             </a:r>
           </a:p>
@@ -20408,7 +20509,7 @@
 </p:sld>
 </file>
 
-<file path=ppt/slides/slide45.xml><?xml version="1.0" encoding="utf-8"?>
+<file path=ppt/slides/slide46.xml><?xml version="1.0" encoding="utf-8"?>
 <p:sld xmlns:a="http://schemas.openxmlformats.org/drawingml/2006/main" xmlns:r="http://schemas.openxmlformats.org/officeDocument/2006/relationships" xmlns:p="http://schemas.openxmlformats.org/presentationml/2006/main">
   <p:cSld>
     <p:spTree>
@@ -20494,7 +20595,7 @@
           <a:lstStyle/>
           <a:p>
             <a:r>
-              <a:rPr lang="en-NO" dirty="0"/>
+              <a:rPr lang="en-NO"/>
               <a:t>Producer Acknowledgements (acks)</a:t>
             </a:r>
           </a:p>
@@ -20527,36 +20628,36 @@
           <a:lstStyle/>
           <a:p>
             <a:r>
-              <a:rPr lang="en-NO" dirty="0"/>
+              <a:rPr lang="en-NO"/>
               <a:t>Producers can choose to receive acknowledgments of data writes</a:t>
             </a:r>
           </a:p>
           <a:p>
             <a:pPr lvl="1"/>
             <a:r>
-              <a:rPr lang="en-NO" dirty="0"/>
+              <a:rPr lang="en-NO"/>
               <a:t>acks=0: Producers won’t wait for acknowledgement (possible data loss)</a:t>
             </a:r>
           </a:p>
           <a:p>
             <a:pPr lvl="1"/>
             <a:r>
-              <a:rPr lang="en-GB" dirty="0"/>
+              <a:rPr lang="en-GB"/>
               <a:t>a</a:t>
             </a:r>
             <a:r>
-              <a:rPr lang="en-NO" dirty="0"/>
+              <a:rPr lang="en-NO"/>
               <a:t>cks=1: Producers will wait for leader acknowledgment (limited data loss)</a:t>
             </a:r>
           </a:p>
           <a:p>
             <a:pPr lvl="1"/>
             <a:r>
-              <a:rPr lang="en-GB" dirty="0"/>
+              <a:rPr lang="en-GB"/>
               <a:t>a</a:t>
             </a:r>
             <a:r>
-              <a:rPr lang="en-NO" dirty="0"/>
+              <a:rPr lang="en-NO"/>
               <a:t>cks=all=-1: Leader + replicas acknowledgment (no data loss)</a:t>
             </a:r>
           </a:p>
@@ -20575,7 +20676,7 @@
 </p:sld>
 </file>
 
-<file path=ppt/slides/slide46.xml><?xml version="1.0" encoding="utf-8"?>
+<file path=ppt/slides/slide47.xml><?xml version="1.0" encoding="utf-8"?>
 <p:sld xmlns:a="http://schemas.openxmlformats.org/drawingml/2006/main" xmlns:r="http://schemas.openxmlformats.org/officeDocument/2006/relationships" xmlns:p="http://schemas.openxmlformats.org/presentationml/2006/main">
   <p:cSld>
     <p:spTree>
@@ -20614,7 +20715,7 @@
           <a:lstStyle/>
           <a:p>
             <a:r>
-              <a:rPr lang="en-NO" dirty="0"/>
+              <a:rPr lang="en-NO"/>
               <a:t>Zookeeper</a:t>
             </a:r>
           </a:p>
@@ -20647,37 +20748,37 @@
           <a:lstStyle/>
           <a:p>
             <a:r>
-              <a:rPr lang="en-NO" dirty="0"/>
+              <a:rPr lang="en-NO"/>
               <a:t>Zookeeper manages brokers (Keeps a list of them)</a:t>
             </a:r>
           </a:p>
           <a:p>
             <a:r>
-              <a:rPr lang="en-NO" dirty="0"/>
+              <a:rPr lang="en-NO"/>
               <a:t>Zookeeper helps in performing leader election</a:t>
             </a:r>
           </a:p>
           <a:p>
             <a:r>
-              <a:rPr lang="en-NO" dirty="0"/>
+              <a:rPr lang="en-NO"/>
               <a:t>Zookeper sends notifiction to kafka in case of changes (e.g. new topic, delete topics, broker dies, etc…)</a:t>
             </a:r>
           </a:p>
           <a:p>
             <a:r>
-              <a:rPr lang="en-NO" dirty="0"/>
+              <a:rPr lang="en-NO"/>
               <a:t>Kafka 2.x cant work without zookeeper</a:t>
             </a:r>
           </a:p>
           <a:p>
             <a:r>
-              <a:rPr lang="en-NO" dirty="0"/>
+              <a:rPr lang="en-NO"/>
               <a:t>Kafka 3.x can work without Zookeeper – Kafka raft</a:t>
             </a:r>
           </a:p>
           <a:p>
             <a:r>
-              <a:rPr lang="en-NO" dirty="0"/>
+              <a:rPr lang="en-NO"/>
               <a:t>Kafka 4.x will not have Zookeeper</a:t>
             </a:r>
           </a:p>
@@ -20779,139 +20880,6 @@
 </p:sld>
 </file>
 
-<file path=ppt/slides/slide47.xml><?xml version="1.0" encoding="utf-8"?>
-<p:sld xmlns:a="http://schemas.openxmlformats.org/drawingml/2006/main" xmlns:r="http://schemas.openxmlformats.org/officeDocument/2006/relationships" xmlns:p="http://schemas.openxmlformats.org/presentationml/2006/main">
-  <p:cSld>
-    <p:spTree>
-      <p:nvGrpSpPr>
-        <p:cNvPr id="1" name=""/>
-        <p:cNvGrpSpPr/>
-        <p:nvPr/>
-      </p:nvGrpSpPr>
-      <p:grpSpPr>
-        <a:xfrm>
-          <a:off x="0" y="0"/>
-          <a:ext cx="0" cy="0"/>
-          <a:chOff x="0" y="0"/>
-          <a:chExt cx="0" cy="0"/>
-        </a:xfrm>
-      </p:grpSpPr>
-      <p:sp>
-        <p:nvSpPr>
-          <p:cNvPr id="2" name="Title 1">
-            <a:extLst>
-              <a:ext uri="{FF2B5EF4-FFF2-40B4-BE49-F238E27FC236}">
-                <a16:creationId xmlns:a16="http://schemas.microsoft.com/office/drawing/2014/main" id="{4609A40C-E4A2-9C5B-639C-17B8AA2A5E8F}"/>
-              </a:ext>
-            </a:extLst>
-          </p:cNvPr>
-          <p:cNvSpPr>
-            <a:spLocks noGrp="1"/>
-          </p:cNvSpPr>
-          <p:nvPr>
-            <p:ph type="title"/>
-          </p:nvPr>
-        </p:nvSpPr>
-        <p:spPr/>
-        <p:txBody>
-          <a:bodyPr/>
-          <a:lstStyle/>
-          <a:p>
-            <a:r>
-              <a:rPr lang="en-NO" dirty="0"/>
-              <a:t>Should you use Zookeeper?</a:t>
-            </a:r>
-          </a:p>
-        </p:txBody>
-      </p:sp>
-      <p:sp>
-        <p:nvSpPr>
-          <p:cNvPr id="3" name="Content Placeholder 2">
-            <a:extLst>
-              <a:ext uri="{FF2B5EF4-FFF2-40B4-BE49-F238E27FC236}">
-                <a16:creationId xmlns:a16="http://schemas.microsoft.com/office/drawing/2014/main" id="{67F89DBC-0EBD-0347-1570-95FFA839E55E}"/>
-              </a:ext>
-            </a:extLst>
-          </p:cNvPr>
-          <p:cNvSpPr>
-            <a:spLocks noGrp="1"/>
-          </p:cNvSpPr>
-          <p:nvPr>
-            <p:ph idx="1"/>
-          </p:nvPr>
-        </p:nvSpPr>
-        <p:spPr/>
-        <p:txBody>
-          <a:bodyPr/>
-          <a:lstStyle/>
-          <a:p>
-            <a:r>
-              <a:rPr lang="en-NO" dirty="0"/>
-              <a:t>With kafka brokers</a:t>
-            </a:r>
-          </a:p>
-          <a:p>
-            <a:pPr lvl="1"/>
-            <a:r>
-              <a:rPr lang="en-NO" dirty="0"/>
-              <a:t>Kafka Raft (K</a:t>
-            </a:r>
-            <a:r>
-              <a:rPr lang="en-GB" dirty="0"/>
-              <a:t>R</a:t>
-            </a:r>
-            <a:r>
-              <a:rPr lang="en-NO" dirty="0"/>
-              <a:t>aft) is production ready as of 3.3 (now 3.6)</a:t>
-            </a:r>
-          </a:p>
-          <a:p>
-            <a:pPr lvl="1"/>
-            <a:r>
-              <a:rPr lang="en-GB" dirty="0"/>
-              <a:t>4.0 is planned to be released in April 2024 </a:t>
-            </a:r>
-            <a:endParaRPr lang="en-NO" dirty="0"/>
-          </a:p>
-          <a:p>
-            <a:pPr lvl="1"/>
-            <a:r>
-              <a:rPr lang="en-NO" dirty="0"/>
-              <a:t>Yes &amp; No</a:t>
-            </a:r>
-          </a:p>
-          <a:p>
-            <a:r>
-              <a:rPr lang="en-NO" dirty="0"/>
-              <a:t>With Kafka Clients</a:t>
-            </a:r>
-          </a:p>
-          <a:p>
-            <a:pPr lvl="1"/>
-            <a:r>
-              <a:rPr lang="en-NO" dirty="0"/>
-              <a:t>Over time, the kafka clients and CLI have been migrated to leverage the brokers as connection endpoint</a:t>
-            </a:r>
-          </a:p>
-          <a:p>
-            <a:pPr lvl="1"/>
-            <a:endParaRPr lang="en-NO" dirty="0"/>
-          </a:p>
-        </p:txBody>
-      </p:sp>
-    </p:spTree>
-    <p:extLst>
-      <p:ext uri="{BB962C8B-B14F-4D97-AF65-F5344CB8AC3E}">
-        <p14:creationId xmlns:p14="http://schemas.microsoft.com/office/powerpoint/2010/main" val="2387474760"/>
-      </p:ext>
-    </p:extLst>
-  </p:cSld>
-  <p:clrMapOvr>
-    <a:masterClrMapping/>
-  </p:clrMapOvr>
-</p:sld>
-</file>
-
 <file path=ppt/slides/slide48.xml><?xml version="1.0" encoding="utf-8"?>
 <p:sld xmlns:a="http://schemas.openxmlformats.org/drawingml/2006/main" xmlns:r="http://schemas.openxmlformats.org/officeDocument/2006/relationships" xmlns:p="http://schemas.openxmlformats.org/presentationml/2006/main">
   <p:cSld>
@@ -20934,7 +20902,7 @@
           <p:cNvPr id="2" name="Title 1">
             <a:extLst>
               <a:ext uri="{FF2B5EF4-FFF2-40B4-BE49-F238E27FC236}">
-                <a16:creationId xmlns:a16="http://schemas.microsoft.com/office/drawing/2014/main" id="{8659FFAF-1889-2292-3B49-FDF6DCE827F5}"/>
+                <a16:creationId xmlns:a16="http://schemas.microsoft.com/office/drawing/2014/main" id="{4609A40C-E4A2-9C5B-639C-17B8AA2A5E8F}"/>
               </a:ext>
             </a:extLst>
           </p:cNvPr>
@@ -20951,8 +20919,8 @@
           <a:lstStyle/>
           <a:p>
             <a:r>
-              <a:rPr lang="en-NO" dirty="0"/>
-              <a:t>About Kafka KRaft</a:t>
+              <a:rPr lang="en-NO"/>
+              <a:t>Should you use Zookeeper?</a:t>
             </a:r>
           </a:p>
         </p:txBody>
@@ -20962,7 +20930,7 @@
           <p:cNvPr id="3" name="Content Placeholder 2">
             <a:extLst>
               <a:ext uri="{FF2B5EF4-FFF2-40B4-BE49-F238E27FC236}">
-                <a16:creationId xmlns:a16="http://schemas.microsoft.com/office/drawing/2014/main" id="{66C8161D-09A6-5716-04CA-35E213CBB78A}"/>
+                <a16:creationId xmlns:a16="http://schemas.microsoft.com/office/drawing/2014/main" id="{67F89DBC-0EBD-0347-1570-95FFA839E55E}"/>
               </a:ext>
             </a:extLst>
           </p:cNvPr>
@@ -20975,73 +20943,67 @@
         </p:nvSpPr>
         <p:spPr/>
         <p:txBody>
-          <a:bodyPr>
-            <a:normAutofit/>
-          </a:bodyPr>
-          <a:lstStyle/>
-          <a:p>
-            <a:r>
-              <a:rPr lang="en-NO" dirty="0"/>
-              <a:t>In 2022, the Apache Kafka project stated to work to remove Zookeeper</a:t>
-            </a:r>
-          </a:p>
-          <a:p>
-            <a:r>
-              <a:rPr lang="en-NO" dirty="0"/>
-              <a:t>Zookeper shows scaling issues when kafka clusters have &gt; 100 000 partitions</a:t>
-            </a:r>
-          </a:p>
-          <a:p>
-            <a:r>
-              <a:rPr lang="en-NO" dirty="0"/>
-              <a:t>By removing Zookeeper</a:t>
+          <a:bodyPr/>
+          <a:lstStyle/>
+          <a:p>
+            <a:r>
+              <a:rPr lang="en-NO"/>
+              <a:t>With kafka brokers</a:t>
             </a:r>
           </a:p>
           <a:p>
             <a:pPr lvl="1"/>
             <a:r>
-              <a:rPr lang="en-GB" dirty="0"/>
-              <a:t>Ability to scale to millions of partitions, easier to maintain and set up</a:t>
+              <a:rPr lang="en-NO"/>
+              <a:t>Kafka Raft (K</a:t>
+            </a:r>
+            <a:r>
+              <a:rPr lang="en-GB"/>
+              <a:t>R</a:t>
+            </a:r>
+            <a:r>
+              <a:rPr lang="en-NO"/>
+              <a:t>aft) is production ready as of 3.3 (now 3.6)</a:t>
             </a:r>
           </a:p>
           <a:p>
             <a:pPr lvl="1"/>
             <a:r>
-              <a:rPr lang="en-GB" dirty="0"/>
-              <a:t>Improved stability, easier to monitor, support, and administer</a:t>
-            </a:r>
+              <a:rPr lang="en-GB"/>
+              <a:t>4.0 is planned to be released in April 2024 </a:t>
+            </a:r>
+            <a:endParaRPr lang="en-NO"/>
           </a:p>
           <a:p>
             <a:pPr lvl="1"/>
             <a:r>
-              <a:rPr lang="en-GB" dirty="0"/>
-              <a:t>Single process to start Kafka</a:t>
+              <a:rPr lang="en-NO"/>
+              <a:t>Yes &amp; No</a:t>
+            </a:r>
+          </a:p>
+          <a:p>
+            <a:r>
+              <a:rPr lang="en-NO"/>
+              <a:t>With Kafka Clients</a:t>
             </a:r>
           </a:p>
           <a:p>
             <a:pPr lvl="1"/>
             <a:r>
-              <a:rPr lang="en-GB" dirty="0"/>
-              <a:t>Single security model for the whole system </a:t>
+              <a:rPr lang="en-NO"/>
+              <a:t>Over time, the kafka clients and CLI have been migrated to leverage the brokers as connection endpoint</a:t>
             </a:r>
           </a:p>
           <a:p>
             <a:pPr lvl="1"/>
-            <a:r>
-              <a:rPr lang="en-GB" dirty="0"/>
-              <a:t>Faster controller shutdown and recovery time</a:t>
-            </a:r>
-          </a:p>
-          <a:p>
-            <a:pPr lvl="1"/>
-            <a:endParaRPr lang="en-NO" dirty="0"/>
+            <a:endParaRPr lang="en-NO"/>
           </a:p>
         </p:txBody>
       </p:sp>
     </p:spTree>
     <p:extLst>
       <p:ext uri="{BB962C8B-B14F-4D97-AF65-F5344CB8AC3E}">
-        <p14:creationId xmlns:p14="http://schemas.microsoft.com/office/powerpoint/2010/main" val="1045490"/>
+        <p14:creationId xmlns:p14="http://schemas.microsoft.com/office/powerpoint/2010/main" val="2387474760"/>
       </p:ext>
     </p:extLst>
   </p:cSld>
@@ -21073,6 +21035,364 @@
           <p:cNvPr id="2" name="Title 1">
             <a:extLst>
               <a:ext uri="{FF2B5EF4-FFF2-40B4-BE49-F238E27FC236}">
+                <a16:creationId xmlns:a16="http://schemas.microsoft.com/office/drawing/2014/main" id="{8659FFAF-1889-2292-3B49-FDF6DCE827F5}"/>
+              </a:ext>
+            </a:extLst>
+          </p:cNvPr>
+          <p:cNvSpPr>
+            <a:spLocks noGrp="1"/>
+          </p:cNvSpPr>
+          <p:nvPr>
+            <p:ph type="title"/>
+          </p:nvPr>
+        </p:nvSpPr>
+        <p:spPr/>
+        <p:txBody>
+          <a:bodyPr/>
+          <a:lstStyle/>
+          <a:p>
+            <a:r>
+              <a:rPr lang="en-NO"/>
+              <a:t>About Kafka KRaft</a:t>
+            </a:r>
+          </a:p>
+        </p:txBody>
+      </p:sp>
+      <p:sp>
+        <p:nvSpPr>
+          <p:cNvPr id="3" name="Content Placeholder 2">
+            <a:extLst>
+              <a:ext uri="{FF2B5EF4-FFF2-40B4-BE49-F238E27FC236}">
+                <a16:creationId xmlns:a16="http://schemas.microsoft.com/office/drawing/2014/main" id="{66C8161D-09A6-5716-04CA-35E213CBB78A}"/>
+              </a:ext>
+            </a:extLst>
+          </p:cNvPr>
+          <p:cNvSpPr>
+            <a:spLocks noGrp="1"/>
+          </p:cNvSpPr>
+          <p:nvPr>
+            <p:ph idx="1"/>
+          </p:nvPr>
+        </p:nvSpPr>
+        <p:spPr/>
+        <p:txBody>
+          <a:bodyPr>
+            <a:normAutofit/>
+          </a:bodyPr>
+          <a:lstStyle/>
+          <a:p>
+            <a:r>
+              <a:rPr lang="en-NO"/>
+              <a:t>In 2022, the Apache Kafka project stated to work to remove Zookeeper</a:t>
+            </a:r>
+          </a:p>
+          <a:p>
+            <a:r>
+              <a:rPr lang="en-NO"/>
+              <a:t>Zookeper shows scaling issues when kafka clusters have &gt; 100 000 partitions</a:t>
+            </a:r>
+          </a:p>
+          <a:p>
+            <a:r>
+              <a:rPr lang="en-NO"/>
+              <a:t>By removing Zookeeper</a:t>
+            </a:r>
+          </a:p>
+          <a:p>
+            <a:pPr lvl="1"/>
+            <a:r>
+              <a:rPr lang="en-GB"/>
+              <a:t>Ability to scale to millions of partitions, easier to maintain and set up</a:t>
+            </a:r>
+          </a:p>
+          <a:p>
+            <a:pPr lvl="1"/>
+            <a:r>
+              <a:rPr lang="en-GB"/>
+              <a:t>Improved stability, easier to monitor, support, and administer</a:t>
+            </a:r>
+          </a:p>
+          <a:p>
+            <a:pPr lvl="1"/>
+            <a:r>
+              <a:rPr lang="en-GB"/>
+              <a:t>Single process to start Kafka</a:t>
+            </a:r>
+          </a:p>
+          <a:p>
+            <a:pPr lvl="1"/>
+            <a:r>
+              <a:rPr lang="en-GB"/>
+              <a:t>Single security model for the whole system </a:t>
+            </a:r>
+          </a:p>
+          <a:p>
+            <a:pPr lvl="1"/>
+            <a:r>
+              <a:rPr lang="en-GB"/>
+              <a:t>Faster controller shutdown and recovery time</a:t>
+            </a:r>
+          </a:p>
+          <a:p>
+            <a:pPr lvl="1"/>
+            <a:endParaRPr lang="en-NO"/>
+          </a:p>
+        </p:txBody>
+      </p:sp>
+    </p:spTree>
+    <p:extLst>
+      <p:ext uri="{BB962C8B-B14F-4D97-AF65-F5344CB8AC3E}">
+        <p14:creationId xmlns:p14="http://schemas.microsoft.com/office/powerpoint/2010/main" val="1045490"/>
+      </p:ext>
+    </p:extLst>
+  </p:cSld>
+  <p:clrMapOvr>
+    <a:masterClrMapping/>
+  </p:clrMapOvr>
+</p:sld>
+</file>
+
+<file path=ppt/slides/slide5.xml><?xml version="1.0" encoding="utf-8"?>
+<p:sld xmlns:a="http://schemas.openxmlformats.org/drawingml/2006/main" xmlns:r="http://schemas.openxmlformats.org/officeDocument/2006/relationships" xmlns:p="http://schemas.openxmlformats.org/presentationml/2006/main">
+  <p:cSld>
+    <p:spTree>
+      <p:nvGrpSpPr>
+        <p:cNvPr id="1" name=""/>
+        <p:cNvGrpSpPr/>
+        <p:nvPr/>
+      </p:nvGrpSpPr>
+      <p:grpSpPr>
+        <a:xfrm>
+          <a:off x="0" y="0"/>
+          <a:ext cx="0" cy="0"/>
+          <a:chOff x="0" y="0"/>
+          <a:chExt cx="0" cy="0"/>
+        </a:xfrm>
+      </p:grpSpPr>
+      <p:sp>
+        <p:nvSpPr>
+          <p:cNvPr id="2" name="Title 1">
+            <a:extLst>
+              <a:ext uri="{FF2B5EF4-FFF2-40B4-BE49-F238E27FC236}">
+                <a16:creationId xmlns:a16="http://schemas.microsoft.com/office/drawing/2014/main" id="{878B201D-61DC-EFB7-8C15-C08194E8F4E1}"/>
+              </a:ext>
+            </a:extLst>
+          </p:cNvPr>
+          <p:cNvSpPr>
+            <a:spLocks noGrp="1"/>
+          </p:cNvSpPr>
+          <p:nvPr>
+            <p:ph type="title"/>
+          </p:nvPr>
+        </p:nvSpPr>
+        <p:spPr/>
+        <p:txBody>
+          <a:bodyPr/>
+          <a:lstStyle/>
+          <a:p>
+            <a:r>
+              <a:rPr lang="en-US" b="1">
+                <a:ea typeface="+mj-lt"/>
+                <a:cs typeface="+mj-lt"/>
+              </a:rPr>
+              <a:t>Introduction to Docker and Container Technology</a:t>
+            </a:r>
+            <a:endParaRPr lang="en-US"/>
+          </a:p>
+        </p:txBody>
+      </p:sp>
+      <p:sp>
+        <p:nvSpPr>
+          <p:cNvPr id="3" name="Content Placeholder 2">
+            <a:extLst>
+              <a:ext uri="{FF2B5EF4-FFF2-40B4-BE49-F238E27FC236}">
+                <a16:creationId xmlns:a16="http://schemas.microsoft.com/office/drawing/2014/main" id="{58AB7CE4-A859-0311-53AA-DB2260AB0D38}"/>
+              </a:ext>
+            </a:extLst>
+          </p:cNvPr>
+          <p:cNvSpPr>
+            <a:spLocks noGrp="1"/>
+          </p:cNvSpPr>
+          <p:nvPr>
+            <p:ph idx="1"/>
+          </p:nvPr>
+        </p:nvSpPr>
+        <p:spPr>
+          <a:xfrm>
+            <a:off x="838200" y="1825625"/>
+            <a:ext cx="10515600" cy="4926180"/>
+          </a:xfrm>
+        </p:spPr>
+        <p:txBody>
+          <a:bodyPr vert="horz" lIns="91440" tIns="45720" rIns="91440" bIns="45720" rtlCol="0" anchor="t">
+            <a:normAutofit/>
+          </a:bodyPr>
+          <a:lstStyle/>
+          <a:p>
+            <a:r>
+              <a:rPr lang="en-US">
+                <a:ea typeface="+mn-lt"/>
+                <a:cs typeface="+mn-lt"/>
+              </a:rPr>
+              <a:t>Key Concepts: </a:t>
+            </a:r>
+            <a:endParaRPr lang="en-US"/>
+          </a:p>
+          <a:p>
+            <a:pPr lvl="1">
+              <a:buFont typeface="Courier New" panose="020B0604020202020204" pitchFamily="34" charset="0"/>
+              <a:buChar char="o"/>
+            </a:pPr>
+            <a:r>
+              <a:rPr lang="en-US">
+                <a:ea typeface="+mn-lt"/>
+                <a:cs typeface="+mn-lt"/>
+              </a:rPr>
+              <a:t>Containerization </a:t>
+            </a:r>
+          </a:p>
+          <a:p>
+            <a:pPr lvl="1">
+              <a:buFont typeface="Courier New" panose="020B0604020202020204" pitchFamily="34" charset="0"/>
+              <a:buChar char="o"/>
+            </a:pPr>
+            <a:r>
+              <a:rPr lang="en-US">
+                <a:ea typeface="+mn-lt"/>
+                <a:cs typeface="+mn-lt"/>
+              </a:rPr>
+              <a:t>Isolation</a:t>
+            </a:r>
+            <a:endParaRPr lang="en-US">
+              <a:cs typeface="Calibri"/>
+            </a:endParaRPr>
+          </a:p>
+          <a:p>
+            <a:r>
+              <a:rPr lang="en-US">
+                <a:ea typeface="+mn-lt"/>
+                <a:cs typeface="+mn-lt"/>
+              </a:rPr>
+              <a:t>Advantages: </a:t>
+            </a:r>
+          </a:p>
+          <a:p>
+            <a:pPr lvl="1">
+              <a:buFont typeface="Courier New" panose="020B0604020202020204" pitchFamily="34" charset="0"/>
+              <a:buChar char="o"/>
+            </a:pPr>
+            <a:r>
+              <a:rPr lang="en-US">
+                <a:ea typeface="+mn-lt"/>
+                <a:cs typeface="+mn-lt"/>
+              </a:rPr>
+              <a:t>Portability</a:t>
+            </a:r>
+          </a:p>
+          <a:p>
+            <a:pPr lvl="1">
+              <a:buFont typeface="Courier New" panose="020B0604020202020204" pitchFamily="34" charset="0"/>
+              <a:buChar char="o"/>
+            </a:pPr>
+            <a:r>
+              <a:rPr lang="en-US">
+                <a:ea typeface="+mn-lt"/>
+                <a:cs typeface="+mn-lt"/>
+              </a:rPr>
+              <a:t>Efficiency</a:t>
+            </a:r>
+            <a:endParaRPr lang="en-US">
+              <a:cs typeface="Calibri"/>
+            </a:endParaRPr>
+          </a:p>
+          <a:p>
+            <a:r>
+              <a:rPr lang="en-US">
+                <a:ea typeface="+mn-lt"/>
+                <a:cs typeface="+mn-lt"/>
+              </a:rPr>
+              <a:t>Use Cases: </a:t>
+            </a:r>
+          </a:p>
+          <a:p>
+            <a:pPr lvl="1">
+              <a:buFont typeface="Courier New" panose="020B0604020202020204" pitchFamily="34" charset="0"/>
+              <a:buChar char="o"/>
+            </a:pPr>
+            <a:r>
+              <a:rPr lang="en-US">
+                <a:ea typeface="+mn-lt"/>
+                <a:cs typeface="+mn-lt"/>
+              </a:rPr>
+              <a:t>Microservices Architecture, </a:t>
+            </a:r>
+          </a:p>
+          <a:p>
+            <a:pPr lvl="1">
+              <a:buFont typeface="Courier New" panose="020B0604020202020204" pitchFamily="34" charset="0"/>
+              <a:buChar char="o"/>
+            </a:pPr>
+            <a:r>
+              <a:rPr lang="en-US">
+                <a:ea typeface="+mn-lt"/>
+                <a:cs typeface="+mn-lt"/>
+              </a:rPr>
+              <a:t>DevOps, </a:t>
+            </a:r>
+          </a:p>
+          <a:p>
+            <a:pPr lvl="1">
+              <a:buFont typeface="Courier New" panose="020B0604020202020204" pitchFamily="34" charset="0"/>
+              <a:buChar char="o"/>
+            </a:pPr>
+            <a:r>
+              <a:rPr lang="en-US">
+                <a:ea typeface="+mn-lt"/>
+                <a:cs typeface="+mn-lt"/>
+              </a:rPr>
+              <a:t>Local development</a:t>
+            </a:r>
+            <a:endParaRPr lang="en-US">
+              <a:cs typeface="Calibri"/>
+            </a:endParaRPr>
+          </a:p>
+        </p:txBody>
+      </p:sp>
+    </p:spTree>
+    <p:extLst>
+      <p:ext uri="{BB962C8B-B14F-4D97-AF65-F5344CB8AC3E}">
+        <p14:creationId xmlns:p14="http://schemas.microsoft.com/office/powerpoint/2010/main" val="238978680"/>
+      </p:ext>
+    </p:extLst>
+  </p:cSld>
+  <p:clrMapOvr>
+    <a:masterClrMapping/>
+  </p:clrMapOvr>
+</p:sld>
+</file>
+
+<file path=ppt/slides/slide50.xml><?xml version="1.0" encoding="utf-8"?>
+<p:sld xmlns:a="http://schemas.openxmlformats.org/drawingml/2006/main" xmlns:r="http://schemas.openxmlformats.org/officeDocument/2006/relationships" xmlns:p="http://schemas.openxmlformats.org/presentationml/2006/main">
+  <p:cSld>
+    <p:spTree>
+      <p:nvGrpSpPr>
+        <p:cNvPr id="1" name=""/>
+        <p:cNvGrpSpPr/>
+        <p:nvPr/>
+      </p:nvGrpSpPr>
+      <p:grpSpPr>
+        <a:xfrm>
+          <a:off x="0" y="0"/>
+          <a:ext cx="0" cy="0"/>
+          <a:chOff x="0" y="0"/>
+          <a:chExt cx="0" cy="0"/>
+        </a:xfrm>
+      </p:grpSpPr>
+      <p:sp>
+        <p:nvSpPr>
+          <p:cNvPr id="2" name="Title 1">
+            <a:extLst>
+              <a:ext uri="{FF2B5EF4-FFF2-40B4-BE49-F238E27FC236}">
                 <a16:creationId xmlns:a16="http://schemas.microsoft.com/office/drawing/2014/main" id="{FDABB67A-3752-C678-579B-568175B84EEC}"/>
               </a:ext>
             </a:extLst>
@@ -21090,15 +21410,15 @@
           <a:lstStyle/>
           <a:p>
             <a:r>
-              <a:rPr lang="en-NO" dirty="0"/>
+              <a:rPr lang="en-NO"/>
               <a:t>Kafka K</a:t>
             </a:r>
             <a:r>
-              <a:rPr lang="en-GB" dirty="0"/>
+              <a:rPr lang="en-GB"/>
               <a:t>R</a:t>
             </a:r>
             <a:r>
-              <a:rPr lang="en-NO" dirty="0"/>
+              <a:rPr lang="en-NO"/>
               <a:t>aft - Architecture</a:t>
             </a:r>
           </a:p>
@@ -21164,7 +21484,7 @@
 </p:sld>
 </file>
 
-<file path=ppt/slides/slide5.xml><?xml version="1.0" encoding="utf-8"?>
+<file path=ppt/slides/slide51.xml><?xml version="1.0" encoding="utf-8"?>
 <p:sld xmlns:a="http://schemas.openxmlformats.org/drawingml/2006/main" xmlns:r="http://schemas.openxmlformats.org/officeDocument/2006/relationships" xmlns:p="http://schemas.openxmlformats.org/presentationml/2006/main">
   <p:cSld>
     <p:spTree>
@@ -21186,7 +21506,7 @@
           <p:cNvPr id="2" name="Title 1">
             <a:extLst>
               <a:ext uri="{FF2B5EF4-FFF2-40B4-BE49-F238E27FC236}">
-                <a16:creationId xmlns:a16="http://schemas.microsoft.com/office/drawing/2014/main" id="{878B201D-61DC-EFB7-8C15-C08194E8F4E1}"/>
+                <a16:creationId xmlns:a16="http://schemas.microsoft.com/office/drawing/2014/main" id="{0650FE13-8D68-8F51-AEB6-DFE042CA32FC}"/>
               </a:ext>
             </a:extLst>
           </p:cNvPr>
@@ -21203,226 +21523,7 @@
           <a:lstStyle/>
           <a:p>
             <a:r>
-              <a:rPr lang="en-US" b="1" dirty="0">
-                <a:ea typeface="+mj-lt"/>
-                <a:cs typeface="+mj-lt"/>
-              </a:rPr>
-              <a:t>Introduction to Docker and Container Technology</a:t>
-            </a:r>
-            <a:endParaRPr lang="en-US" dirty="0"/>
-          </a:p>
-        </p:txBody>
-      </p:sp>
-      <p:sp>
-        <p:nvSpPr>
-          <p:cNvPr id="3" name="Content Placeholder 2">
-            <a:extLst>
-              <a:ext uri="{FF2B5EF4-FFF2-40B4-BE49-F238E27FC236}">
-                <a16:creationId xmlns:a16="http://schemas.microsoft.com/office/drawing/2014/main" id="{58AB7CE4-A859-0311-53AA-DB2260AB0D38}"/>
-              </a:ext>
-            </a:extLst>
-          </p:cNvPr>
-          <p:cNvSpPr>
-            <a:spLocks noGrp="1"/>
-          </p:cNvSpPr>
-          <p:nvPr>
-            <p:ph idx="1"/>
-          </p:nvPr>
-        </p:nvSpPr>
-        <p:spPr>
-          <a:xfrm>
-            <a:off x="838200" y="1825625"/>
-            <a:ext cx="10515600" cy="4926180"/>
-          </a:xfrm>
-        </p:spPr>
-        <p:txBody>
-          <a:bodyPr vert="horz" lIns="91440" tIns="45720" rIns="91440" bIns="45720" rtlCol="0" anchor="t">
-            <a:normAutofit/>
-          </a:bodyPr>
-          <a:lstStyle/>
-          <a:p>
-            <a:r>
-              <a:rPr lang="en-US" dirty="0">
-                <a:ea typeface="+mn-lt"/>
-                <a:cs typeface="+mn-lt"/>
-              </a:rPr>
-              <a:t>Key Concepts: </a:t>
-            </a:r>
-            <a:endParaRPr lang="en-US" dirty="0"/>
-          </a:p>
-          <a:p>
-            <a:pPr lvl="1">
-              <a:buFont typeface="Courier New" panose="020B0604020202020204" pitchFamily="34" charset="0"/>
-              <a:buChar char="o"/>
-            </a:pPr>
-            <a:r>
-              <a:rPr lang="en-US" dirty="0">
-                <a:ea typeface="+mn-lt"/>
-                <a:cs typeface="+mn-lt"/>
-              </a:rPr>
-              <a:t>Containerization </a:t>
-            </a:r>
-          </a:p>
-          <a:p>
-            <a:pPr lvl="1">
-              <a:buFont typeface="Courier New" panose="020B0604020202020204" pitchFamily="34" charset="0"/>
-              <a:buChar char="o"/>
-            </a:pPr>
-            <a:r>
-              <a:rPr lang="en-US" dirty="0">
-                <a:ea typeface="+mn-lt"/>
-                <a:cs typeface="+mn-lt"/>
-              </a:rPr>
-              <a:t>Isolation</a:t>
-            </a:r>
-            <a:endParaRPr lang="en-US" dirty="0">
-              <a:cs typeface="Calibri"/>
-            </a:endParaRPr>
-          </a:p>
-          <a:p>
-            <a:r>
-              <a:rPr lang="en-US" dirty="0">
-                <a:ea typeface="+mn-lt"/>
-                <a:cs typeface="+mn-lt"/>
-              </a:rPr>
-              <a:t>Advantages: </a:t>
-            </a:r>
-          </a:p>
-          <a:p>
-            <a:pPr lvl="1">
-              <a:buFont typeface="Courier New" panose="020B0604020202020204" pitchFamily="34" charset="0"/>
-              <a:buChar char="o"/>
-            </a:pPr>
-            <a:r>
-              <a:rPr lang="en-US" dirty="0">
-                <a:ea typeface="+mn-lt"/>
-                <a:cs typeface="+mn-lt"/>
-              </a:rPr>
-              <a:t>Portability</a:t>
-            </a:r>
-          </a:p>
-          <a:p>
-            <a:pPr lvl="1">
-              <a:buFont typeface="Courier New" panose="020B0604020202020204" pitchFamily="34" charset="0"/>
-              <a:buChar char="o"/>
-            </a:pPr>
-            <a:r>
-              <a:rPr lang="en-US" dirty="0">
-                <a:ea typeface="+mn-lt"/>
-                <a:cs typeface="+mn-lt"/>
-              </a:rPr>
-              <a:t>Efficiency</a:t>
-            </a:r>
-            <a:endParaRPr lang="en-US" dirty="0">
-              <a:cs typeface="Calibri"/>
-            </a:endParaRPr>
-          </a:p>
-          <a:p>
-            <a:r>
-              <a:rPr lang="en-US" dirty="0">
-                <a:ea typeface="+mn-lt"/>
-                <a:cs typeface="+mn-lt"/>
-              </a:rPr>
-              <a:t>Use Cases: </a:t>
-            </a:r>
-          </a:p>
-          <a:p>
-            <a:pPr lvl="1">
-              <a:buFont typeface="Courier New" panose="020B0604020202020204" pitchFamily="34" charset="0"/>
-              <a:buChar char="o"/>
-            </a:pPr>
-            <a:r>
-              <a:rPr lang="en-US" dirty="0">
-                <a:ea typeface="+mn-lt"/>
-                <a:cs typeface="+mn-lt"/>
-              </a:rPr>
-              <a:t>Microservices Architecture, </a:t>
-            </a:r>
-          </a:p>
-          <a:p>
-            <a:pPr lvl="1">
-              <a:buFont typeface="Courier New" panose="020B0604020202020204" pitchFamily="34" charset="0"/>
-              <a:buChar char="o"/>
-            </a:pPr>
-            <a:r>
-              <a:rPr lang="en-US" dirty="0">
-                <a:ea typeface="+mn-lt"/>
-                <a:cs typeface="+mn-lt"/>
-              </a:rPr>
-              <a:t>DevOps, </a:t>
-            </a:r>
-          </a:p>
-          <a:p>
-            <a:pPr lvl="1">
-              <a:buFont typeface="Courier New" panose="020B0604020202020204" pitchFamily="34" charset="0"/>
-              <a:buChar char="o"/>
-            </a:pPr>
-            <a:r>
-              <a:rPr lang="en-US" dirty="0">
-                <a:ea typeface="+mn-lt"/>
-                <a:cs typeface="+mn-lt"/>
-              </a:rPr>
-              <a:t>Local development</a:t>
-            </a:r>
-            <a:endParaRPr lang="en-US" dirty="0">
-              <a:cs typeface="Calibri"/>
-            </a:endParaRPr>
-          </a:p>
-        </p:txBody>
-      </p:sp>
-    </p:spTree>
-    <p:extLst>
-      <p:ext uri="{BB962C8B-B14F-4D97-AF65-F5344CB8AC3E}">
-        <p14:creationId xmlns:p14="http://schemas.microsoft.com/office/powerpoint/2010/main" val="238978680"/>
-      </p:ext>
-    </p:extLst>
-  </p:cSld>
-  <p:clrMapOvr>
-    <a:masterClrMapping/>
-  </p:clrMapOvr>
-</p:sld>
-</file>
-
-<file path=ppt/slides/slide50.xml><?xml version="1.0" encoding="utf-8"?>
-<p:sld xmlns:a="http://schemas.openxmlformats.org/drawingml/2006/main" xmlns:r="http://schemas.openxmlformats.org/officeDocument/2006/relationships" xmlns:p="http://schemas.openxmlformats.org/presentationml/2006/main">
-  <p:cSld>
-    <p:spTree>
-      <p:nvGrpSpPr>
-        <p:cNvPr id="1" name=""/>
-        <p:cNvGrpSpPr/>
-        <p:nvPr/>
-      </p:nvGrpSpPr>
-      <p:grpSpPr>
-        <a:xfrm>
-          <a:off x="0" y="0"/>
-          <a:ext cx="0" cy="0"/>
-          <a:chOff x="0" y="0"/>
-          <a:chExt cx="0" cy="0"/>
-        </a:xfrm>
-      </p:grpSpPr>
-      <p:sp>
-        <p:nvSpPr>
-          <p:cNvPr id="2" name="Title 1">
-            <a:extLst>
-              <a:ext uri="{FF2B5EF4-FFF2-40B4-BE49-F238E27FC236}">
-                <a16:creationId xmlns:a16="http://schemas.microsoft.com/office/drawing/2014/main" id="{0650FE13-8D68-8F51-AEB6-DFE042CA32FC}"/>
-              </a:ext>
-            </a:extLst>
-          </p:cNvPr>
-          <p:cNvSpPr>
-            <a:spLocks noGrp="1"/>
-          </p:cNvSpPr>
-          <p:nvPr>
-            <p:ph type="title"/>
-          </p:nvPr>
-        </p:nvSpPr>
-        <p:spPr/>
-        <p:txBody>
-          <a:bodyPr/>
-          <a:lstStyle/>
-          <a:p>
-            <a:r>
-              <a:rPr lang="en-NO" dirty="0"/>
+              <a:rPr lang="en-NO"/>
               <a:t>Theory – Round-up</a:t>
             </a:r>
           </a:p>
@@ -21488,120 +21589,6 @@
 </p:sld>
 </file>
 
-<file path=ppt/slides/slide51.xml><?xml version="1.0" encoding="utf-8"?>
-<p:sld xmlns:a="http://schemas.openxmlformats.org/drawingml/2006/main" xmlns:r="http://schemas.openxmlformats.org/officeDocument/2006/relationships" xmlns:p="http://schemas.openxmlformats.org/presentationml/2006/main">
-  <p:cSld>
-    <p:spTree>
-      <p:nvGrpSpPr>
-        <p:cNvPr id="1" name=""/>
-        <p:cNvGrpSpPr/>
-        <p:nvPr/>
-      </p:nvGrpSpPr>
-      <p:grpSpPr>
-        <a:xfrm>
-          <a:off x="0" y="0"/>
-          <a:ext cx="0" cy="0"/>
-          <a:chOff x="0" y="0"/>
-          <a:chExt cx="0" cy="0"/>
-        </a:xfrm>
-      </p:grpSpPr>
-      <p:sp>
-        <p:nvSpPr>
-          <p:cNvPr id="2" name="Title 1">
-            <a:extLst>
-              <a:ext uri="{FF2B5EF4-FFF2-40B4-BE49-F238E27FC236}">
-                <a16:creationId xmlns:a16="http://schemas.microsoft.com/office/drawing/2014/main" id="{D7F361B4-5168-3818-7578-7EC5EE81D254}"/>
-              </a:ext>
-            </a:extLst>
-          </p:cNvPr>
-          <p:cNvSpPr>
-            <a:spLocks noGrp="1"/>
-          </p:cNvSpPr>
-          <p:nvPr>
-            <p:ph type="title"/>
-          </p:nvPr>
-        </p:nvSpPr>
-        <p:spPr/>
-        <p:txBody>
-          <a:bodyPr/>
-          <a:lstStyle/>
-          <a:p>
-            <a:r>
-              <a:rPr lang="en-NO" dirty="0"/>
-              <a:t>Sources – since that is important now a days</a:t>
-            </a:r>
-          </a:p>
-        </p:txBody>
-      </p:sp>
-      <p:sp>
-        <p:nvSpPr>
-          <p:cNvPr id="3" name="Content Placeholder 2">
-            <a:extLst>
-              <a:ext uri="{FF2B5EF4-FFF2-40B4-BE49-F238E27FC236}">
-                <a16:creationId xmlns:a16="http://schemas.microsoft.com/office/drawing/2014/main" id="{4B419D3E-C33C-BF14-E083-7AA0EB207105}"/>
-              </a:ext>
-            </a:extLst>
-          </p:cNvPr>
-          <p:cNvSpPr>
-            <a:spLocks noGrp="1"/>
-          </p:cNvSpPr>
-          <p:nvPr>
-            <p:ph idx="1"/>
-          </p:nvPr>
-        </p:nvSpPr>
-        <p:spPr/>
-        <p:txBody>
-          <a:bodyPr/>
-          <a:lstStyle/>
-          <a:p>
-            <a:r>
-              <a:rPr lang="en-GB" dirty="0">
-                <a:hlinkClick r:id="rId2"/>
-              </a:rPr>
-              <a:t>https://www.udemy.com/course/apache-kafka/</a:t>
-            </a:r>
-            <a:endParaRPr lang="en-GB" dirty="0"/>
-          </a:p>
-          <a:p>
-            <a:r>
-              <a:rPr lang="en-GB" dirty="0">
-                <a:hlinkClick r:id="rId3"/>
-              </a:rPr>
-              <a:t>https://www.conduktor.io/kafka/</a:t>
-            </a:r>
-            <a:endParaRPr lang="en-GB" dirty="0"/>
-          </a:p>
-          <a:p>
-            <a:pPr lvl="1"/>
-            <a:r>
-              <a:rPr lang="en-GB" dirty="0"/>
-              <a:t>Most of the </a:t>
-            </a:r>
-            <a:r>
-              <a:rPr lang="en-GB" dirty="0" err="1"/>
-              <a:t>kafka</a:t>
-            </a:r>
-            <a:r>
-              <a:rPr lang="en-GB"/>
-              <a:t> images are from here</a:t>
-            </a:r>
-            <a:endParaRPr lang="en-NO" dirty="0"/>
-          </a:p>
-        </p:txBody>
-      </p:sp>
-    </p:spTree>
-    <p:extLst>
-      <p:ext uri="{BB962C8B-B14F-4D97-AF65-F5344CB8AC3E}">
-        <p14:creationId xmlns:p14="http://schemas.microsoft.com/office/powerpoint/2010/main" val="2255175424"/>
-      </p:ext>
-    </p:extLst>
-  </p:cSld>
-  <p:clrMapOvr>
-    <a:masterClrMapping/>
-  </p:clrMapOvr>
-</p:sld>
-</file>
-
 <file path=ppt/slides/slide52.xml><?xml version="1.0" encoding="utf-8"?>
 <p:sld xmlns:a="http://schemas.openxmlformats.org/drawingml/2006/main" xmlns:r="http://schemas.openxmlformats.org/officeDocument/2006/relationships" xmlns:p="http://schemas.openxmlformats.org/presentationml/2006/main">
   <p:cSld>
@@ -21624,7 +21611,7 @@
           <p:cNvPr id="2" name="Title 1">
             <a:extLst>
               <a:ext uri="{FF2B5EF4-FFF2-40B4-BE49-F238E27FC236}">
-                <a16:creationId xmlns:a16="http://schemas.microsoft.com/office/drawing/2014/main" id="{F9F911E5-6C83-4C44-6B11-CC5122274A34}"/>
+                <a16:creationId xmlns:a16="http://schemas.microsoft.com/office/drawing/2014/main" id="{D7F361B4-5168-3818-7578-7EC5EE81D254}"/>
               </a:ext>
             </a:extLst>
           </p:cNvPr>
@@ -21641,8 +21628,8 @@
           <a:lstStyle/>
           <a:p>
             <a:r>
-              <a:rPr lang="en-NO" dirty="0"/>
-              <a:t>To the tasks!</a:t>
+              <a:rPr lang="en-NO"/>
+              <a:t>Sources – since that is important now a days</a:t>
             </a:r>
           </a:p>
         </p:txBody>
@@ -21652,7 +21639,7 @@
           <p:cNvPr id="3" name="Content Placeholder 2">
             <a:extLst>
               <a:ext uri="{FF2B5EF4-FFF2-40B4-BE49-F238E27FC236}">
-                <a16:creationId xmlns:a16="http://schemas.microsoft.com/office/drawing/2014/main" id="{C14E9F07-E5BB-1572-75D2-791E7423C76C}"/>
+                <a16:creationId xmlns:a16="http://schemas.microsoft.com/office/drawing/2014/main" id="{4B419D3E-C33C-BF14-E083-7AA0EB207105}"/>
               </a:ext>
             </a:extLst>
           </p:cNvPr>
@@ -21669,64 +21656,44 @@
           <a:lstStyle/>
           <a:p>
             <a:r>
-              <a:rPr lang="en-NO" dirty="0"/>
-              <a:t>GitHub</a:t>
-            </a:r>
+              <a:rPr lang="en-GB">
+                <a:hlinkClick r:id="rId2"/>
+              </a:rPr>
+              <a:t>https://www.udemy.com/course/apache-kafka/</a:t>
+            </a:r>
+            <a:endParaRPr lang="en-GB"/>
+          </a:p>
+          <a:p>
+            <a:r>
+              <a:rPr lang="en-GB">
+                <a:hlinkClick r:id="rId3"/>
+              </a:rPr>
+              <a:t>https://www.conduktor.io/kafka/</a:t>
+            </a:r>
+            <a:endParaRPr lang="en-GB"/>
           </a:p>
           <a:p>
             <a:pPr lvl="1"/>
             <a:r>
-              <a:rPr lang="en-NO" dirty="0"/>
-              <a:t>CLI</a:t>
-            </a:r>
-          </a:p>
-          <a:p>
-            <a:pPr lvl="1"/>
-            <a:r>
-              <a:rPr lang="en-NO" dirty="0"/>
-              <a:t>Code</a:t>
-            </a:r>
-          </a:p>
-          <a:p>
-            <a:pPr lvl="1"/>
-            <a:r>
-              <a:rPr lang="en-NO" dirty="0"/>
-              <a:t>Forum</a:t>
-            </a:r>
-          </a:p>
-          <a:p>
-            <a:endParaRPr lang="en-NO" dirty="0"/>
-          </a:p>
-          <a:p>
-            <a:r>
-              <a:rPr lang="en-NO" dirty="0"/>
-              <a:t>Are you done? Have some fun</a:t>
-            </a:r>
-          </a:p>
-          <a:p>
-            <a:pPr lvl="1"/>
-            <a:r>
-              <a:rPr lang="nb-NO" dirty="0" err="1"/>
-              <a:t>Extra</a:t>
-            </a:r>
-            <a:r>
-              <a:rPr lang="nb-NO" dirty="0"/>
-              <a:t> folder in workshop1</a:t>
-            </a:r>
-            <a:endParaRPr lang="en-NO" dirty="0"/>
-          </a:p>
-          <a:p>
-            <a:pPr marL="0" indent="0">
-              <a:buNone/>
-            </a:pPr>
-            <a:endParaRPr lang="en-NO" dirty="0"/>
+              <a:rPr lang="en-GB"/>
+              <a:t>Most of the </a:t>
+            </a:r>
+            <a:r>
+              <a:rPr lang="en-GB" err="1"/>
+              <a:t>kafka</a:t>
+            </a:r>
+            <a:r>
+              <a:rPr lang="en-GB"/>
+              <a:t> images are from here</a:t>
+            </a:r>
+            <a:endParaRPr lang="en-NO"/>
           </a:p>
         </p:txBody>
       </p:sp>
     </p:spTree>
     <p:extLst>
       <p:ext uri="{BB962C8B-B14F-4D97-AF65-F5344CB8AC3E}">
-        <p14:creationId xmlns:p14="http://schemas.microsoft.com/office/powerpoint/2010/main" val="1619144366"/>
+        <p14:creationId xmlns:p14="http://schemas.microsoft.com/office/powerpoint/2010/main" val="2255175424"/>
       </p:ext>
     </p:extLst>
   </p:cSld>
@@ -21758,7 +21725,7 @@
           <p:cNvPr id="2" name="Title 1">
             <a:extLst>
               <a:ext uri="{FF2B5EF4-FFF2-40B4-BE49-F238E27FC236}">
-                <a16:creationId xmlns:a16="http://schemas.microsoft.com/office/drawing/2014/main" id="{1D31C812-3D5E-4358-D46B-AFEE847C7796}"/>
+                <a16:creationId xmlns:a16="http://schemas.microsoft.com/office/drawing/2014/main" id="{7CF9B9B8-654F-702A-7CB8-98AC51DF52F6}"/>
               </a:ext>
             </a:extLst>
           </p:cNvPr>
@@ -21776,125 +21743,7 @@
           <a:p>
             <a:r>
               <a:rPr lang="en-NO" dirty="0"/>
-              <a:t>For next time</a:t>
-            </a:r>
-          </a:p>
-        </p:txBody>
-      </p:sp>
-      <p:sp>
-        <p:nvSpPr>
-          <p:cNvPr id="3" name="Content Placeholder 2">
-            <a:extLst>
-              <a:ext uri="{FF2B5EF4-FFF2-40B4-BE49-F238E27FC236}">
-                <a16:creationId xmlns:a16="http://schemas.microsoft.com/office/drawing/2014/main" id="{421F4BF0-E443-4D1C-AB91-824585E8A82D}"/>
-              </a:ext>
-            </a:extLst>
-          </p:cNvPr>
-          <p:cNvSpPr>
-            <a:spLocks noGrp="1"/>
-          </p:cNvSpPr>
-          <p:nvPr>
-            <p:ph idx="1"/>
-          </p:nvPr>
-        </p:nvSpPr>
-        <p:spPr/>
-        <p:txBody>
-          <a:bodyPr>
-            <a:normAutofit lnSpcReduction="10000"/>
-          </a:bodyPr>
-          <a:lstStyle/>
-          <a:p>
-            <a:r>
-              <a:rPr lang="en-NO" dirty="0"/>
-              <a:t>Kafka Security</a:t>
-            </a:r>
-          </a:p>
-          <a:p>
-            <a:pPr lvl="1"/>
-            <a:r>
-              <a:rPr lang="en-NO" dirty="0"/>
-              <a:t>H</a:t>
-            </a:r>
-            <a:r>
-              <a:rPr lang="en-GB" dirty="0"/>
-              <a:t>o</a:t>
-            </a:r>
-            <a:r>
-              <a:rPr lang="en-NO" dirty="0"/>
-              <a:t>w does this work?</a:t>
-            </a:r>
-          </a:p>
-          <a:p>
-            <a:r>
-              <a:rPr lang="en-NO" dirty="0"/>
-              <a:t>Kafka Streams</a:t>
-            </a:r>
-          </a:p>
-          <a:p>
-            <a:pPr lvl="1"/>
-            <a:r>
-              <a:rPr lang="en-NO" dirty="0"/>
-              <a:t>Manipulations of data for multiple topics</a:t>
-            </a:r>
-          </a:p>
-          <a:p>
-            <a:r>
-              <a:rPr lang="en-NO" dirty="0"/>
-              <a:t>Kafka Connect</a:t>
-            </a:r>
-          </a:p>
-          <a:p>
-            <a:pPr lvl="1"/>
-            <a:r>
-              <a:rPr lang="nb-NO" dirty="0"/>
-              <a:t>Code by </a:t>
-            </a:r>
-            <a:r>
-              <a:rPr lang="nb-NO" dirty="0" err="1"/>
-              <a:t>others</a:t>
-            </a:r>
-            <a:r>
-              <a:rPr lang="nb-NO" dirty="0"/>
-              <a:t> for sending data to and from </a:t>
-            </a:r>
-            <a:r>
-              <a:rPr lang="nb-NO" dirty="0" err="1"/>
-              <a:t>kafka</a:t>
-            </a:r>
-            <a:r>
-              <a:rPr lang="nb-NO" dirty="0"/>
-              <a:t> </a:t>
-            </a:r>
-            <a:r>
-              <a:rPr lang="nb-NO" dirty="0" err="1"/>
-              <a:t>easier</a:t>
-            </a:r>
-            <a:endParaRPr lang="en-NO" dirty="0"/>
-          </a:p>
-          <a:p>
-            <a:r>
-              <a:rPr lang="en-NO" dirty="0"/>
-              <a:t>Kafka ksql</a:t>
-            </a:r>
-          </a:p>
-          <a:p>
-            <a:pPr lvl="1"/>
-            <a:r>
-              <a:rPr lang="en-NO" dirty="0"/>
-              <a:t>SQL like querying of Kafka topics</a:t>
-            </a:r>
-          </a:p>
-          <a:p>
-            <a:r>
-              <a:rPr lang="en-NO" dirty="0"/>
-              <a:t>Kafka Schema Registry</a:t>
-            </a:r>
-          </a:p>
-          <a:p>
-            <a:pPr lvl="1"/>
-            <a:r>
-              <a:rPr lang="en-NO" dirty="0"/>
-              <a:t>Common format and validation for messages for topics</a:t>
+              <a:t>Short break</a:t>
             </a:r>
           </a:p>
         </p:txBody>
@@ -21902,7 +21751,7 @@
     </p:spTree>
     <p:extLst>
       <p:ext uri="{BB962C8B-B14F-4D97-AF65-F5344CB8AC3E}">
-        <p14:creationId xmlns:p14="http://schemas.microsoft.com/office/powerpoint/2010/main" val="408627567"/>
+        <p14:creationId xmlns:p14="http://schemas.microsoft.com/office/powerpoint/2010/main" val="809815010"/>
       </p:ext>
     </p:extLst>
   </p:cSld>
@@ -21934,7 +21783,7 @@
           <p:cNvPr id="2" name="Title 1">
             <a:extLst>
               <a:ext uri="{FF2B5EF4-FFF2-40B4-BE49-F238E27FC236}">
-                <a16:creationId xmlns:a16="http://schemas.microsoft.com/office/drawing/2014/main" id="{4146490F-7442-8AFE-D40D-C88776AB8907}"/>
+                <a16:creationId xmlns:a16="http://schemas.microsoft.com/office/drawing/2014/main" id="{F9F911E5-6C83-4C44-6B11-CC5122274A34}"/>
               </a:ext>
             </a:extLst>
           </p:cNvPr>
@@ -21951,53 +21800,218 @@
           <a:lstStyle/>
           <a:p>
             <a:r>
+              <a:rPr lang="en-NO"/>
+              <a:t>To the tasks!</a:t>
+            </a:r>
+          </a:p>
+        </p:txBody>
+      </p:sp>
+      <p:sp>
+        <p:nvSpPr>
+          <p:cNvPr id="3" name="Content Placeholder 2">
+            <a:extLst>
+              <a:ext uri="{FF2B5EF4-FFF2-40B4-BE49-F238E27FC236}">
+                <a16:creationId xmlns:a16="http://schemas.microsoft.com/office/drawing/2014/main" id="{C14E9F07-E5BB-1572-75D2-791E7423C76C}"/>
+              </a:ext>
+            </a:extLst>
+          </p:cNvPr>
+          <p:cNvSpPr>
+            <a:spLocks noGrp="1"/>
+          </p:cNvSpPr>
+          <p:nvPr>
+            <p:ph idx="1"/>
+          </p:nvPr>
+        </p:nvSpPr>
+        <p:spPr/>
+        <p:txBody>
+          <a:bodyPr/>
+          <a:lstStyle/>
+          <a:p>
+            <a:r>
               <a:rPr lang="en-NO" dirty="0"/>
-              <a:t>Takk for nu!</a:t>
-            </a:r>
-          </a:p>
-        </p:txBody>
-      </p:sp>
-      <p:sp>
-        <p:nvSpPr>
-          <p:cNvPr id="3" name="Content Placeholder 2">
-            <a:extLst>
-              <a:ext uri="{FF2B5EF4-FFF2-40B4-BE49-F238E27FC236}">
-                <a16:creationId xmlns:a16="http://schemas.microsoft.com/office/drawing/2014/main" id="{8725E1D3-0924-E570-EE10-F1CA3392D0D7}"/>
-              </a:ext>
-            </a:extLst>
-          </p:cNvPr>
-          <p:cNvSpPr>
-            <a:spLocks noGrp="1"/>
-          </p:cNvSpPr>
-          <p:nvPr>
-            <p:ph idx="1"/>
-          </p:nvPr>
-        </p:nvSpPr>
-        <p:spPr/>
-        <p:txBody>
-          <a:bodyPr/>
-          <a:lstStyle/>
-          <a:p>
-            <a:r>
-              <a:rPr lang="en-GB" dirty="0"/>
-              <a:t>https://</a:t>
-            </a:r>
-            <a:r>
-              <a:rPr lang="en-GB" dirty="0" err="1"/>
-              <a:t>forms.office.com</a:t>
-            </a:r>
-            <a:r>
-              <a:rPr lang="en-GB" dirty="0"/>
-              <a:t>/e/7w0jzgRtpx</a:t>
-            </a:r>
-            <a:endParaRPr lang="en-NO" dirty="0"/>
+              <a:t>GitHub</a:t>
+            </a:r>
+          </a:p>
+          <a:p>
+            <a:pPr lvl="1"/>
+            <a:r>
+              <a:rPr lang="en-NO" dirty="0"/>
+              <a:t>CLI</a:t>
+            </a:r>
+          </a:p>
+          <a:p>
+            <a:pPr lvl="1"/>
+            <a:r>
+              <a:rPr lang="en-NO" dirty="0"/>
+              <a:t>Code</a:t>
+            </a:r>
+          </a:p>
+          <a:p>
+            <a:pPr lvl="1"/>
+            <a:r>
+              <a:rPr lang="en-NO" dirty="0"/>
+              <a:t>Forum</a:t>
+            </a:r>
+          </a:p>
+          <a:p>
+            <a:pPr lvl="1"/>
+            <a:r>
+              <a:rPr lang="en-NO" dirty="0"/>
+              <a:t>extra</a:t>
+            </a:r>
           </a:p>
         </p:txBody>
       </p:sp>
     </p:spTree>
     <p:extLst>
       <p:ext uri="{BB962C8B-B14F-4D97-AF65-F5344CB8AC3E}">
-        <p14:creationId xmlns:p14="http://schemas.microsoft.com/office/powerpoint/2010/main" val="520938459"/>
+        <p14:creationId xmlns:p14="http://schemas.microsoft.com/office/powerpoint/2010/main" val="1619144366"/>
+      </p:ext>
+    </p:extLst>
+  </p:cSld>
+  <p:clrMapOvr>
+    <a:masterClrMapping/>
+  </p:clrMapOvr>
+</p:sld>
+</file>
+
+<file path=ppt/slides/slide55.xml><?xml version="1.0" encoding="utf-8"?>
+<p:sld xmlns:a="http://schemas.openxmlformats.org/drawingml/2006/main" xmlns:r="http://schemas.openxmlformats.org/officeDocument/2006/relationships" xmlns:p="http://schemas.openxmlformats.org/presentationml/2006/main">
+  <p:cSld>
+    <p:spTree>
+      <p:nvGrpSpPr>
+        <p:cNvPr id="1" name=""/>
+        <p:cNvGrpSpPr/>
+        <p:nvPr/>
+      </p:nvGrpSpPr>
+      <p:grpSpPr>
+        <a:xfrm>
+          <a:off x="0" y="0"/>
+          <a:ext cx="0" cy="0"/>
+          <a:chOff x="0" y="0"/>
+          <a:chExt cx="0" cy="0"/>
+        </a:xfrm>
+      </p:grpSpPr>
+      <p:sp>
+        <p:nvSpPr>
+          <p:cNvPr id="2" name="Title 1">
+            <a:extLst>
+              <a:ext uri="{FF2B5EF4-FFF2-40B4-BE49-F238E27FC236}">
+                <a16:creationId xmlns:a16="http://schemas.microsoft.com/office/drawing/2014/main" id="{1D31C812-3D5E-4358-D46B-AFEE847C7796}"/>
+              </a:ext>
+            </a:extLst>
+          </p:cNvPr>
+          <p:cNvSpPr>
+            <a:spLocks noGrp="1"/>
+          </p:cNvSpPr>
+          <p:nvPr>
+            <p:ph type="title"/>
+          </p:nvPr>
+        </p:nvSpPr>
+        <p:spPr/>
+        <p:txBody>
+          <a:bodyPr/>
+          <a:lstStyle/>
+          <a:p>
+            <a:r>
+              <a:rPr lang="en-NO"/>
+              <a:t>Til neste gang</a:t>
+            </a:r>
+          </a:p>
+        </p:txBody>
+      </p:sp>
+      <p:sp>
+        <p:nvSpPr>
+          <p:cNvPr id="3" name="Content Placeholder 2">
+            <a:extLst>
+              <a:ext uri="{FF2B5EF4-FFF2-40B4-BE49-F238E27FC236}">
+                <a16:creationId xmlns:a16="http://schemas.microsoft.com/office/drawing/2014/main" id="{421F4BF0-E443-4D1C-AB91-824585E8A82D}"/>
+              </a:ext>
+            </a:extLst>
+          </p:cNvPr>
+          <p:cNvSpPr>
+            <a:spLocks noGrp="1"/>
+          </p:cNvSpPr>
+          <p:nvPr>
+            <p:ph idx="1"/>
+          </p:nvPr>
+        </p:nvSpPr>
+        <p:spPr/>
+        <p:txBody>
+          <a:bodyPr/>
+          <a:lstStyle/>
+          <a:p>
+            <a:r>
+              <a:rPr lang="en-NO" dirty="0"/>
+              <a:t>Kafka Schema Regsitry</a:t>
+            </a:r>
+          </a:p>
+          <a:p>
+            <a:r>
+              <a:rPr lang="en-NO" dirty="0"/>
+              <a:t>Kafka Streams</a:t>
+            </a:r>
+          </a:p>
+          <a:p>
+            <a:pPr lvl="1"/>
+            <a:r>
+              <a:rPr lang="en-NO" dirty="0"/>
+              <a:t>Manipulering av Data</a:t>
+            </a:r>
+          </a:p>
+          <a:p>
+            <a:r>
+              <a:rPr lang="en-NO" dirty="0"/>
+              <a:t>Kafka Connect</a:t>
+            </a:r>
+          </a:p>
+          <a:p>
+            <a:pPr lvl="1"/>
+            <a:r>
+              <a:rPr lang="nb-NO" dirty="0"/>
+              <a:t>Code by </a:t>
+            </a:r>
+            <a:r>
+              <a:rPr lang="nb-NO" dirty="0" err="1"/>
+              <a:t>others</a:t>
+            </a:r>
+            <a:r>
+              <a:rPr lang="nb-NO" dirty="0"/>
+              <a:t> for sending data to and from </a:t>
+            </a:r>
+            <a:r>
+              <a:rPr lang="nb-NO" dirty="0" err="1"/>
+              <a:t>kafka</a:t>
+            </a:r>
+            <a:r>
+              <a:rPr lang="nb-NO" dirty="0"/>
+              <a:t> </a:t>
+            </a:r>
+            <a:r>
+              <a:rPr lang="nb-NO" dirty="0" err="1"/>
+              <a:t>easier</a:t>
+            </a:r>
+            <a:endParaRPr lang="en-NO" dirty="0"/>
+          </a:p>
+          <a:p>
+            <a:r>
+              <a:rPr lang="en-NO" dirty="0"/>
+              <a:t>Kafka ksql</a:t>
+            </a:r>
+          </a:p>
+          <a:p>
+            <a:pPr lvl="1"/>
+            <a:r>
+              <a:rPr lang="en-NO" dirty="0"/>
+              <a:t>SQL like querying of Kafka topics</a:t>
+            </a:r>
+          </a:p>
+        </p:txBody>
+      </p:sp>
+    </p:spTree>
+    <p:extLst>
+      <p:ext uri="{BB962C8B-B14F-4D97-AF65-F5344CB8AC3E}">
+        <p14:creationId xmlns:p14="http://schemas.microsoft.com/office/powerpoint/2010/main" val="408627567"/>
       </p:ext>
     </p:extLst>
   </p:cSld>
@@ -22075,13 +22089,13 @@
           <a:lstStyle/>
           <a:p>
             <a:r>
-              <a:rPr lang="en-US" b="1" dirty="0">
+              <a:rPr lang="en-US" b="1">
                 <a:ea typeface="+mj-lt"/>
                 <a:cs typeface="+mj-lt"/>
               </a:rPr>
               <a:t>Docker Architecture and Components</a:t>
             </a:r>
-            <a:endParaRPr lang="en-US" dirty="0"/>
+            <a:endParaRPr lang="en-US"/>
           </a:p>
         </p:txBody>
       </p:sp>
@@ -22137,12 +22151,12 @@
           <a:lstStyle/>
           <a:p>
             <a:r>
-              <a:rPr lang="en-US" dirty="0">
+              <a:rPr lang="en-US">
                 <a:cs typeface="Calibri Light"/>
               </a:rPr>
               <a:t>Getting started</a:t>
             </a:r>
-            <a:endParaRPr lang="en-US" dirty="0"/>
+            <a:endParaRPr lang="en-US"/>
           </a:p>
         </p:txBody>
       </p:sp>
@@ -22170,7 +22184,7 @@
           <a:lstStyle/>
           <a:p>
             <a:r>
-              <a:rPr lang="en-US" dirty="0">
+              <a:rPr lang="en-US">
                 <a:cs typeface="Calibri"/>
               </a:rPr>
               <a:t>NB! Docker Desktop is a commercial product and there are licensing stuff to deal with</a:t>
@@ -22178,7 +22192,7 @@
           </a:p>
           <a:p>
             <a:r>
-              <a:rPr lang="en-US" dirty="0">
+              <a:rPr lang="en-US">
                 <a:cs typeface="Calibri"/>
               </a:rPr>
               <a:t>I recommend going full open source. That means:</a:t>
@@ -22190,31 +22204,31 @@
               <a:buChar char="o"/>
             </a:pPr>
             <a:r>
-              <a:rPr lang="en-US" dirty="0">
+              <a:rPr lang="en-US">
                 <a:cs typeface="Calibri"/>
               </a:rPr>
               <a:t>Linux: install docker (or </a:t>
             </a:r>
             <a:r>
-              <a:rPr lang="en-US" dirty="0" err="1">
+              <a:rPr lang="en-US" err="1">
                 <a:cs typeface="Calibri"/>
               </a:rPr>
               <a:t>moby</a:t>
             </a:r>
             <a:r>
-              <a:rPr lang="en-US" dirty="0">
+              <a:rPr lang="en-US">
                 <a:cs typeface="Calibri"/>
               </a:rPr>
               <a:t>), or </a:t>
             </a:r>
             <a:r>
-              <a:rPr lang="en-US" dirty="0" err="1">
+              <a:rPr lang="en-US" err="1">
                 <a:cs typeface="Calibri"/>
               </a:rPr>
               <a:t>podman</a:t>
             </a:r>
             <a:r>
-              <a:rPr lang="en-US" dirty="0">
+              <a:rPr lang="en-US">
                 <a:cs typeface="Calibri"/>
               </a:rPr>
               <a:t> via package manager. Remember to add your user to the docker group!</a:t>
@@ -22226,7 +22240,7 @@
               <a:buChar char="o"/>
             </a:pPr>
             <a:r>
-              <a:rPr lang="en-US" dirty="0">
+              <a:rPr lang="en-US">
                 <a:cs typeface="Calibri"/>
               </a:rPr>
               <a:t>Mac: Colima or </a:t>
@@ -22247,12 +22261,12 @@
               <a:buChar char="o"/>
             </a:pPr>
             <a:r>
-              <a:rPr lang="en-US" dirty="0">
+              <a:rPr lang="en-US">
                 <a:cs typeface="Calibri"/>
               </a:rPr>
               <a:t>Windows: Rancher Desktop</a:t>
             </a:r>
-            <a:endParaRPr lang="en-US" dirty="0">
+            <a:endParaRPr lang="en-US">
               <a:ea typeface="Calibri" panose="020F0502020204030204"/>
               <a:cs typeface="Calibri"/>
             </a:endParaRPr>
@@ -22311,12 +22325,12 @@
           <a:lstStyle/>
           <a:p>
             <a:r>
-              <a:rPr lang="en-US" dirty="0">
+              <a:rPr lang="en-US">
                 <a:cs typeface="Calibri Light"/>
               </a:rPr>
               <a:t>Basic commands</a:t>
             </a:r>
-            <a:endParaRPr lang="en-US" dirty="0"/>
+            <a:endParaRPr lang="en-US"/>
           </a:p>
         </p:txBody>
       </p:sp>
@@ -22344,118 +22358,118 @@
           <a:lstStyle/>
           <a:p>
             <a:r>
-              <a:rPr lang="en-US" i="1" dirty="0">
+              <a:rPr lang="en-US" i="1">
                 <a:ea typeface="+mn-lt"/>
                 <a:cs typeface="+mn-lt"/>
               </a:rPr>
               <a:t>docker pull:</a:t>
             </a:r>
             <a:r>
-              <a:rPr lang="en-US" dirty="0">
+              <a:rPr lang="en-US">
                 <a:ea typeface="+mn-lt"/>
                 <a:cs typeface="+mn-lt"/>
               </a:rPr>
               <a:t> Download Docker images from a registry.</a:t>
             </a:r>
-            <a:endParaRPr lang="en-US" dirty="0">
+            <a:endParaRPr lang="en-US">
               <a:cs typeface="Calibri" panose="020F0502020204030204"/>
             </a:endParaRPr>
           </a:p>
           <a:p>
             <a:r>
-              <a:rPr lang="en-US" i="1" dirty="0">
+              <a:rPr lang="en-US" i="1">
                 <a:ea typeface="+mn-lt"/>
                 <a:cs typeface="+mn-lt"/>
               </a:rPr>
               <a:t>docker build:</a:t>
             </a:r>
             <a:r>
-              <a:rPr lang="en-US" dirty="0">
+              <a:rPr lang="en-US">
                 <a:ea typeface="+mn-lt"/>
                 <a:cs typeface="+mn-lt"/>
               </a:rPr>
               <a:t> Create a Docker image from a </a:t>
             </a:r>
             <a:r>
-              <a:rPr lang="en-US" dirty="0" err="1">
+              <a:rPr lang="en-US" err="1">
                 <a:ea typeface="+mn-lt"/>
                 <a:cs typeface="+mn-lt"/>
               </a:rPr>
               <a:t>Dockerfile</a:t>
             </a:r>
             <a:r>
-              <a:rPr lang="en-US" dirty="0">
+              <a:rPr lang="en-US">
                 <a:ea typeface="+mn-lt"/>
                 <a:cs typeface="+mn-lt"/>
               </a:rPr>
               <a:t>.</a:t>
             </a:r>
-            <a:endParaRPr lang="en-US" dirty="0"/>
-          </a:p>
-          <a:p>
-            <a:r>
-              <a:rPr lang="en-US" i="1" dirty="0">
+            <a:endParaRPr lang="en-US"/>
+          </a:p>
+          <a:p>
+            <a:r>
+              <a:rPr lang="en-US" i="1">
                 <a:ea typeface="+mn-lt"/>
                 <a:cs typeface="+mn-lt"/>
               </a:rPr>
               <a:t>docker run:</a:t>
             </a:r>
             <a:r>
-              <a:rPr lang="en-US" dirty="0">
+              <a:rPr lang="en-US">
                 <a:ea typeface="+mn-lt"/>
                 <a:cs typeface="+mn-lt"/>
               </a:rPr>
               <a:t> Start a container from a specific image.</a:t>
             </a:r>
-            <a:endParaRPr lang="en-US" dirty="0"/>
-          </a:p>
-          <a:p>
-            <a:r>
-              <a:rPr lang="en-US" i="1" dirty="0">
+            <a:endParaRPr lang="en-US"/>
+          </a:p>
+          <a:p>
+            <a:r>
+              <a:rPr lang="en-US" i="1">
                 <a:ea typeface="+mn-lt"/>
                 <a:cs typeface="+mn-lt"/>
               </a:rPr>
               <a:t>docker </a:t>
             </a:r>
             <a:r>
-              <a:rPr lang="en-US" i="1" dirty="0" err="1">
+              <a:rPr lang="en-US" i="1" err="1">
                 <a:ea typeface="+mn-lt"/>
                 <a:cs typeface="+mn-lt"/>
               </a:rPr>
               <a:t>ps</a:t>
             </a:r>
             <a:r>
-              <a:rPr lang="en-US" i="1" dirty="0">
+              <a:rPr lang="en-US" i="1">
                 <a:ea typeface="+mn-lt"/>
                 <a:cs typeface="+mn-lt"/>
               </a:rPr>
               <a:t>:</a:t>
             </a:r>
             <a:r>
-              <a:rPr lang="en-US" dirty="0">
+              <a:rPr lang="en-US">
                 <a:ea typeface="+mn-lt"/>
                 <a:cs typeface="+mn-lt"/>
               </a:rPr>
               <a:t> View active containers.</a:t>
             </a:r>
-            <a:endParaRPr lang="en-US" dirty="0"/>
-          </a:p>
-          <a:p>
-            <a:r>
-              <a:rPr lang="en-US" i="1" dirty="0">
+            <a:endParaRPr lang="en-US"/>
+          </a:p>
+          <a:p>
+            <a:r>
+              <a:rPr lang="en-US" i="1">
                 <a:ea typeface="+mn-lt"/>
                 <a:cs typeface="+mn-lt"/>
               </a:rPr>
               <a:t>docker stop/rm:</a:t>
             </a:r>
             <a:r>
-              <a:rPr lang="en-US" dirty="0">
+              <a:rPr lang="en-US">
                 <a:ea typeface="+mn-lt"/>
                 <a:cs typeface="+mn-lt"/>
               </a:rPr>
               <a:t> Stop or remove a container.</a:t>
             </a:r>
-            <a:endParaRPr lang="en-US" dirty="0"/>
+            <a:endParaRPr lang="en-US"/>
           </a:p>
         </p:txBody>
       </p:sp>
@@ -22511,12 +22525,12 @@
           <a:lstStyle/>
           <a:p>
             <a:r>
-              <a:rPr lang="en-US" dirty="0">
+              <a:rPr lang="en-US">
                 <a:cs typeface="Calibri Light"/>
               </a:rPr>
               <a:t>Docker-compose</a:t>
             </a:r>
-            <a:endParaRPr lang="en-US" dirty="0"/>
+            <a:endParaRPr lang="en-US"/>
           </a:p>
         </p:txBody>
       </p:sp>
@@ -22544,21 +22558,15 @@
           <a:lstStyle/>
           <a:p>
             <a:r>
-              <a:rPr lang="en-US" dirty="0">
-                <a:cs typeface="Calibri"/>
-              </a:rPr>
-              <a:t>If you have a hairy setup (like we will have in this CG course), you can </a:t>
-            </a:r>
-            <a:r>
               <a:rPr lang="en-US">
                 <a:cs typeface="Calibri"/>
               </a:rPr>
-              <a:t>use docker-compose to streamline the process</a:t>
-            </a:r>
-          </a:p>
-          <a:p>
-            <a:r>
-              <a:rPr lang="en-US" dirty="0">
+              <a:t>If you have a hairy setup (like we will have in this CG course), you can use docker-compose to streamline the process</a:t>
+            </a:r>
+          </a:p>
+          <a:p>
+            <a:r>
+              <a:rPr lang="en-US">
                 <a:cs typeface="Calibri"/>
               </a:rPr>
               <a:t>It is a utility that reads a </a:t>
@@ -22570,7 +22578,7 @@
               <a:t>yaml</a:t>
             </a:r>
             <a:r>
-              <a:rPr lang="en-US" dirty="0">
+              <a:rPr lang="en-US">
                 <a:cs typeface="Calibri"/>
               </a:rPr>
               <a:t> file and runs appropriate docker commands</a:t>
@@ -22578,19 +22586,19 @@
           </a:p>
           <a:p>
             <a:r>
-              <a:rPr lang="en-US" dirty="0">
+              <a:rPr lang="en-US">
                 <a:cs typeface="Calibri"/>
               </a:rPr>
               <a:t>Lets you write complex setups declaratively rather than </a:t>
             </a:r>
             <a:r>
-              <a:rPr lang="en-US" dirty="0" err="1">
+              <a:rPr lang="en-US" err="1">
                 <a:cs typeface="Calibri"/>
               </a:rPr>
               <a:t>maintaing</a:t>
             </a:r>
             <a:r>
-              <a:rPr lang="en-US" dirty="0">
+              <a:rPr lang="en-US">
                 <a:cs typeface="Calibri"/>
               </a:rPr>
               <a:t> large scripts of docker commands</a:t>
